--- a/2016/seminars/sem09_retail_tsf_ml/seminar_10_v2.pptx
+++ b/2016/seminars/sem09_retail_tsf_ml/seminar_10_v2.pptx
@@ -1371,11 +1371,11 @@
           <c:showBubbleSize val="0"/>
         </c:dLbls>
         <c:smooth val="0"/>
-        <c:axId val="233465808"/>
-        <c:axId val="233462672"/>
+        <c:axId val="230300800"/>
+        <c:axId val="210217144"/>
       </c:lineChart>
       <c:dateAx>
-        <c:axId val="233465808"/>
+        <c:axId val="230300800"/>
         <c:scaling>
           <c:orientation val="minMax"/>
         </c:scaling>
@@ -1388,14 +1388,14 @@
         <c:spPr>
           <a:ln w="28575"/>
         </c:spPr>
-        <c:crossAx val="233462672"/>
+        <c:crossAx val="210217144"/>
         <c:crosses val="autoZero"/>
         <c:auto val="1"/>
         <c:lblOffset val="100"/>
         <c:baseTimeUnit val="days"/>
       </c:dateAx>
       <c:valAx>
-        <c:axId val="233462672"/>
+        <c:axId val="210217144"/>
         <c:scaling>
           <c:orientation val="minMax"/>
         </c:scaling>
@@ -1408,7 +1408,7 @@
         <c:spPr>
           <a:ln w="28575"/>
         </c:spPr>
-        <c:crossAx val="233465808"/>
+        <c:crossAx val="230300800"/>
         <c:crosses val="autoZero"/>
         <c:crossBetween val="between"/>
       </c:valAx>
@@ -2920,11 +2920,11 @@
           <c:showBubbleSize val="0"/>
         </c:dLbls>
         <c:smooth val="0"/>
-        <c:axId val="388290904"/>
-        <c:axId val="390864712"/>
+        <c:axId val="234329624"/>
+        <c:axId val="234330008"/>
       </c:lineChart>
       <c:dateAx>
-        <c:axId val="388290904"/>
+        <c:axId val="234329624"/>
         <c:scaling>
           <c:orientation val="minMax"/>
         </c:scaling>
@@ -2934,14 +2934,14 @@
         <c:majorTickMark val="out"/>
         <c:minorTickMark val="none"/>
         <c:tickLblPos val="none"/>
-        <c:crossAx val="390864712"/>
+        <c:crossAx val="234330008"/>
         <c:crosses val="autoZero"/>
         <c:auto val="1"/>
         <c:lblOffset val="100"/>
         <c:baseTimeUnit val="days"/>
       </c:dateAx>
       <c:valAx>
-        <c:axId val="390864712"/>
+        <c:axId val="234330008"/>
         <c:scaling>
           <c:orientation val="minMax"/>
         </c:scaling>
@@ -2951,7 +2951,7 @@
         <c:majorTickMark val="out"/>
         <c:minorTickMark val="none"/>
         <c:tickLblPos val="none"/>
-        <c:crossAx val="388290904"/>
+        <c:crossAx val="234329624"/>
         <c:crosses val="autoZero"/>
         <c:crossBetween val="between"/>
       </c:valAx>
@@ -4632,11 +4632,11 @@
           <c:showBubbleSize val="0"/>
         </c:dLbls>
         <c:smooth val="0"/>
-        <c:axId val="390866280"/>
-        <c:axId val="390865888"/>
+        <c:axId val="234269696"/>
+        <c:axId val="233819000"/>
       </c:lineChart>
       <c:dateAx>
-        <c:axId val="390866280"/>
+        <c:axId val="234269696"/>
         <c:scaling>
           <c:orientation val="minMax"/>
         </c:scaling>
@@ -4646,14 +4646,14 @@
         <c:majorTickMark val="out"/>
         <c:minorTickMark val="none"/>
         <c:tickLblPos val="none"/>
-        <c:crossAx val="390865888"/>
+        <c:crossAx val="233819000"/>
         <c:crosses val="autoZero"/>
         <c:auto val="1"/>
         <c:lblOffset val="100"/>
         <c:baseTimeUnit val="days"/>
       </c:dateAx>
       <c:valAx>
-        <c:axId val="390865888"/>
+        <c:axId val="233819000"/>
         <c:scaling>
           <c:orientation val="minMax"/>
         </c:scaling>
@@ -4663,7 +4663,7 @@
         <c:majorTickMark val="out"/>
         <c:minorTickMark val="none"/>
         <c:tickLblPos val="none"/>
-        <c:crossAx val="390866280"/>
+        <c:crossAx val="234269696"/>
         <c:crosses val="autoZero"/>
         <c:crossBetween val="between"/>
       </c:valAx>
@@ -6228,11 +6228,11 @@
           <c:showBubbleSize val="0"/>
         </c:dLbls>
         <c:smooth val="0"/>
-        <c:axId val="234994560"/>
-        <c:axId val="605740800"/>
+        <c:axId val="233819392"/>
+        <c:axId val="233819784"/>
       </c:lineChart>
       <c:dateAx>
-        <c:axId val="234994560"/>
+        <c:axId val="233819392"/>
         <c:scaling>
           <c:orientation val="minMax"/>
         </c:scaling>
@@ -6242,14 +6242,14 @@
         <c:majorTickMark val="out"/>
         <c:minorTickMark val="none"/>
         <c:tickLblPos val="none"/>
-        <c:crossAx val="605740800"/>
+        <c:crossAx val="233819784"/>
         <c:crosses val="autoZero"/>
         <c:auto val="1"/>
         <c:lblOffset val="100"/>
         <c:baseTimeUnit val="days"/>
       </c:dateAx>
       <c:valAx>
-        <c:axId val="605740800"/>
+        <c:axId val="233819784"/>
         <c:scaling>
           <c:orientation val="minMax"/>
         </c:scaling>
@@ -6259,7 +6259,7 @@
         <c:majorTickMark val="out"/>
         <c:minorTickMark val="none"/>
         <c:tickLblPos val="none"/>
-        <c:crossAx val="234994560"/>
+        <c:crossAx val="233819392"/>
         <c:crosses val="autoZero"/>
         <c:crossBetween val="between"/>
       </c:valAx>
@@ -7920,6 +7920,5875 @@
                 </a:r>
               </a:p>
               <a:p>
+                <a:endParaRPr lang="ru-RU" dirty="0" smtClean="0"/>
+              </a:p>
+              <a:p>
+                <a:r>
+                  <a:rPr lang="ru-RU" sz="1200" kern="1200" dirty="0" smtClean="0">
+                    <a:solidFill>
+                      <a:schemeClr val="tx1"/>
+                    </a:solidFill>
+                    <a:effectLst/>
+                    <a:latin typeface="+mn-lt"/>
+                    <a:ea typeface="+mn-ea"/>
+                    <a:cs typeface="+mn-cs"/>
+                  </a:rPr>
+                  <a:t>Решение оптимизационной задачи:</a:t>
+                </a:r>
+              </a:p>
+              <a:p>
+                <a:pPr lvl="0"/>
+                <a:r>
+                  <a:rPr lang="ru-RU" sz="1200" kern="1200" dirty="0">
+                    <a:solidFill>
+                      <a:schemeClr val="tx1"/>
+                    </a:solidFill>
+                    <a:effectLst/>
+                    <a:latin typeface="+mn-lt"/>
+                    <a:ea typeface="+mn-ea"/>
+                    <a:cs typeface="+mn-cs"/>
+                  </a:rPr>
+                  <a:t>воспользуемся разложением Тейлора</a:t>
+                </a:r>
+                <a:r>
+                  <a:rPr lang="en-US" sz="1200" kern="1200" dirty="0">
+                    <a:solidFill>
+                      <a:schemeClr val="tx1"/>
+                    </a:solidFill>
+                    <a:effectLst/>
+                    <a:latin typeface="+mn-lt"/>
+                    <a:ea typeface="+mn-ea"/>
+                    <a:cs typeface="+mn-cs"/>
+                  </a:rPr>
+                  <a:t>:</a:t>
+                </a:r>
+                <a:endParaRPr lang="ru-RU" sz="1200" kern="1200" dirty="0">
+                  <a:solidFill>
+                    <a:schemeClr val="tx1"/>
+                  </a:solidFill>
+                  <a:effectLst/>
+                  <a:latin typeface="+mn-lt"/>
+                  <a:ea typeface="+mn-ea"/>
+                  <a:cs typeface="+mn-cs"/>
+                </a:endParaRPr>
+              </a:p>
+              <a:p>
+                <a14:m>
+                  <m:oMathPara xmlns:m="http://schemas.openxmlformats.org/officeDocument/2006/math">
+                    <m:oMathParaPr>
+                      <m:jc m:val="centerGroup"/>
+                    </m:oMathParaPr>
+                    <m:oMath xmlns:m="http://schemas.openxmlformats.org/officeDocument/2006/math">
+                      <m:r>
+                        <a:rPr lang="ru-RU" sz="1200" i="1" kern="1200">
+                          <a:solidFill>
+                            <a:schemeClr val="tx1"/>
+                          </a:solidFill>
+                          <a:effectLst/>
+                          <a:latin typeface="+mn-lt"/>
+                          <a:ea typeface="+mn-ea"/>
+                          <a:cs typeface="+mn-cs"/>
+                        </a:rPr>
+                        <m:t>1−</m:t>
+                      </m:r>
+                      <m:nary>
+                        <m:naryPr>
+                          <m:chr m:val="∑"/>
+                          <m:ctrlPr>
+                            <a:rPr lang="ru-RU" sz="1200" i="1" kern="1200">
+                              <a:solidFill>
+                                <a:schemeClr val="tx1"/>
+                              </a:solidFill>
+                              <a:effectLst/>
+                              <a:latin typeface="+mn-lt"/>
+                              <a:ea typeface="+mn-ea"/>
+                              <a:cs typeface="+mn-cs"/>
+                            </a:rPr>
+                          </m:ctrlPr>
+                        </m:naryPr>
+                        <m:sub>
+                          <m:r>
+                            <a:rPr lang="ru-RU" sz="1200" i="1" kern="1200">
+                              <a:solidFill>
+                                <a:schemeClr val="tx1"/>
+                              </a:solidFill>
+                              <a:effectLst/>
+                              <a:latin typeface="+mn-lt"/>
+                              <a:ea typeface="+mn-ea"/>
+                              <a:cs typeface="+mn-cs"/>
+                            </a:rPr>
+                            <m:t>𝑙</m:t>
+                          </m:r>
+                          <m:r>
+                            <a:rPr lang="ru-RU" sz="1200" i="1" kern="1200">
+                              <a:solidFill>
+                                <a:schemeClr val="tx1"/>
+                              </a:solidFill>
+                              <a:effectLst/>
+                              <a:latin typeface="+mn-lt"/>
+                              <a:ea typeface="+mn-ea"/>
+                              <a:cs typeface="+mn-cs"/>
+                            </a:rPr>
+                            <m:t>=0</m:t>
+                          </m:r>
+                        </m:sub>
+                        <m:sup>
+                          <m:sSub>
+                            <m:sSubPr>
+                              <m:ctrlPr>
+                                <a:rPr lang="ru-RU" sz="1200" i="1" kern="1200">
+                                  <a:solidFill>
+                                    <a:schemeClr val="tx1"/>
+                                  </a:solidFill>
+                                  <a:effectLst/>
+                                  <a:latin typeface="+mn-lt"/>
+                                  <a:ea typeface="+mn-ea"/>
+                                  <a:cs typeface="+mn-cs"/>
+                                </a:rPr>
+                              </m:ctrlPr>
+                            </m:sSubPr>
+                            <m:e>
+                              <m:r>
+                                <a:rPr lang="ru-RU" sz="1200" i="1" kern="1200">
+                                  <a:solidFill>
+                                    <a:schemeClr val="tx1"/>
+                                  </a:solidFill>
+                                  <a:effectLst/>
+                                  <a:latin typeface="+mn-lt"/>
+                                  <a:ea typeface="+mn-ea"/>
+                                  <a:cs typeface="+mn-cs"/>
+                                </a:rPr>
+                                <m:t>𝑚</m:t>
+                              </m:r>
+                            </m:e>
+                            <m:sub>
+                              <m:r>
+                                <a:rPr lang="ru-RU" sz="1200" i="1" kern="1200">
+                                  <a:solidFill>
+                                    <a:schemeClr val="tx1"/>
+                                  </a:solidFill>
+                                  <a:effectLst/>
+                                  <a:latin typeface="+mn-lt"/>
+                                  <a:ea typeface="+mn-ea"/>
+                                  <a:cs typeface="+mn-cs"/>
+                                </a:rPr>
+                                <m:t>𝑖</m:t>
+                              </m:r>
+                            </m:sub>
+                          </m:sSub>
+                          <m:r>
+                            <a:rPr lang="ru-RU" sz="1200" i="1" kern="1200">
+                              <a:solidFill>
+                                <a:schemeClr val="tx1"/>
+                              </a:solidFill>
+                              <a:effectLst/>
+                              <a:latin typeface="+mn-lt"/>
+                              <a:ea typeface="+mn-ea"/>
+                              <a:cs typeface="+mn-cs"/>
+                            </a:rPr>
+                            <m:t>−1</m:t>
+                          </m:r>
+                        </m:sup>
+                        <m:e>
+                          <m:f>
+                            <m:fPr>
+                              <m:ctrlPr>
+                                <a:rPr lang="ru-RU" sz="1200" i="1" kern="1200">
+                                  <a:solidFill>
+                                    <a:schemeClr val="tx1"/>
+                                  </a:solidFill>
+                                  <a:effectLst/>
+                                  <a:latin typeface="+mn-lt"/>
+                                  <a:ea typeface="+mn-ea"/>
+                                  <a:cs typeface="+mn-cs"/>
+                                </a:rPr>
+                              </m:ctrlPr>
+                            </m:fPr>
+                            <m:num>
+                              <m:sSup>
+                                <m:sSupPr>
+                                  <m:ctrlPr>
+                                    <a:rPr lang="ru-RU" sz="1200" i="1" kern="1200">
+                                      <a:solidFill>
+                                        <a:schemeClr val="tx1"/>
+                                      </a:solidFill>
+                                      <a:effectLst/>
+                                      <a:latin typeface="+mn-lt"/>
+                                      <a:ea typeface="+mn-ea"/>
+                                      <a:cs typeface="+mn-cs"/>
+                                    </a:rPr>
+                                  </m:ctrlPr>
+                                </m:sSupPr>
+                                <m:e>
+                                  <m:d>
+                                    <m:dPr>
+                                      <m:ctrlPr>
+                                        <a:rPr lang="ru-RU" sz="1200" i="1" kern="1200">
+                                          <a:solidFill>
+                                            <a:schemeClr val="tx1"/>
+                                          </a:solidFill>
+                                          <a:effectLst/>
+                                          <a:latin typeface="+mn-lt"/>
+                                          <a:ea typeface="+mn-ea"/>
+                                          <a:cs typeface="+mn-cs"/>
+                                        </a:rPr>
+                                      </m:ctrlPr>
+                                    </m:dPr>
+                                    <m:e>
+                                      <m:r>
+                                        <a:rPr lang="ru-RU" sz="1200" i="1" kern="1200">
+                                          <a:solidFill>
+                                            <a:schemeClr val="tx1"/>
+                                          </a:solidFill>
+                                          <a:effectLst/>
+                                          <a:latin typeface="+mn-lt"/>
+                                          <a:ea typeface="+mn-ea"/>
+                                          <a:cs typeface="+mn-cs"/>
+                                        </a:rPr>
+                                        <m:t>𝜆</m:t>
+                                      </m:r>
+                                    </m:e>
+                                  </m:d>
+                                </m:e>
+                                <m:sup>
+                                  <m:r>
+                                    <a:rPr lang="ru-RU" sz="1200" i="1" kern="1200">
+                                      <a:solidFill>
+                                        <a:schemeClr val="tx1"/>
+                                      </a:solidFill>
+                                      <a:effectLst/>
+                                      <a:latin typeface="+mn-lt"/>
+                                      <a:ea typeface="+mn-ea"/>
+                                      <a:cs typeface="+mn-cs"/>
+                                    </a:rPr>
+                                    <m:t>𝑙</m:t>
+                                  </m:r>
+                                </m:sup>
+                              </m:sSup>
+                            </m:num>
+                            <m:den>
+                              <m:r>
+                                <a:rPr lang="ru-RU" sz="1200" i="1" kern="1200">
+                                  <a:solidFill>
+                                    <a:schemeClr val="tx1"/>
+                                  </a:solidFill>
+                                  <a:effectLst/>
+                                  <a:latin typeface="+mn-lt"/>
+                                  <a:ea typeface="+mn-ea"/>
+                                  <a:cs typeface="+mn-cs"/>
+                                </a:rPr>
+                                <m:t>𝑙</m:t>
+                              </m:r>
+                              <m:r>
+                                <a:rPr lang="ru-RU" sz="1200" i="1" kern="1200">
+                                  <a:solidFill>
+                                    <a:schemeClr val="tx1"/>
+                                  </a:solidFill>
+                                  <a:effectLst/>
+                                  <a:latin typeface="+mn-lt"/>
+                                  <a:ea typeface="+mn-ea"/>
+                                  <a:cs typeface="+mn-cs"/>
+                                </a:rPr>
+                                <m:t>!</m:t>
+                              </m:r>
+                            </m:den>
+                          </m:f>
+                          <m:sSup>
+                            <m:sSupPr>
+                              <m:ctrlPr>
+                                <a:rPr lang="ru-RU" sz="1200" i="1" kern="1200">
+                                  <a:solidFill>
+                                    <a:schemeClr val="tx1"/>
+                                  </a:solidFill>
+                                  <a:effectLst/>
+                                  <a:latin typeface="+mn-lt"/>
+                                  <a:ea typeface="+mn-ea"/>
+                                  <a:cs typeface="+mn-cs"/>
+                                </a:rPr>
+                              </m:ctrlPr>
+                            </m:sSupPr>
+                            <m:e>
+                              <m:r>
+                                <a:rPr lang="ru-RU" sz="1200" i="1" kern="1200">
+                                  <a:solidFill>
+                                    <a:schemeClr val="tx1"/>
+                                  </a:solidFill>
+                                  <a:effectLst/>
+                                  <a:latin typeface="+mn-lt"/>
+                                  <a:ea typeface="+mn-ea"/>
+                                  <a:cs typeface="+mn-cs"/>
+                                </a:rPr>
+                                <m:t>𝑒</m:t>
+                              </m:r>
+                            </m:e>
+                            <m:sup>
+                              <m:r>
+                                <a:rPr lang="ru-RU" sz="1200" i="1" kern="1200">
+                                  <a:solidFill>
+                                    <a:schemeClr val="tx1"/>
+                                  </a:solidFill>
+                                  <a:effectLst/>
+                                  <a:latin typeface="+mn-lt"/>
+                                  <a:ea typeface="+mn-ea"/>
+                                  <a:cs typeface="+mn-cs"/>
+                                </a:rPr>
+                                <m:t>−</m:t>
+                              </m:r>
+                              <m:r>
+                                <a:rPr lang="ru-RU" sz="1200" i="1" kern="1200">
+                                  <a:solidFill>
+                                    <a:schemeClr val="tx1"/>
+                                  </a:solidFill>
+                                  <a:effectLst/>
+                                  <a:latin typeface="+mn-lt"/>
+                                  <a:ea typeface="+mn-ea"/>
+                                  <a:cs typeface="+mn-cs"/>
+                                </a:rPr>
+                                <m:t>𝜆</m:t>
+                              </m:r>
+                            </m:sup>
+                          </m:sSup>
+                          <m:r>
+                            <a:rPr lang="ru-RU" sz="1200" i="1" kern="1200">
+                              <a:solidFill>
+                                <a:schemeClr val="tx1"/>
+                              </a:solidFill>
+                              <a:effectLst/>
+                              <a:latin typeface="+mn-lt"/>
+                              <a:ea typeface="+mn-ea"/>
+                              <a:cs typeface="+mn-cs"/>
+                            </a:rPr>
+                            <m:t> </m:t>
+                          </m:r>
+                        </m:e>
+                      </m:nary>
+                      <m:r>
+                        <a:rPr lang="ru-RU" sz="1200" i="1" kern="1200">
+                          <a:solidFill>
+                            <a:schemeClr val="tx1"/>
+                          </a:solidFill>
+                          <a:effectLst/>
+                          <a:latin typeface="+mn-lt"/>
+                          <a:ea typeface="+mn-ea"/>
+                          <a:cs typeface="+mn-cs"/>
+                        </a:rPr>
+                        <m:t>=</m:t>
+                      </m:r>
+                      <m:nary>
+                        <m:naryPr>
+                          <m:chr m:val="∑"/>
+                          <m:ctrlPr>
+                            <a:rPr lang="ru-RU" sz="1200" i="1" kern="1200">
+                              <a:solidFill>
+                                <a:schemeClr val="tx1"/>
+                              </a:solidFill>
+                              <a:effectLst/>
+                              <a:latin typeface="+mn-lt"/>
+                              <a:ea typeface="+mn-ea"/>
+                              <a:cs typeface="+mn-cs"/>
+                            </a:rPr>
+                          </m:ctrlPr>
+                        </m:naryPr>
+                        <m:sub>
+                          <m:r>
+                            <a:rPr lang="en-US" sz="1200" i="1" kern="1200">
+                              <a:solidFill>
+                                <a:schemeClr val="tx1"/>
+                              </a:solidFill>
+                              <a:effectLst/>
+                              <a:latin typeface="+mn-lt"/>
+                              <a:ea typeface="+mn-ea"/>
+                              <a:cs typeface="+mn-cs"/>
+                            </a:rPr>
+                            <m:t>𝑙</m:t>
+                          </m:r>
+                          <m:r>
+                            <a:rPr lang="en-US" sz="1200" i="1" kern="1200">
+                              <a:solidFill>
+                                <a:schemeClr val="tx1"/>
+                              </a:solidFill>
+                              <a:effectLst/>
+                              <a:latin typeface="+mn-lt"/>
+                              <a:ea typeface="+mn-ea"/>
+                              <a:cs typeface="+mn-cs"/>
+                            </a:rPr>
+                            <m:t>=</m:t>
+                          </m:r>
+                          <m:sSub>
+                            <m:sSubPr>
+                              <m:ctrlPr>
+                                <a:rPr lang="ru-RU" sz="1200" i="1" kern="1200">
+                                  <a:solidFill>
+                                    <a:schemeClr val="tx1"/>
+                                  </a:solidFill>
+                                  <a:effectLst/>
+                                  <a:latin typeface="+mn-lt"/>
+                                  <a:ea typeface="+mn-ea"/>
+                                  <a:cs typeface="+mn-cs"/>
+                                </a:rPr>
+                              </m:ctrlPr>
+                            </m:sSubPr>
+                            <m:e>
+                              <m:r>
+                                <a:rPr lang="en-US" sz="1200" i="1" kern="1200">
+                                  <a:solidFill>
+                                    <a:schemeClr val="tx1"/>
+                                  </a:solidFill>
+                                  <a:effectLst/>
+                                  <a:latin typeface="+mn-lt"/>
+                                  <a:ea typeface="+mn-ea"/>
+                                  <a:cs typeface="+mn-cs"/>
+                                </a:rPr>
+                                <m:t>𝑚</m:t>
+                              </m:r>
+                            </m:e>
+                            <m:sub>
+                              <m:r>
+                                <a:rPr lang="en-US" sz="1200" i="1" kern="1200">
+                                  <a:solidFill>
+                                    <a:schemeClr val="tx1"/>
+                                  </a:solidFill>
+                                  <a:effectLst/>
+                                  <a:latin typeface="+mn-lt"/>
+                                  <a:ea typeface="+mn-ea"/>
+                                  <a:cs typeface="+mn-cs"/>
+                                </a:rPr>
+                                <m:t>𝑖</m:t>
+                              </m:r>
+                            </m:sub>
+                          </m:sSub>
+                        </m:sub>
+                        <m:sup>
+                          <m:r>
+                            <a:rPr lang="en-US" sz="1200" i="1" kern="1200">
+                              <a:solidFill>
+                                <a:schemeClr val="tx1"/>
+                              </a:solidFill>
+                              <a:effectLst/>
+                              <a:latin typeface="+mn-lt"/>
+                              <a:ea typeface="+mn-ea"/>
+                              <a:cs typeface="+mn-cs"/>
+                            </a:rPr>
+                            <m:t>∞</m:t>
+                          </m:r>
+                        </m:sup>
+                        <m:e>
+                          <m:f>
+                            <m:fPr>
+                              <m:ctrlPr>
+                                <a:rPr lang="ru-RU" sz="1200" i="1" kern="1200">
+                                  <a:solidFill>
+                                    <a:schemeClr val="tx1"/>
+                                  </a:solidFill>
+                                  <a:effectLst/>
+                                  <a:latin typeface="+mn-lt"/>
+                                  <a:ea typeface="+mn-ea"/>
+                                  <a:cs typeface="+mn-cs"/>
+                                </a:rPr>
+                              </m:ctrlPr>
+                            </m:fPr>
+                            <m:num>
+                              <m:sSup>
+                                <m:sSupPr>
+                                  <m:ctrlPr>
+                                    <a:rPr lang="ru-RU" sz="1200" i="1" kern="1200">
+                                      <a:solidFill>
+                                        <a:schemeClr val="tx1"/>
+                                      </a:solidFill>
+                                      <a:effectLst/>
+                                      <a:latin typeface="+mn-lt"/>
+                                      <a:ea typeface="+mn-ea"/>
+                                      <a:cs typeface="+mn-cs"/>
+                                    </a:rPr>
+                                  </m:ctrlPr>
+                                </m:sSupPr>
+                                <m:e>
+                                  <m:d>
+                                    <m:dPr>
+                                      <m:ctrlPr>
+                                        <a:rPr lang="ru-RU" sz="1200" i="1" kern="1200">
+                                          <a:solidFill>
+                                            <a:schemeClr val="tx1"/>
+                                          </a:solidFill>
+                                          <a:effectLst/>
+                                          <a:latin typeface="+mn-lt"/>
+                                          <a:ea typeface="+mn-ea"/>
+                                          <a:cs typeface="+mn-cs"/>
+                                        </a:rPr>
+                                      </m:ctrlPr>
+                                    </m:dPr>
+                                    <m:e>
+                                      <m:r>
+                                        <a:rPr lang="ru-RU" sz="1200" i="1" kern="1200">
+                                          <a:solidFill>
+                                            <a:schemeClr val="tx1"/>
+                                          </a:solidFill>
+                                          <a:effectLst/>
+                                          <a:latin typeface="+mn-lt"/>
+                                          <a:ea typeface="+mn-ea"/>
+                                          <a:cs typeface="+mn-cs"/>
+                                        </a:rPr>
+                                        <m:t>𝜆</m:t>
+                                      </m:r>
+                                    </m:e>
+                                  </m:d>
+                                </m:e>
+                                <m:sup>
+                                  <m:r>
+                                    <a:rPr lang="ru-RU" sz="1200" i="1" kern="1200">
+                                      <a:solidFill>
+                                        <a:schemeClr val="tx1"/>
+                                      </a:solidFill>
+                                      <a:effectLst/>
+                                      <a:latin typeface="+mn-lt"/>
+                                      <a:ea typeface="+mn-ea"/>
+                                      <a:cs typeface="+mn-cs"/>
+                                    </a:rPr>
+                                    <m:t>𝑙</m:t>
+                                  </m:r>
+                                </m:sup>
+                              </m:sSup>
+                            </m:num>
+                            <m:den>
+                              <m:r>
+                                <a:rPr lang="ru-RU" sz="1200" i="1" kern="1200">
+                                  <a:solidFill>
+                                    <a:schemeClr val="tx1"/>
+                                  </a:solidFill>
+                                  <a:effectLst/>
+                                  <a:latin typeface="+mn-lt"/>
+                                  <a:ea typeface="+mn-ea"/>
+                                  <a:cs typeface="+mn-cs"/>
+                                </a:rPr>
+                                <m:t>𝑙</m:t>
+                              </m:r>
+                              <m:r>
+                                <a:rPr lang="ru-RU" sz="1200" i="1" kern="1200">
+                                  <a:solidFill>
+                                    <a:schemeClr val="tx1"/>
+                                  </a:solidFill>
+                                  <a:effectLst/>
+                                  <a:latin typeface="+mn-lt"/>
+                                  <a:ea typeface="+mn-ea"/>
+                                  <a:cs typeface="+mn-cs"/>
+                                </a:rPr>
+                                <m:t>!</m:t>
+                              </m:r>
+                            </m:den>
+                          </m:f>
+                          <m:sSup>
+                            <m:sSupPr>
+                              <m:ctrlPr>
+                                <a:rPr lang="ru-RU" sz="1200" i="1" kern="1200">
+                                  <a:solidFill>
+                                    <a:schemeClr val="tx1"/>
+                                  </a:solidFill>
+                                  <a:effectLst/>
+                                  <a:latin typeface="+mn-lt"/>
+                                  <a:ea typeface="+mn-ea"/>
+                                  <a:cs typeface="+mn-cs"/>
+                                </a:rPr>
+                              </m:ctrlPr>
+                            </m:sSupPr>
+                            <m:e>
+                              <m:r>
+                                <a:rPr lang="ru-RU" sz="1200" i="1" kern="1200">
+                                  <a:solidFill>
+                                    <a:schemeClr val="tx1"/>
+                                  </a:solidFill>
+                                  <a:effectLst/>
+                                  <a:latin typeface="+mn-lt"/>
+                                  <a:ea typeface="+mn-ea"/>
+                                  <a:cs typeface="+mn-cs"/>
+                                </a:rPr>
+                                <m:t>𝑒</m:t>
+                              </m:r>
+                            </m:e>
+                            <m:sup>
+                              <m:r>
+                                <a:rPr lang="ru-RU" sz="1200" i="1" kern="1200">
+                                  <a:solidFill>
+                                    <a:schemeClr val="tx1"/>
+                                  </a:solidFill>
+                                  <a:effectLst/>
+                                  <a:latin typeface="+mn-lt"/>
+                                  <a:ea typeface="+mn-ea"/>
+                                  <a:cs typeface="+mn-cs"/>
+                                </a:rPr>
+                                <m:t>−</m:t>
+                              </m:r>
+                              <m:r>
+                                <a:rPr lang="ru-RU" sz="1200" i="1" kern="1200">
+                                  <a:solidFill>
+                                    <a:schemeClr val="tx1"/>
+                                  </a:solidFill>
+                                  <a:effectLst/>
+                                  <a:latin typeface="+mn-lt"/>
+                                  <a:ea typeface="+mn-ea"/>
+                                  <a:cs typeface="+mn-cs"/>
+                                </a:rPr>
+                                <m:t>𝜆</m:t>
+                              </m:r>
+                            </m:sup>
+                          </m:sSup>
+                        </m:e>
+                      </m:nary>
+                      <m:r>
+                        <a:rPr lang="en-US" sz="1200" i="1" kern="1200">
+                          <a:solidFill>
+                            <a:schemeClr val="tx1"/>
+                          </a:solidFill>
+                          <a:effectLst/>
+                          <a:latin typeface="+mn-lt"/>
+                          <a:ea typeface="+mn-ea"/>
+                          <a:cs typeface="+mn-cs"/>
+                        </a:rPr>
+                        <m:t>=</m:t>
+                      </m:r>
+                      <m:f>
+                        <m:fPr>
+                          <m:ctrlPr>
+                            <a:rPr lang="ru-RU" sz="1200" i="1" kern="1200">
+                              <a:solidFill>
+                                <a:schemeClr val="tx1"/>
+                              </a:solidFill>
+                              <a:effectLst/>
+                              <a:latin typeface="+mn-lt"/>
+                              <a:ea typeface="+mn-ea"/>
+                              <a:cs typeface="+mn-cs"/>
+                            </a:rPr>
+                          </m:ctrlPr>
+                        </m:fPr>
+                        <m:num>
+                          <m:sSup>
+                            <m:sSupPr>
+                              <m:ctrlPr>
+                                <a:rPr lang="ru-RU" sz="1200" i="1" kern="1200">
+                                  <a:solidFill>
+                                    <a:schemeClr val="tx1"/>
+                                  </a:solidFill>
+                                  <a:effectLst/>
+                                  <a:latin typeface="+mn-lt"/>
+                                  <a:ea typeface="+mn-ea"/>
+                                  <a:cs typeface="+mn-cs"/>
+                                </a:rPr>
+                              </m:ctrlPr>
+                            </m:sSupPr>
+                            <m:e>
+                              <m:d>
+                                <m:dPr>
+                                  <m:ctrlPr>
+                                    <a:rPr lang="ru-RU" sz="1200" i="1" kern="1200">
+                                      <a:solidFill>
+                                        <a:schemeClr val="tx1"/>
+                                      </a:solidFill>
+                                      <a:effectLst/>
+                                      <a:latin typeface="+mn-lt"/>
+                                      <a:ea typeface="+mn-ea"/>
+                                      <a:cs typeface="+mn-cs"/>
+                                    </a:rPr>
+                                  </m:ctrlPr>
+                                </m:dPr>
+                                <m:e>
+                                  <m:r>
+                                    <a:rPr lang="ru-RU" sz="1200" i="1" kern="1200">
+                                      <a:solidFill>
+                                        <a:schemeClr val="tx1"/>
+                                      </a:solidFill>
+                                      <a:effectLst/>
+                                      <a:latin typeface="+mn-lt"/>
+                                      <a:ea typeface="+mn-ea"/>
+                                      <a:cs typeface="+mn-cs"/>
+                                    </a:rPr>
+                                    <m:t>𝜆</m:t>
+                                  </m:r>
+                                </m:e>
+                              </m:d>
+                            </m:e>
+                            <m:sup>
+                              <m:sSub>
+                                <m:sSubPr>
+                                  <m:ctrlPr>
+                                    <a:rPr lang="ru-RU" sz="1200" i="1" kern="1200">
+                                      <a:solidFill>
+                                        <a:schemeClr val="tx1"/>
+                                      </a:solidFill>
+                                      <a:effectLst/>
+                                      <a:latin typeface="+mn-lt"/>
+                                      <a:ea typeface="+mn-ea"/>
+                                      <a:cs typeface="+mn-cs"/>
+                                    </a:rPr>
+                                  </m:ctrlPr>
+                                </m:sSubPr>
+                                <m:e>
+                                  <m:r>
+                                    <a:rPr lang="ru-RU" sz="1200" i="1" kern="1200">
+                                      <a:solidFill>
+                                        <a:schemeClr val="tx1"/>
+                                      </a:solidFill>
+                                      <a:effectLst/>
+                                      <a:latin typeface="+mn-lt"/>
+                                      <a:ea typeface="+mn-ea"/>
+                                      <a:cs typeface="+mn-cs"/>
+                                    </a:rPr>
+                                    <m:t>𝑚</m:t>
+                                  </m:r>
+                                </m:e>
+                                <m:sub>
+                                  <m:r>
+                                    <a:rPr lang="ru-RU" sz="1200" i="1" kern="1200">
+                                      <a:solidFill>
+                                        <a:schemeClr val="tx1"/>
+                                      </a:solidFill>
+                                      <a:effectLst/>
+                                      <a:latin typeface="+mn-lt"/>
+                                      <a:ea typeface="+mn-ea"/>
+                                      <a:cs typeface="+mn-cs"/>
+                                    </a:rPr>
+                                    <m:t>𝑖</m:t>
+                                  </m:r>
+                                </m:sub>
+                              </m:sSub>
+                            </m:sup>
+                          </m:sSup>
+                        </m:num>
+                        <m:den>
+                          <m:sSub>
+                            <m:sSubPr>
+                              <m:ctrlPr>
+                                <a:rPr lang="ru-RU" sz="1200" i="1" kern="1200">
+                                  <a:solidFill>
+                                    <a:schemeClr val="tx1"/>
+                                  </a:solidFill>
+                                  <a:effectLst/>
+                                  <a:latin typeface="+mn-lt"/>
+                                  <a:ea typeface="+mn-ea"/>
+                                  <a:cs typeface="+mn-cs"/>
+                                </a:rPr>
+                              </m:ctrlPr>
+                            </m:sSubPr>
+                            <m:e>
+                              <m:r>
+                                <a:rPr lang="ru-RU" sz="1200" i="1" kern="1200">
+                                  <a:solidFill>
+                                    <a:schemeClr val="tx1"/>
+                                  </a:solidFill>
+                                  <a:effectLst/>
+                                  <a:latin typeface="+mn-lt"/>
+                                  <a:ea typeface="+mn-ea"/>
+                                  <a:cs typeface="+mn-cs"/>
+                                </a:rPr>
+                                <m:t>𝑚</m:t>
+                              </m:r>
+                            </m:e>
+                            <m:sub>
+                              <m:r>
+                                <a:rPr lang="ru-RU" sz="1200" i="1" kern="1200">
+                                  <a:solidFill>
+                                    <a:schemeClr val="tx1"/>
+                                  </a:solidFill>
+                                  <a:effectLst/>
+                                  <a:latin typeface="+mn-lt"/>
+                                  <a:ea typeface="+mn-ea"/>
+                                  <a:cs typeface="+mn-cs"/>
+                                </a:rPr>
+                                <m:t>𝑖</m:t>
+                              </m:r>
+                            </m:sub>
+                          </m:sSub>
+                          <m:r>
+                            <a:rPr lang="ru-RU" sz="1200" i="1" kern="1200">
+                              <a:solidFill>
+                                <a:schemeClr val="tx1"/>
+                              </a:solidFill>
+                              <a:effectLst/>
+                              <a:latin typeface="+mn-lt"/>
+                              <a:ea typeface="+mn-ea"/>
+                              <a:cs typeface="+mn-cs"/>
+                            </a:rPr>
+                            <m:t>!</m:t>
+                          </m:r>
+                        </m:den>
+                      </m:f>
+                      <m:sSup>
+                        <m:sSupPr>
+                          <m:ctrlPr>
+                            <a:rPr lang="ru-RU" sz="1200" i="1" kern="1200">
+                              <a:solidFill>
+                                <a:schemeClr val="tx1"/>
+                              </a:solidFill>
+                              <a:effectLst/>
+                              <a:latin typeface="+mn-lt"/>
+                              <a:ea typeface="+mn-ea"/>
+                              <a:cs typeface="+mn-cs"/>
+                            </a:rPr>
+                          </m:ctrlPr>
+                        </m:sSupPr>
+                        <m:e>
+                          <m:r>
+                            <a:rPr lang="ru-RU" sz="1200" i="1" kern="1200">
+                              <a:solidFill>
+                                <a:schemeClr val="tx1"/>
+                              </a:solidFill>
+                              <a:effectLst/>
+                              <a:latin typeface="+mn-lt"/>
+                              <a:ea typeface="+mn-ea"/>
+                              <a:cs typeface="+mn-cs"/>
+                            </a:rPr>
+                            <m:t>𝑒</m:t>
+                          </m:r>
+                        </m:e>
+                        <m:sup>
+                          <m:r>
+                            <a:rPr lang="ru-RU" sz="1200" i="1" kern="1200">
+                              <a:solidFill>
+                                <a:schemeClr val="tx1"/>
+                              </a:solidFill>
+                              <a:effectLst/>
+                              <a:latin typeface="+mn-lt"/>
+                              <a:ea typeface="+mn-ea"/>
+                              <a:cs typeface="+mn-cs"/>
+                            </a:rPr>
+                            <m:t>𝜃𝜆</m:t>
+                          </m:r>
+                        </m:sup>
+                      </m:sSup>
+                      <m:sSup>
+                        <m:sSupPr>
+                          <m:ctrlPr>
+                            <a:rPr lang="ru-RU" sz="1200" i="1" kern="1200">
+                              <a:solidFill>
+                                <a:schemeClr val="tx1"/>
+                              </a:solidFill>
+                              <a:effectLst/>
+                              <a:latin typeface="+mn-lt"/>
+                              <a:ea typeface="+mn-ea"/>
+                              <a:cs typeface="+mn-cs"/>
+                            </a:rPr>
+                          </m:ctrlPr>
+                        </m:sSupPr>
+                        <m:e>
+                          <m:r>
+                            <a:rPr lang="ru-RU" sz="1200" i="1" kern="1200">
+                              <a:solidFill>
+                                <a:schemeClr val="tx1"/>
+                              </a:solidFill>
+                              <a:effectLst/>
+                              <a:latin typeface="+mn-lt"/>
+                              <a:ea typeface="+mn-ea"/>
+                              <a:cs typeface="+mn-cs"/>
+                            </a:rPr>
+                            <m:t>𝑒</m:t>
+                          </m:r>
+                        </m:e>
+                        <m:sup>
+                          <m:r>
+                            <a:rPr lang="ru-RU" sz="1200" i="1" kern="1200">
+                              <a:solidFill>
+                                <a:schemeClr val="tx1"/>
+                              </a:solidFill>
+                              <a:effectLst/>
+                              <a:latin typeface="+mn-lt"/>
+                              <a:ea typeface="+mn-ea"/>
+                              <a:cs typeface="+mn-cs"/>
+                            </a:rPr>
+                            <m:t>−</m:t>
+                          </m:r>
+                          <m:r>
+                            <a:rPr lang="ru-RU" sz="1200" i="1" kern="1200">
+                              <a:solidFill>
+                                <a:schemeClr val="tx1"/>
+                              </a:solidFill>
+                              <a:effectLst/>
+                              <a:latin typeface="+mn-lt"/>
+                              <a:ea typeface="+mn-ea"/>
+                              <a:cs typeface="+mn-cs"/>
+                            </a:rPr>
+                            <m:t>𝜆</m:t>
+                          </m:r>
+                        </m:sup>
+                      </m:sSup>
+                      <m:r>
+                        <a:rPr lang="ru-RU" sz="1200" i="1" kern="1200">
+                          <a:solidFill>
+                            <a:schemeClr val="tx1"/>
+                          </a:solidFill>
+                          <a:effectLst/>
+                          <a:latin typeface="+mn-lt"/>
+                          <a:ea typeface="+mn-ea"/>
+                          <a:cs typeface="+mn-cs"/>
+                        </a:rPr>
+                        <m:t>=</m:t>
+                      </m:r>
+                      <m:f>
+                        <m:fPr>
+                          <m:ctrlPr>
+                            <a:rPr lang="ru-RU" sz="1200" i="1" kern="1200">
+                              <a:solidFill>
+                                <a:schemeClr val="tx1"/>
+                              </a:solidFill>
+                              <a:effectLst/>
+                              <a:latin typeface="+mn-lt"/>
+                              <a:ea typeface="+mn-ea"/>
+                              <a:cs typeface="+mn-cs"/>
+                            </a:rPr>
+                          </m:ctrlPr>
+                        </m:fPr>
+                        <m:num>
+                          <m:sSup>
+                            <m:sSupPr>
+                              <m:ctrlPr>
+                                <a:rPr lang="ru-RU" sz="1200" i="1" kern="1200">
+                                  <a:solidFill>
+                                    <a:schemeClr val="tx1"/>
+                                  </a:solidFill>
+                                  <a:effectLst/>
+                                  <a:latin typeface="+mn-lt"/>
+                                  <a:ea typeface="+mn-ea"/>
+                                  <a:cs typeface="+mn-cs"/>
+                                </a:rPr>
+                              </m:ctrlPr>
+                            </m:sSupPr>
+                            <m:e>
+                              <m:d>
+                                <m:dPr>
+                                  <m:ctrlPr>
+                                    <a:rPr lang="ru-RU" sz="1200" i="1" kern="1200">
+                                      <a:solidFill>
+                                        <a:schemeClr val="tx1"/>
+                                      </a:solidFill>
+                                      <a:effectLst/>
+                                      <a:latin typeface="+mn-lt"/>
+                                      <a:ea typeface="+mn-ea"/>
+                                      <a:cs typeface="+mn-cs"/>
+                                    </a:rPr>
+                                  </m:ctrlPr>
+                                </m:dPr>
+                                <m:e>
+                                  <m:r>
+                                    <a:rPr lang="ru-RU" sz="1200" i="1" kern="1200">
+                                      <a:solidFill>
+                                        <a:schemeClr val="tx1"/>
+                                      </a:solidFill>
+                                      <a:effectLst/>
+                                      <a:latin typeface="+mn-lt"/>
+                                      <a:ea typeface="+mn-ea"/>
+                                      <a:cs typeface="+mn-cs"/>
+                                    </a:rPr>
+                                    <m:t>𝜆</m:t>
+                                  </m:r>
+                                </m:e>
+                              </m:d>
+                            </m:e>
+                            <m:sup>
+                              <m:sSub>
+                                <m:sSubPr>
+                                  <m:ctrlPr>
+                                    <a:rPr lang="ru-RU" sz="1200" i="1" kern="1200">
+                                      <a:solidFill>
+                                        <a:schemeClr val="tx1"/>
+                                      </a:solidFill>
+                                      <a:effectLst/>
+                                      <a:latin typeface="+mn-lt"/>
+                                      <a:ea typeface="+mn-ea"/>
+                                      <a:cs typeface="+mn-cs"/>
+                                    </a:rPr>
+                                  </m:ctrlPr>
+                                </m:sSubPr>
+                                <m:e>
+                                  <m:r>
+                                    <a:rPr lang="ru-RU" sz="1200" i="1" kern="1200">
+                                      <a:solidFill>
+                                        <a:schemeClr val="tx1"/>
+                                      </a:solidFill>
+                                      <a:effectLst/>
+                                      <a:latin typeface="+mn-lt"/>
+                                      <a:ea typeface="+mn-ea"/>
+                                      <a:cs typeface="+mn-cs"/>
+                                    </a:rPr>
+                                    <m:t>𝑚</m:t>
+                                  </m:r>
+                                </m:e>
+                                <m:sub>
+                                  <m:r>
+                                    <a:rPr lang="ru-RU" sz="1200" i="1" kern="1200">
+                                      <a:solidFill>
+                                        <a:schemeClr val="tx1"/>
+                                      </a:solidFill>
+                                      <a:effectLst/>
+                                      <a:latin typeface="+mn-lt"/>
+                                      <a:ea typeface="+mn-ea"/>
+                                      <a:cs typeface="+mn-cs"/>
+                                    </a:rPr>
+                                    <m:t>𝑖</m:t>
+                                  </m:r>
+                                </m:sub>
+                              </m:sSub>
+                            </m:sup>
+                          </m:sSup>
+                        </m:num>
+                        <m:den>
+                          <m:sSub>
+                            <m:sSubPr>
+                              <m:ctrlPr>
+                                <a:rPr lang="ru-RU" sz="1200" i="1" kern="1200">
+                                  <a:solidFill>
+                                    <a:schemeClr val="tx1"/>
+                                  </a:solidFill>
+                                  <a:effectLst/>
+                                  <a:latin typeface="+mn-lt"/>
+                                  <a:ea typeface="+mn-ea"/>
+                                  <a:cs typeface="+mn-cs"/>
+                                </a:rPr>
+                              </m:ctrlPr>
+                            </m:sSubPr>
+                            <m:e>
+                              <m:r>
+                                <a:rPr lang="ru-RU" sz="1200" i="1" kern="1200">
+                                  <a:solidFill>
+                                    <a:schemeClr val="tx1"/>
+                                  </a:solidFill>
+                                  <a:effectLst/>
+                                  <a:latin typeface="+mn-lt"/>
+                                  <a:ea typeface="+mn-ea"/>
+                                  <a:cs typeface="+mn-cs"/>
+                                </a:rPr>
+                                <m:t>𝑚</m:t>
+                              </m:r>
+                            </m:e>
+                            <m:sub>
+                              <m:r>
+                                <a:rPr lang="ru-RU" sz="1200" i="1" kern="1200">
+                                  <a:solidFill>
+                                    <a:schemeClr val="tx1"/>
+                                  </a:solidFill>
+                                  <a:effectLst/>
+                                  <a:latin typeface="+mn-lt"/>
+                                  <a:ea typeface="+mn-ea"/>
+                                  <a:cs typeface="+mn-cs"/>
+                                </a:rPr>
+                                <m:t>𝑖</m:t>
+                              </m:r>
+                            </m:sub>
+                          </m:sSub>
+                          <m:r>
+                            <a:rPr lang="ru-RU" sz="1200" i="1" kern="1200">
+                              <a:solidFill>
+                                <a:schemeClr val="tx1"/>
+                              </a:solidFill>
+                              <a:effectLst/>
+                              <a:latin typeface="+mn-lt"/>
+                              <a:ea typeface="+mn-ea"/>
+                              <a:cs typeface="+mn-cs"/>
+                            </a:rPr>
+                            <m:t>!</m:t>
+                          </m:r>
+                        </m:den>
+                      </m:f>
+                      <m:sSup>
+                        <m:sSupPr>
+                          <m:ctrlPr>
+                            <a:rPr lang="ru-RU" sz="1200" i="1" kern="1200">
+                              <a:solidFill>
+                                <a:schemeClr val="tx1"/>
+                              </a:solidFill>
+                              <a:effectLst/>
+                              <a:latin typeface="+mn-lt"/>
+                              <a:ea typeface="+mn-ea"/>
+                              <a:cs typeface="+mn-cs"/>
+                            </a:rPr>
+                          </m:ctrlPr>
+                        </m:sSupPr>
+                        <m:e>
+                          <m:r>
+                            <a:rPr lang="ru-RU" sz="1200" i="1" kern="1200">
+                              <a:solidFill>
+                                <a:schemeClr val="tx1"/>
+                              </a:solidFill>
+                              <a:effectLst/>
+                              <a:latin typeface="+mn-lt"/>
+                              <a:ea typeface="+mn-ea"/>
+                              <a:cs typeface="+mn-cs"/>
+                            </a:rPr>
+                            <m:t>𝑒</m:t>
+                          </m:r>
+                        </m:e>
+                        <m:sup>
+                          <m:r>
+                            <a:rPr lang="ru-RU" sz="1200" i="1" kern="1200">
+                              <a:solidFill>
+                                <a:schemeClr val="tx1"/>
+                              </a:solidFill>
+                              <a:effectLst/>
+                              <a:latin typeface="+mn-lt"/>
+                              <a:ea typeface="+mn-ea"/>
+                              <a:cs typeface="+mn-cs"/>
+                            </a:rPr>
+                            <m:t>𝜃𝜆</m:t>
+                          </m:r>
+                        </m:sup>
+                      </m:sSup>
+                      <m:sSup>
+                        <m:sSupPr>
+                          <m:ctrlPr>
+                            <a:rPr lang="ru-RU" sz="1200" i="1" kern="1200">
+                              <a:solidFill>
+                                <a:schemeClr val="tx1"/>
+                              </a:solidFill>
+                              <a:effectLst/>
+                              <a:latin typeface="+mn-lt"/>
+                              <a:ea typeface="+mn-ea"/>
+                              <a:cs typeface="+mn-cs"/>
+                            </a:rPr>
+                          </m:ctrlPr>
+                        </m:sSupPr>
+                        <m:e>
+                          <m:r>
+                            <a:rPr lang="ru-RU" sz="1200" i="1" kern="1200">
+                              <a:solidFill>
+                                <a:schemeClr val="tx1"/>
+                              </a:solidFill>
+                              <a:effectLst/>
+                              <a:latin typeface="+mn-lt"/>
+                              <a:ea typeface="+mn-ea"/>
+                              <a:cs typeface="+mn-cs"/>
+                            </a:rPr>
+                            <m:t>𝑒</m:t>
+                          </m:r>
+                        </m:e>
+                        <m:sup>
+                          <m:r>
+                            <a:rPr lang="ru-RU" sz="1200" i="1" kern="1200">
+                              <a:solidFill>
+                                <a:schemeClr val="tx1"/>
+                              </a:solidFill>
+                              <a:effectLst/>
+                              <a:latin typeface="+mn-lt"/>
+                              <a:ea typeface="+mn-ea"/>
+                              <a:cs typeface="+mn-cs"/>
+                            </a:rPr>
+                            <m:t>−</m:t>
+                          </m:r>
+                          <m:r>
+                            <a:rPr lang="ru-RU" sz="1200" i="1" kern="1200">
+                              <a:solidFill>
+                                <a:schemeClr val="tx1"/>
+                              </a:solidFill>
+                              <a:effectLst/>
+                              <a:latin typeface="+mn-lt"/>
+                              <a:ea typeface="+mn-ea"/>
+                              <a:cs typeface="+mn-cs"/>
+                            </a:rPr>
+                            <m:t>𝜆</m:t>
+                          </m:r>
+                        </m:sup>
+                      </m:sSup>
+                      <m:r>
+                        <a:rPr lang="ru-RU" sz="1200" i="1" kern="1200">
+                          <a:solidFill>
+                            <a:schemeClr val="tx1"/>
+                          </a:solidFill>
+                          <a:effectLst/>
+                          <a:latin typeface="+mn-lt"/>
+                          <a:ea typeface="+mn-ea"/>
+                          <a:cs typeface="+mn-cs"/>
+                        </a:rPr>
+                        <m:t>,</m:t>
+                      </m:r>
+                    </m:oMath>
+                  </m:oMathPara>
+                </a14:m>
+                <a:endParaRPr lang="ru-RU" sz="1200" kern="1200" dirty="0">
+                  <a:solidFill>
+                    <a:schemeClr val="tx1"/>
+                  </a:solidFill>
+                  <a:effectLst/>
+                  <a:latin typeface="+mn-lt"/>
+                  <a:ea typeface="+mn-ea"/>
+                  <a:cs typeface="+mn-cs"/>
+                </a:endParaRPr>
+              </a:p>
+              <a:p>
+                <a:r>
+                  <a:rPr lang="ru-RU" sz="1200" kern="1200" dirty="0">
+                    <a:solidFill>
+                      <a:schemeClr val="tx1"/>
+                    </a:solidFill>
+                    <a:effectLst/>
+                    <a:latin typeface="+mn-lt"/>
+                    <a:ea typeface="+mn-ea"/>
+                    <a:cs typeface="+mn-cs"/>
+                  </a:rPr>
+                  <a:t>где </a:t>
+                </a:r>
+                <a14:m>
+                  <m:oMath xmlns:m="http://schemas.openxmlformats.org/officeDocument/2006/math">
+                    <m:r>
+                      <a:rPr lang="ru-RU" sz="1200" i="1" kern="1200">
+                        <a:solidFill>
+                          <a:schemeClr val="tx1"/>
+                        </a:solidFill>
+                        <a:effectLst/>
+                        <a:latin typeface="+mn-lt"/>
+                        <a:ea typeface="+mn-ea"/>
+                        <a:cs typeface="+mn-cs"/>
+                      </a:rPr>
+                      <m:t>𝜃</m:t>
+                    </m:r>
+                  </m:oMath>
+                </a14:m>
+                <a:r>
+                  <a:rPr lang="ru-RU" sz="1200" kern="1200" dirty="0">
+                    <a:solidFill>
+                      <a:schemeClr val="tx1"/>
+                    </a:solidFill>
+                    <a:effectLst/>
+                    <a:latin typeface="+mn-lt"/>
+                    <a:ea typeface="+mn-ea"/>
+                    <a:cs typeface="+mn-cs"/>
+                  </a:rPr>
+                  <a:t> – параметр, зависящий от </a:t>
+                </a:r>
+                <a14:m>
+                  <m:oMath xmlns:m="http://schemas.openxmlformats.org/officeDocument/2006/math">
+                    <m:r>
+                      <a:rPr lang="ru-RU" sz="1200" i="1" kern="1200">
+                        <a:solidFill>
+                          <a:schemeClr val="tx1"/>
+                        </a:solidFill>
+                        <a:effectLst/>
+                        <a:latin typeface="+mn-lt"/>
+                        <a:ea typeface="+mn-ea"/>
+                        <a:cs typeface="+mn-cs"/>
+                      </a:rPr>
+                      <m:t>𝜆</m:t>
+                    </m:r>
+                  </m:oMath>
+                </a14:m>
+                <a:r>
+                  <a:rPr lang="ru-RU" sz="1200" kern="1200" dirty="0">
+                    <a:solidFill>
+                      <a:schemeClr val="tx1"/>
+                    </a:solidFill>
+                    <a:effectLst/>
+                    <a:latin typeface="+mn-lt"/>
+                    <a:ea typeface="+mn-ea"/>
+                    <a:cs typeface="+mn-cs"/>
+                  </a:rPr>
+                  <a:t> и </a:t>
+                </a:r>
+                <a14:m>
+                  <m:oMath xmlns:m="http://schemas.openxmlformats.org/officeDocument/2006/math">
+                    <m:sSub>
+                      <m:sSubPr>
+                        <m:ctrlPr>
+                          <a:rPr lang="ru-RU" sz="1200" i="1" kern="1200">
+                            <a:solidFill>
+                              <a:schemeClr val="tx1"/>
+                            </a:solidFill>
+                            <a:effectLst/>
+                            <a:latin typeface="+mn-lt"/>
+                            <a:ea typeface="+mn-ea"/>
+                            <a:cs typeface="+mn-cs"/>
+                          </a:rPr>
+                        </m:ctrlPr>
+                      </m:sSubPr>
+                      <m:e>
+                        <m:r>
+                          <a:rPr lang="en-US" sz="1200" i="1" kern="1200">
+                            <a:solidFill>
+                              <a:schemeClr val="tx1"/>
+                            </a:solidFill>
+                            <a:effectLst/>
+                            <a:latin typeface="+mn-lt"/>
+                            <a:ea typeface="+mn-ea"/>
+                            <a:cs typeface="+mn-cs"/>
+                          </a:rPr>
+                          <m:t>𝑚</m:t>
+                        </m:r>
+                      </m:e>
+                      <m:sub>
+                        <m:r>
+                          <a:rPr lang="en-US" sz="1200" i="1" kern="1200">
+                            <a:solidFill>
+                              <a:schemeClr val="tx1"/>
+                            </a:solidFill>
+                            <a:effectLst/>
+                            <a:latin typeface="+mn-lt"/>
+                            <a:ea typeface="+mn-ea"/>
+                            <a:cs typeface="+mn-cs"/>
+                          </a:rPr>
+                          <m:t>𝑖</m:t>
+                        </m:r>
+                      </m:sub>
+                    </m:sSub>
+                  </m:oMath>
+                </a14:m>
+                <a:r>
+                  <a:rPr lang="ru-RU" sz="1200" kern="1200" dirty="0">
+                    <a:solidFill>
+                      <a:schemeClr val="tx1"/>
+                    </a:solidFill>
+                    <a:effectLst/>
+                    <a:latin typeface="+mn-lt"/>
+                    <a:ea typeface="+mn-ea"/>
+                    <a:cs typeface="+mn-cs"/>
+                  </a:rPr>
+                  <a:t>.</a:t>
+                </a:r>
+              </a:p>
+              <a:p>
+                <a:pPr lvl="0"/>
+                <a:r>
+                  <a:rPr lang="ru-RU" sz="1200" kern="1200" dirty="0">
+                    <a:solidFill>
+                      <a:schemeClr val="tx1"/>
+                    </a:solidFill>
+                    <a:effectLst/>
+                    <a:latin typeface="+mn-lt"/>
+                    <a:ea typeface="+mn-ea"/>
+                    <a:cs typeface="+mn-cs"/>
+                  </a:rPr>
+                  <a:t>подставим в оптимизационную задачу:</a:t>
+                </a:r>
+              </a:p>
+              <a:p>
+                <a14:m>
+                  <m:oMathPara xmlns:m="http://schemas.openxmlformats.org/officeDocument/2006/math">
+                    <m:oMathParaPr>
+                      <m:jc m:val="centerGroup"/>
+                    </m:oMathParaPr>
+                    <m:oMath xmlns:m="http://schemas.openxmlformats.org/officeDocument/2006/math">
+                      <m:func>
+                        <m:funcPr>
+                          <m:ctrlPr>
+                            <a:rPr lang="ru-RU" sz="1200" i="1" kern="1200">
+                              <a:solidFill>
+                                <a:schemeClr val="tx1"/>
+                              </a:solidFill>
+                              <a:effectLst/>
+                              <a:latin typeface="+mn-lt"/>
+                              <a:ea typeface="+mn-ea"/>
+                              <a:cs typeface="+mn-cs"/>
+                            </a:rPr>
+                          </m:ctrlPr>
+                        </m:funcPr>
+                        <m:fName>
+                          <m:r>
+                            <m:rPr>
+                              <m:sty m:val="p"/>
+                            </m:rPr>
+                            <a:rPr lang="ru-RU" sz="1200" kern="1200">
+                              <a:solidFill>
+                                <a:schemeClr val="tx1"/>
+                              </a:solidFill>
+                              <a:effectLst/>
+                              <a:latin typeface="+mn-lt"/>
+                              <a:ea typeface="+mn-ea"/>
+                              <a:cs typeface="+mn-cs"/>
+                            </a:rPr>
+                            <m:t>ln</m:t>
+                          </m:r>
+                        </m:fName>
+                        <m:e>
+                          <m:r>
+                            <a:rPr lang="ru-RU" sz="1200" i="1" kern="1200">
+                              <a:solidFill>
+                                <a:schemeClr val="tx1"/>
+                              </a:solidFill>
+                              <a:effectLst/>
+                              <a:latin typeface="+mn-lt"/>
+                              <a:ea typeface="+mn-ea"/>
+                              <a:cs typeface="+mn-cs"/>
+                            </a:rPr>
+                            <m:t>𝜆</m:t>
+                          </m:r>
+                        </m:e>
+                      </m:func>
+                      <m:r>
+                        <a:rPr lang="ru-RU" sz="1200" i="1" kern="1200">
+                          <a:solidFill>
+                            <a:schemeClr val="tx1"/>
+                          </a:solidFill>
+                          <a:effectLst/>
+                          <a:latin typeface="+mn-lt"/>
+                          <a:ea typeface="+mn-ea"/>
+                          <a:cs typeface="+mn-cs"/>
+                        </a:rPr>
+                        <m:t>⋅</m:t>
+                      </m:r>
+                      <m:nary>
+                        <m:naryPr>
+                          <m:chr m:val="∑"/>
+                          <m:supHide m:val="on"/>
+                          <m:ctrlPr>
+                            <a:rPr lang="ru-RU" sz="1200" i="1" kern="1200">
+                              <a:solidFill>
+                                <a:schemeClr val="tx1"/>
+                              </a:solidFill>
+                              <a:effectLst/>
+                              <a:latin typeface="+mn-lt"/>
+                              <a:ea typeface="+mn-ea"/>
+                              <a:cs typeface="+mn-cs"/>
+                            </a:rPr>
+                          </m:ctrlPr>
+                        </m:naryPr>
+                        <m:sub>
+                          <m:r>
+                            <a:rPr lang="ru-RU" sz="1200" i="1" kern="1200">
+                              <a:solidFill>
+                                <a:schemeClr val="tx1"/>
+                              </a:solidFill>
+                              <a:effectLst/>
+                              <a:latin typeface="+mn-lt"/>
+                              <a:ea typeface="+mn-ea"/>
+                              <a:cs typeface="+mn-cs"/>
+                            </a:rPr>
+                            <m:t>𝑖</m:t>
+                          </m:r>
+                          <m:r>
+                            <a:rPr lang="ru-RU" sz="1200" i="1" kern="1200">
+                              <a:solidFill>
+                                <a:schemeClr val="tx1"/>
+                              </a:solidFill>
+                              <a:effectLst/>
+                              <a:latin typeface="+mn-lt"/>
+                              <a:ea typeface="+mn-ea"/>
+                              <a:cs typeface="+mn-cs"/>
+                            </a:rPr>
+                            <m:t>:</m:t>
+                          </m:r>
+                          <m:sSub>
+                            <m:sSubPr>
+                              <m:ctrlPr>
+                                <a:rPr lang="ru-RU" sz="1200" i="1" kern="1200">
+                                  <a:solidFill>
+                                    <a:schemeClr val="tx1"/>
+                                  </a:solidFill>
+                                  <a:effectLst/>
+                                  <a:latin typeface="+mn-lt"/>
+                                  <a:ea typeface="+mn-ea"/>
+                                  <a:cs typeface="+mn-cs"/>
+                                </a:rPr>
+                              </m:ctrlPr>
+                            </m:sSubPr>
+                            <m:e>
+                              <m:r>
+                                <a:rPr lang="ru-RU" sz="1200" i="1" kern="1200">
+                                  <a:solidFill>
+                                    <a:schemeClr val="tx1"/>
+                                  </a:solidFill>
+                                  <a:effectLst/>
+                                  <a:latin typeface="+mn-lt"/>
+                                  <a:ea typeface="+mn-ea"/>
+                                  <a:cs typeface="+mn-cs"/>
+                                </a:rPr>
+                                <m:t>0≤</m:t>
+                              </m:r>
+                              <m:r>
+                                <a:rPr lang="ru-RU" sz="1200" i="1" kern="1200">
+                                  <a:solidFill>
+                                    <a:schemeClr val="tx1"/>
+                                  </a:solidFill>
+                                  <a:effectLst/>
+                                  <a:latin typeface="+mn-lt"/>
+                                  <a:ea typeface="+mn-ea"/>
+                                  <a:cs typeface="+mn-cs"/>
+                                </a:rPr>
+                                <m:t>𝑘</m:t>
+                              </m:r>
+                            </m:e>
+                            <m:sub>
+                              <m:r>
+                                <a:rPr lang="ru-RU" sz="1200" i="1" kern="1200">
+                                  <a:solidFill>
+                                    <a:schemeClr val="tx1"/>
+                                  </a:solidFill>
+                                  <a:effectLst/>
+                                  <a:latin typeface="+mn-lt"/>
+                                  <a:ea typeface="+mn-ea"/>
+                                  <a:cs typeface="+mn-cs"/>
+                                </a:rPr>
+                                <m:t>𝑖</m:t>
+                              </m:r>
+                            </m:sub>
+                          </m:sSub>
+                          <m:r>
+                            <a:rPr lang="ru-RU" sz="1200" i="1" kern="1200">
+                              <a:solidFill>
+                                <a:schemeClr val="tx1"/>
+                              </a:solidFill>
+                              <a:effectLst/>
+                              <a:latin typeface="+mn-lt"/>
+                              <a:ea typeface="+mn-ea"/>
+                              <a:cs typeface="+mn-cs"/>
+                            </a:rPr>
+                            <m:t>&lt;</m:t>
+                          </m:r>
+                          <m:sSub>
+                            <m:sSubPr>
+                              <m:ctrlPr>
+                                <a:rPr lang="ru-RU" sz="1200" i="1" kern="1200">
+                                  <a:solidFill>
+                                    <a:schemeClr val="tx1"/>
+                                  </a:solidFill>
+                                  <a:effectLst/>
+                                  <a:latin typeface="+mn-lt"/>
+                                  <a:ea typeface="+mn-ea"/>
+                                  <a:cs typeface="+mn-cs"/>
+                                </a:rPr>
+                              </m:ctrlPr>
+                            </m:sSubPr>
+                            <m:e>
+                              <m:r>
+                                <a:rPr lang="ru-RU" sz="1200" i="1" kern="1200">
+                                  <a:solidFill>
+                                    <a:schemeClr val="tx1"/>
+                                  </a:solidFill>
+                                  <a:effectLst/>
+                                  <a:latin typeface="+mn-lt"/>
+                                  <a:ea typeface="+mn-ea"/>
+                                  <a:cs typeface="+mn-cs"/>
+                                </a:rPr>
+                                <m:t>𝑚</m:t>
+                              </m:r>
+                            </m:e>
+                            <m:sub>
+                              <m:r>
+                                <a:rPr lang="ru-RU" sz="1200" i="1" kern="1200">
+                                  <a:solidFill>
+                                    <a:schemeClr val="tx1"/>
+                                  </a:solidFill>
+                                  <a:effectLst/>
+                                  <a:latin typeface="+mn-lt"/>
+                                  <a:ea typeface="+mn-ea"/>
+                                  <a:cs typeface="+mn-cs"/>
+                                </a:rPr>
+                                <m:t>𝑖</m:t>
+                              </m:r>
+                            </m:sub>
+                          </m:sSub>
+                        </m:sub>
+                        <m:sup/>
+                        <m:e>
+                          <m:sSub>
+                            <m:sSubPr>
+                              <m:ctrlPr>
+                                <a:rPr lang="ru-RU" sz="1200" i="1" kern="1200">
+                                  <a:solidFill>
+                                    <a:schemeClr val="tx1"/>
+                                  </a:solidFill>
+                                  <a:effectLst/>
+                                  <a:latin typeface="+mn-lt"/>
+                                  <a:ea typeface="+mn-ea"/>
+                                  <a:cs typeface="+mn-cs"/>
+                                </a:rPr>
+                              </m:ctrlPr>
+                            </m:sSubPr>
+                            <m:e>
+                              <m:r>
+                                <a:rPr lang="ru-RU" sz="1200" i="1" kern="1200">
+                                  <a:solidFill>
+                                    <a:schemeClr val="tx1"/>
+                                  </a:solidFill>
+                                  <a:effectLst/>
+                                  <a:latin typeface="+mn-lt"/>
+                                  <a:ea typeface="+mn-ea"/>
+                                  <a:cs typeface="+mn-cs"/>
+                                </a:rPr>
+                                <m:t>𝑘</m:t>
+                              </m:r>
+                            </m:e>
+                            <m:sub>
+                              <m:r>
+                                <a:rPr lang="ru-RU" sz="1200" i="1" kern="1200">
+                                  <a:solidFill>
+                                    <a:schemeClr val="tx1"/>
+                                  </a:solidFill>
+                                  <a:effectLst/>
+                                  <a:latin typeface="+mn-lt"/>
+                                  <a:ea typeface="+mn-ea"/>
+                                  <a:cs typeface="+mn-cs"/>
+                                </a:rPr>
+                                <m:t>𝑖</m:t>
+                              </m:r>
+                            </m:sub>
+                          </m:sSub>
+                        </m:e>
+                      </m:nary>
+                      <m:r>
+                        <a:rPr lang="ru-RU" sz="1200" i="1" kern="1200">
+                          <a:solidFill>
+                            <a:schemeClr val="tx1"/>
+                          </a:solidFill>
+                          <a:effectLst/>
+                          <a:latin typeface="+mn-lt"/>
+                          <a:ea typeface="+mn-ea"/>
+                          <a:cs typeface="+mn-cs"/>
+                        </a:rPr>
+                        <m:t>−</m:t>
+                      </m:r>
+                      <m:r>
+                        <a:rPr lang="ru-RU" sz="1200" i="1" kern="1200">
+                          <a:solidFill>
+                            <a:schemeClr val="tx1"/>
+                          </a:solidFill>
+                          <a:effectLst/>
+                          <a:latin typeface="+mn-lt"/>
+                          <a:ea typeface="+mn-ea"/>
+                          <a:cs typeface="+mn-cs"/>
+                        </a:rPr>
+                        <m:t>𝜆</m:t>
+                      </m:r>
+                      <m:r>
+                        <a:rPr lang="ru-RU" sz="1200" i="1" kern="1200">
+                          <a:solidFill>
+                            <a:schemeClr val="tx1"/>
+                          </a:solidFill>
+                          <a:effectLst/>
+                          <a:latin typeface="+mn-lt"/>
+                          <a:ea typeface="+mn-ea"/>
+                          <a:cs typeface="+mn-cs"/>
+                        </a:rPr>
+                        <m:t>⋅</m:t>
+                      </m:r>
+                      <m:sSub>
+                        <m:sSubPr>
+                          <m:ctrlPr>
+                            <a:rPr lang="ru-RU" sz="1200" i="1" kern="1200">
+                              <a:solidFill>
+                                <a:schemeClr val="tx1"/>
+                              </a:solidFill>
+                              <a:effectLst/>
+                              <a:latin typeface="+mn-lt"/>
+                              <a:ea typeface="+mn-ea"/>
+                              <a:cs typeface="+mn-cs"/>
+                            </a:rPr>
+                          </m:ctrlPr>
+                        </m:sSubPr>
+                        <m:e>
+                          <m:r>
+                            <a:rPr lang="ru-RU" sz="1200" i="1" kern="1200">
+                              <a:solidFill>
+                                <a:schemeClr val="tx1"/>
+                              </a:solidFill>
+                              <a:effectLst/>
+                              <a:latin typeface="+mn-lt"/>
+                              <a:ea typeface="+mn-ea"/>
+                              <a:cs typeface="+mn-cs"/>
+                            </a:rPr>
+                            <m:t>𝑛</m:t>
+                          </m:r>
+                        </m:e>
+                        <m:sub>
+                          <m:sSub>
+                            <m:sSubPr>
+                              <m:ctrlPr>
+                                <a:rPr lang="ru-RU" sz="1200" i="1" kern="1200">
+                                  <a:solidFill>
+                                    <a:schemeClr val="tx1"/>
+                                  </a:solidFill>
+                                  <a:effectLst/>
+                                  <a:latin typeface="+mn-lt"/>
+                                  <a:ea typeface="+mn-ea"/>
+                                  <a:cs typeface="+mn-cs"/>
+                                </a:rPr>
+                              </m:ctrlPr>
+                            </m:sSubPr>
+                            <m:e>
+                              <m:r>
+                                <a:rPr lang="ru-RU" sz="1200" i="1" kern="1200">
+                                  <a:solidFill>
+                                    <a:schemeClr val="tx1"/>
+                                  </a:solidFill>
+                                  <a:effectLst/>
+                                  <a:latin typeface="+mn-lt"/>
+                                  <a:ea typeface="+mn-ea"/>
+                                  <a:cs typeface="+mn-cs"/>
+                                </a:rPr>
+                                <m:t>0≤</m:t>
+                              </m:r>
+                              <m:r>
+                                <a:rPr lang="ru-RU" sz="1200" i="1" kern="1200">
+                                  <a:solidFill>
+                                    <a:schemeClr val="tx1"/>
+                                  </a:solidFill>
+                                  <a:effectLst/>
+                                  <a:latin typeface="+mn-lt"/>
+                                  <a:ea typeface="+mn-ea"/>
+                                  <a:cs typeface="+mn-cs"/>
+                                </a:rPr>
+                                <m:t>𝑘</m:t>
+                              </m:r>
+                            </m:e>
+                            <m:sub>
+                              <m:r>
+                                <a:rPr lang="ru-RU" sz="1200" i="1" kern="1200">
+                                  <a:solidFill>
+                                    <a:schemeClr val="tx1"/>
+                                  </a:solidFill>
+                                  <a:effectLst/>
+                                  <a:latin typeface="+mn-lt"/>
+                                  <a:ea typeface="+mn-ea"/>
+                                  <a:cs typeface="+mn-cs"/>
+                                </a:rPr>
+                                <m:t>𝑖</m:t>
+                              </m:r>
+                            </m:sub>
+                          </m:sSub>
+                          <m:r>
+                            <a:rPr lang="ru-RU" sz="1200" i="1" kern="1200">
+                              <a:solidFill>
+                                <a:schemeClr val="tx1"/>
+                              </a:solidFill>
+                              <a:effectLst/>
+                              <a:latin typeface="+mn-lt"/>
+                              <a:ea typeface="+mn-ea"/>
+                              <a:cs typeface="+mn-cs"/>
+                            </a:rPr>
+                            <m:t>&lt;</m:t>
+                          </m:r>
+                          <m:sSub>
+                            <m:sSubPr>
+                              <m:ctrlPr>
+                                <a:rPr lang="ru-RU" sz="1200" i="1" kern="1200">
+                                  <a:solidFill>
+                                    <a:schemeClr val="tx1"/>
+                                  </a:solidFill>
+                                  <a:effectLst/>
+                                  <a:latin typeface="+mn-lt"/>
+                                  <a:ea typeface="+mn-ea"/>
+                                  <a:cs typeface="+mn-cs"/>
+                                </a:rPr>
+                              </m:ctrlPr>
+                            </m:sSubPr>
+                            <m:e>
+                              <m:r>
+                                <a:rPr lang="ru-RU" sz="1200" i="1" kern="1200">
+                                  <a:solidFill>
+                                    <a:schemeClr val="tx1"/>
+                                  </a:solidFill>
+                                  <a:effectLst/>
+                                  <a:latin typeface="+mn-lt"/>
+                                  <a:ea typeface="+mn-ea"/>
+                                  <a:cs typeface="+mn-cs"/>
+                                </a:rPr>
+                                <m:t>𝑚</m:t>
+                              </m:r>
+                            </m:e>
+                            <m:sub>
+                              <m:r>
+                                <a:rPr lang="ru-RU" sz="1200" i="1" kern="1200">
+                                  <a:solidFill>
+                                    <a:schemeClr val="tx1"/>
+                                  </a:solidFill>
+                                  <a:effectLst/>
+                                  <a:latin typeface="+mn-lt"/>
+                                  <a:ea typeface="+mn-ea"/>
+                                  <a:cs typeface="+mn-cs"/>
+                                </a:rPr>
+                                <m:t>𝑖</m:t>
+                              </m:r>
+                            </m:sub>
+                          </m:sSub>
+                        </m:sub>
+                      </m:sSub>
+                      <m:r>
+                        <a:rPr lang="ru-RU" sz="1200" i="1" kern="1200">
+                          <a:solidFill>
+                            <a:schemeClr val="tx1"/>
+                          </a:solidFill>
+                          <a:effectLst/>
+                          <a:latin typeface="+mn-lt"/>
+                          <a:ea typeface="+mn-ea"/>
+                          <a:cs typeface="+mn-cs"/>
+                        </a:rPr>
+                        <m:t>+</m:t>
+                      </m:r>
+                      <m:nary>
+                        <m:naryPr>
+                          <m:chr m:val="∑"/>
+                          <m:supHide m:val="on"/>
+                          <m:ctrlPr>
+                            <a:rPr lang="ru-RU" sz="1200" i="1" kern="1200">
+                              <a:solidFill>
+                                <a:schemeClr val="tx1"/>
+                              </a:solidFill>
+                              <a:effectLst/>
+                              <a:latin typeface="+mn-lt"/>
+                              <a:ea typeface="+mn-ea"/>
+                              <a:cs typeface="+mn-cs"/>
+                            </a:rPr>
+                          </m:ctrlPr>
+                        </m:naryPr>
+                        <m:sub>
+                          <m:r>
+                            <a:rPr lang="ru-RU" sz="1200" i="1" kern="1200">
+                              <a:solidFill>
+                                <a:schemeClr val="tx1"/>
+                              </a:solidFill>
+                              <a:effectLst/>
+                              <a:latin typeface="+mn-lt"/>
+                              <a:ea typeface="+mn-ea"/>
+                              <a:cs typeface="+mn-cs"/>
+                            </a:rPr>
+                            <m:t>𝑖</m:t>
+                          </m:r>
+                          <m:r>
+                            <a:rPr lang="ru-RU" sz="1200" i="1" kern="1200">
+                              <a:solidFill>
+                                <a:schemeClr val="tx1"/>
+                              </a:solidFill>
+                              <a:effectLst/>
+                              <a:latin typeface="+mn-lt"/>
+                              <a:ea typeface="+mn-ea"/>
+                              <a:cs typeface="+mn-cs"/>
+                            </a:rPr>
+                            <m:t>:</m:t>
+                          </m:r>
+                          <m:sSub>
+                            <m:sSubPr>
+                              <m:ctrlPr>
+                                <a:rPr lang="ru-RU" sz="1200" i="1" kern="1200">
+                                  <a:solidFill>
+                                    <a:schemeClr val="tx1"/>
+                                  </a:solidFill>
+                                  <a:effectLst/>
+                                  <a:latin typeface="+mn-lt"/>
+                                  <a:ea typeface="+mn-ea"/>
+                                  <a:cs typeface="+mn-cs"/>
+                                </a:rPr>
+                              </m:ctrlPr>
+                            </m:sSubPr>
+                            <m:e>
+                              <m:r>
+                                <a:rPr lang="ru-RU" sz="1200" i="1" kern="1200">
+                                  <a:solidFill>
+                                    <a:schemeClr val="tx1"/>
+                                  </a:solidFill>
+                                  <a:effectLst/>
+                                  <a:latin typeface="+mn-lt"/>
+                                  <a:ea typeface="+mn-ea"/>
+                                  <a:cs typeface="+mn-cs"/>
+                                </a:rPr>
+                                <m:t>𝑘</m:t>
+                              </m:r>
+                            </m:e>
+                            <m:sub>
+                              <m:r>
+                                <a:rPr lang="ru-RU" sz="1200" i="1" kern="1200">
+                                  <a:solidFill>
+                                    <a:schemeClr val="tx1"/>
+                                  </a:solidFill>
+                                  <a:effectLst/>
+                                  <a:latin typeface="+mn-lt"/>
+                                  <a:ea typeface="+mn-ea"/>
+                                  <a:cs typeface="+mn-cs"/>
+                                </a:rPr>
+                                <m:t>𝑖</m:t>
+                              </m:r>
+                            </m:sub>
+                          </m:sSub>
+                          <m:r>
+                            <a:rPr lang="ru-RU" sz="1200" i="1" kern="1200">
+                              <a:solidFill>
+                                <a:schemeClr val="tx1"/>
+                              </a:solidFill>
+                              <a:effectLst/>
+                              <a:latin typeface="+mn-lt"/>
+                              <a:ea typeface="+mn-ea"/>
+                              <a:cs typeface="+mn-cs"/>
+                            </a:rPr>
+                            <m:t>= </m:t>
+                          </m:r>
+                          <m:sSub>
+                            <m:sSubPr>
+                              <m:ctrlPr>
+                                <a:rPr lang="ru-RU" sz="1200" i="1" kern="1200">
+                                  <a:solidFill>
+                                    <a:schemeClr val="tx1"/>
+                                  </a:solidFill>
+                                  <a:effectLst/>
+                                  <a:latin typeface="+mn-lt"/>
+                                  <a:ea typeface="+mn-ea"/>
+                                  <a:cs typeface="+mn-cs"/>
+                                </a:rPr>
+                              </m:ctrlPr>
+                            </m:sSubPr>
+                            <m:e>
+                              <m:r>
+                                <a:rPr lang="ru-RU" sz="1200" i="1" kern="1200">
+                                  <a:solidFill>
+                                    <a:schemeClr val="tx1"/>
+                                  </a:solidFill>
+                                  <a:effectLst/>
+                                  <a:latin typeface="+mn-lt"/>
+                                  <a:ea typeface="+mn-ea"/>
+                                  <a:cs typeface="+mn-cs"/>
+                                </a:rPr>
+                                <m:t>𝑚</m:t>
+                              </m:r>
+                            </m:e>
+                            <m:sub>
+                              <m:r>
+                                <a:rPr lang="ru-RU" sz="1200" i="1" kern="1200">
+                                  <a:solidFill>
+                                    <a:schemeClr val="tx1"/>
+                                  </a:solidFill>
+                                  <a:effectLst/>
+                                  <a:latin typeface="+mn-lt"/>
+                                  <a:ea typeface="+mn-ea"/>
+                                  <a:cs typeface="+mn-cs"/>
+                                </a:rPr>
+                                <m:t>𝑖</m:t>
+                              </m:r>
+                            </m:sub>
+                          </m:sSub>
+                          <m:r>
+                            <a:rPr lang="ru-RU" sz="1200" i="1" kern="1200">
+                              <a:solidFill>
+                                <a:schemeClr val="tx1"/>
+                              </a:solidFill>
+                              <a:effectLst/>
+                              <a:latin typeface="+mn-lt"/>
+                              <a:ea typeface="+mn-ea"/>
+                              <a:cs typeface="+mn-cs"/>
+                            </a:rPr>
+                            <m:t>&gt;0</m:t>
+                          </m:r>
+                        </m:sub>
+                        <m:sup/>
+                        <m:e>
+                          <m:func>
+                            <m:funcPr>
+                              <m:ctrlPr>
+                                <a:rPr lang="ru-RU" sz="1200" i="1" kern="1200">
+                                  <a:solidFill>
+                                    <a:schemeClr val="tx1"/>
+                                  </a:solidFill>
+                                  <a:effectLst/>
+                                  <a:latin typeface="+mn-lt"/>
+                                  <a:ea typeface="+mn-ea"/>
+                                  <a:cs typeface="+mn-cs"/>
+                                </a:rPr>
+                              </m:ctrlPr>
+                            </m:funcPr>
+                            <m:fName>
+                              <m:r>
+                                <m:rPr>
+                                  <m:sty m:val="p"/>
+                                </m:rPr>
+                                <a:rPr lang="ru-RU" sz="1200" kern="1200">
+                                  <a:solidFill>
+                                    <a:schemeClr val="tx1"/>
+                                  </a:solidFill>
+                                  <a:effectLst/>
+                                  <a:latin typeface="+mn-lt"/>
+                                  <a:ea typeface="+mn-ea"/>
+                                  <a:cs typeface="+mn-cs"/>
+                                </a:rPr>
+                                <m:t>ln</m:t>
+                              </m:r>
+                            </m:fName>
+                            <m:e>
+                              <m:d>
+                                <m:dPr>
+                                  <m:ctrlPr>
+                                    <a:rPr lang="ru-RU" sz="1200" i="1" kern="1200">
+                                      <a:solidFill>
+                                        <a:schemeClr val="tx1"/>
+                                      </a:solidFill>
+                                      <a:effectLst/>
+                                      <a:latin typeface="+mn-lt"/>
+                                      <a:ea typeface="+mn-ea"/>
+                                      <a:cs typeface="+mn-cs"/>
+                                    </a:rPr>
+                                  </m:ctrlPr>
+                                </m:dPr>
+                                <m:e>
+                                  <m:f>
+                                    <m:fPr>
+                                      <m:ctrlPr>
+                                        <a:rPr lang="ru-RU" sz="1200" i="1" kern="1200">
+                                          <a:solidFill>
+                                            <a:schemeClr val="tx1"/>
+                                          </a:solidFill>
+                                          <a:effectLst/>
+                                          <a:latin typeface="+mn-lt"/>
+                                          <a:ea typeface="+mn-ea"/>
+                                          <a:cs typeface="+mn-cs"/>
+                                        </a:rPr>
+                                      </m:ctrlPr>
+                                    </m:fPr>
+                                    <m:num>
+                                      <m:sSup>
+                                        <m:sSupPr>
+                                          <m:ctrlPr>
+                                            <a:rPr lang="ru-RU" sz="1200" i="1" kern="1200">
+                                              <a:solidFill>
+                                                <a:schemeClr val="tx1"/>
+                                              </a:solidFill>
+                                              <a:effectLst/>
+                                              <a:latin typeface="+mn-lt"/>
+                                              <a:ea typeface="+mn-ea"/>
+                                              <a:cs typeface="+mn-cs"/>
+                                            </a:rPr>
+                                          </m:ctrlPr>
+                                        </m:sSupPr>
+                                        <m:e>
+                                          <m:d>
+                                            <m:dPr>
+                                              <m:ctrlPr>
+                                                <a:rPr lang="ru-RU" sz="1200" i="1" kern="1200">
+                                                  <a:solidFill>
+                                                    <a:schemeClr val="tx1"/>
+                                                  </a:solidFill>
+                                                  <a:effectLst/>
+                                                  <a:latin typeface="+mn-lt"/>
+                                                  <a:ea typeface="+mn-ea"/>
+                                                  <a:cs typeface="+mn-cs"/>
+                                                </a:rPr>
+                                              </m:ctrlPr>
+                                            </m:dPr>
+                                            <m:e>
+                                              <m:r>
+                                                <a:rPr lang="ru-RU" sz="1200" i="1" kern="1200">
+                                                  <a:solidFill>
+                                                    <a:schemeClr val="tx1"/>
+                                                  </a:solidFill>
+                                                  <a:effectLst/>
+                                                  <a:latin typeface="+mn-lt"/>
+                                                  <a:ea typeface="+mn-ea"/>
+                                                  <a:cs typeface="+mn-cs"/>
+                                                </a:rPr>
+                                                <m:t>𝜆</m:t>
+                                              </m:r>
+                                            </m:e>
+                                          </m:d>
+                                        </m:e>
+                                        <m:sup>
+                                          <m:sSub>
+                                            <m:sSubPr>
+                                              <m:ctrlPr>
+                                                <a:rPr lang="ru-RU" sz="1200" i="1" kern="1200">
+                                                  <a:solidFill>
+                                                    <a:schemeClr val="tx1"/>
+                                                  </a:solidFill>
+                                                  <a:effectLst/>
+                                                  <a:latin typeface="+mn-lt"/>
+                                                  <a:ea typeface="+mn-ea"/>
+                                                  <a:cs typeface="+mn-cs"/>
+                                                </a:rPr>
+                                              </m:ctrlPr>
+                                            </m:sSubPr>
+                                            <m:e>
+                                              <m:r>
+                                                <a:rPr lang="ru-RU" sz="1200" i="1" kern="1200">
+                                                  <a:solidFill>
+                                                    <a:schemeClr val="tx1"/>
+                                                  </a:solidFill>
+                                                  <a:effectLst/>
+                                                  <a:latin typeface="+mn-lt"/>
+                                                  <a:ea typeface="+mn-ea"/>
+                                                  <a:cs typeface="+mn-cs"/>
+                                                </a:rPr>
+                                                <m:t>𝑚</m:t>
+                                              </m:r>
+                                            </m:e>
+                                            <m:sub>
+                                              <m:r>
+                                                <a:rPr lang="ru-RU" sz="1200" i="1" kern="1200">
+                                                  <a:solidFill>
+                                                    <a:schemeClr val="tx1"/>
+                                                  </a:solidFill>
+                                                  <a:effectLst/>
+                                                  <a:latin typeface="+mn-lt"/>
+                                                  <a:ea typeface="+mn-ea"/>
+                                                  <a:cs typeface="+mn-cs"/>
+                                                </a:rPr>
+                                                <m:t>𝑖</m:t>
+                                              </m:r>
+                                            </m:sub>
+                                          </m:sSub>
+                                        </m:sup>
+                                      </m:sSup>
+                                    </m:num>
+                                    <m:den>
+                                      <m:sSub>
+                                        <m:sSubPr>
+                                          <m:ctrlPr>
+                                            <a:rPr lang="ru-RU" sz="1200" i="1" kern="1200">
+                                              <a:solidFill>
+                                                <a:schemeClr val="tx1"/>
+                                              </a:solidFill>
+                                              <a:effectLst/>
+                                              <a:latin typeface="+mn-lt"/>
+                                              <a:ea typeface="+mn-ea"/>
+                                              <a:cs typeface="+mn-cs"/>
+                                            </a:rPr>
+                                          </m:ctrlPr>
+                                        </m:sSubPr>
+                                        <m:e>
+                                          <m:r>
+                                            <a:rPr lang="ru-RU" sz="1200" i="1" kern="1200">
+                                              <a:solidFill>
+                                                <a:schemeClr val="tx1"/>
+                                              </a:solidFill>
+                                              <a:effectLst/>
+                                              <a:latin typeface="+mn-lt"/>
+                                              <a:ea typeface="+mn-ea"/>
+                                              <a:cs typeface="+mn-cs"/>
+                                            </a:rPr>
+                                            <m:t>𝑚</m:t>
+                                          </m:r>
+                                        </m:e>
+                                        <m:sub>
+                                          <m:r>
+                                            <a:rPr lang="ru-RU" sz="1200" i="1" kern="1200">
+                                              <a:solidFill>
+                                                <a:schemeClr val="tx1"/>
+                                              </a:solidFill>
+                                              <a:effectLst/>
+                                              <a:latin typeface="+mn-lt"/>
+                                              <a:ea typeface="+mn-ea"/>
+                                              <a:cs typeface="+mn-cs"/>
+                                            </a:rPr>
+                                            <m:t>𝑖</m:t>
+                                          </m:r>
+                                        </m:sub>
+                                      </m:sSub>
+                                      <m:r>
+                                        <a:rPr lang="ru-RU" sz="1200" i="1" kern="1200">
+                                          <a:solidFill>
+                                            <a:schemeClr val="tx1"/>
+                                          </a:solidFill>
+                                          <a:effectLst/>
+                                          <a:latin typeface="+mn-lt"/>
+                                          <a:ea typeface="+mn-ea"/>
+                                          <a:cs typeface="+mn-cs"/>
+                                        </a:rPr>
+                                        <m:t>!</m:t>
+                                      </m:r>
+                                    </m:den>
+                                  </m:f>
+                                  <m:sSup>
+                                    <m:sSupPr>
+                                      <m:ctrlPr>
+                                        <a:rPr lang="ru-RU" sz="1200" i="1" kern="1200">
+                                          <a:solidFill>
+                                            <a:schemeClr val="tx1"/>
+                                          </a:solidFill>
+                                          <a:effectLst/>
+                                          <a:latin typeface="+mn-lt"/>
+                                          <a:ea typeface="+mn-ea"/>
+                                          <a:cs typeface="+mn-cs"/>
+                                        </a:rPr>
+                                      </m:ctrlPr>
+                                    </m:sSupPr>
+                                    <m:e>
+                                      <m:r>
+                                        <a:rPr lang="ru-RU" sz="1200" i="1" kern="1200">
+                                          <a:solidFill>
+                                            <a:schemeClr val="tx1"/>
+                                          </a:solidFill>
+                                          <a:effectLst/>
+                                          <a:latin typeface="+mn-lt"/>
+                                          <a:ea typeface="+mn-ea"/>
+                                          <a:cs typeface="+mn-cs"/>
+                                        </a:rPr>
+                                        <m:t>𝑒</m:t>
+                                      </m:r>
+                                    </m:e>
+                                    <m:sup>
+                                      <m:sSub>
+                                        <m:sSubPr>
+                                          <m:ctrlPr>
+                                            <a:rPr lang="ru-RU" sz="1200" i="1" kern="1200">
+                                              <a:solidFill>
+                                                <a:schemeClr val="tx1"/>
+                                              </a:solidFill>
+                                              <a:effectLst/>
+                                              <a:latin typeface="+mn-lt"/>
+                                              <a:ea typeface="+mn-ea"/>
+                                              <a:cs typeface="+mn-cs"/>
+                                            </a:rPr>
+                                          </m:ctrlPr>
+                                        </m:sSubPr>
+                                        <m:e>
+                                          <m:r>
+                                            <a:rPr lang="ru-RU" sz="1200" i="1" kern="1200">
+                                              <a:solidFill>
+                                                <a:schemeClr val="tx1"/>
+                                              </a:solidFill>
+                                              <a:effectLst/>
+                                              <a:latin typeface="+mn-lt"/>
+                                              <a:ea typeface="+mn-ea"/>
+                                              <a:cs typeface="+mn-cs"/>
+                                            </a:rPr>
+                                            <m:t>𝜃</m:t>
+                                          </m:r>
+                                        </m:e>
+                                        <m:sub>
+                                          <m:sSub>
+                                            <m:sSubPr>
+                                              <m:ctrlPr>
+                                                <a:rPr lang="ru-RU" sz="1200" i="1" kern="1200">
+                                                  <a:solidFill>
+                                                    <a:schemeClr val="tx1"/>
+                                                  </a:solidFill>
+                                                  <a:effectLst/>
+                                                  <a:latin typeface="+mn-lt"/>
+                                                  <a:ea typeface="+mn-ea"/>
+                                                  <a:cs typeface="+mn-cs"/>
+                                                </a:rPr>
+                                              </m:ctrlPr>
+                                            </m:sSubPr>
+                                            <m:e>
+                                              <m:r>
+                                                <a:rPr lang="en-US" sz="1200" i="1" kern="1200">
+                                                  <a:solidFill>
+                                                    <a:schemeClr val="tx1"/>
+                                                  </a:solidFill>
+                                                  <a:effectLst/>
+                                                  <a:latin typeface="+mn-lt"/>
+                                                  <a:ea typeface="+mn-ea"/>
+                                                  <a:cs typeface="+mn-cs"/>
+                                                </a:rPr>
+                                                <m:t>𝑚</m:t>
+                                              </m:r>
+                                            </m:e>
+                                            <m:sub>
+                                              <m:r>
+                                                <a:rPr lang="en-US" sz="1200" i="1" kern="1200">
+                                                  <a:solidFill>
+                                                    <a:schemeClr val="tx1"/>
+                                                  </a:solidFill>
+                                                  <a:effectLst/>
+                                                  <a:latin typeface="+mn-lt"/>
+                                                  <a:ea typeface="+mn-ea"/>
+                                                  <a:cs typeface="+mn-cs"/>
+                                                </a:rPr>
+                                                <m:t>𝑖</m:t>
+                                              </m:r>
+                                            </m:sub>
+                                          </m:sSub>
+                                          <m:r>
+                                            <a:rPr lang="en-US" sz="1200" i="1" kern="1200">
+                                              <a:solidFill>
+                                                <a:schemeClr val="tx1"/>
+                                              </a:solidFill>
+                                              <a:effectLst/>
+                                              <a:latin typeface="+mn-lt"/>
+                                              <a:ea typeface="+mn-ea"/>
+                                              <a:cs typeface="+mn-cs"/>
+                                            </a:rPr>
+                                            <m:t>, </m:t>
+                                          </m:r>
+                                          <m:r>
+                                            <a:rPr lang="en-US" sz="1200" i="1" kern="1200">
+                                              <a:solidFill>
+                                                <a:schemeClr val="tx1"/>
+                                              </a:solidFill>
+                                              <a:effectLst/>
+                                              <a:latin typeface="+mn-lt"/>
+                                              <a:ea typeface="+mn-ea"/>
+                                              <a:cs typeface="+mn-cs"/>
+                                            </a:rPr>
+                                            <m:t>𝜆</m:t>
+                                          </m:r>
+                                        </m:sub>
+                                      </m:sSub>
+                                      <m:r>
+                                        <a:rPr lang="ru-RU" sz="1200" i="1" kern="1200">
+                                          <a:solidFill>
+                                            <a:schemeClr val="tx1"/>
+                                          </a:solidFill>
+                                          <a:effectLst/>
+                                          <a:latin typeface="+mn-lt"/>
+                                          <a:ea typeface="+mn-ea"/>
+                                          <a:cs typeface="+mn-cs"/>
+                                        </a:rPr>
+                                        <m:t>𝜆</m:t>
+                                      </m:r>
+                                    </m:sup>
+                                  </m:sSup>
+                                  <m:sSup>
+                                    <m:sSupPr>
+                                      <m:ctrlPr>
+                                        <a:rPr lang="ru-RU" sz="1200" i="1" kern="1200">
+                                          <a:solidFill>
+                                            <a:schemeClr val="tx1"/>
+                                          </a:solidFill>
+                                          <a:effectLst/>
+                                          <a:latin typeface="+mn-lt"/>
+                                          <a:ea typeface="+mn-ea"/>
+                                          <a:cs typeface="+mn-cs"/>
+                                        </a:rPr>
+                                      </m:ctrlPr>
+                                    </m:sSupPr>
+                                    <m:e>
+                                      <m:r>
+                                        <a:rPr lang="ru-RU" sz="1200" i="1" kern="1200">
+                                          <a:solidFill>
+                                            <a:schemeClr val="tx1"/>
+                                          </a:solidFill>
+                                          <a:effectLst/>
+                                          <a:latin typeface="+mn-lt"/>
+                                          <a:ea typeface="+mn-ea"/>
+                                          <a:cs typeface="+mn-cs"/>
+                                        </a:rPr>
+                                        <m:t>𝑒</m:t>
+                                      </m:r>
+                                    </m:e>
+                                    <m:sup>
+                                      <m:r>
+                                        <a:rPr lang="ru-RU" sz="1200" i="1" kern="1200">
+                                          <a:solidFill>
+                                            <a:schemeClr val="tx1"/>
+                                          </a:solidFill>
+                                          <a:effectLst/>
+                                          <a:latin typeface="+mn-lt"/>
+                                          <a:ea typeface="+mn-ea"/>
+                                          <a:cs typeface="+mn-cs"/>
+                                        </a:rPr>
+                                        <m:t>−</m:t>
+                                      </m:r>
+                                      <m:r>
+                                        <a:rPr lang="ru-RU" sz="1200" i="1" kern="1200">
+                                          <a:solidFill>
+                                            <a:schemeClr val="tx1"/>
+                                          </a:solidFill>
+                                          <a:effectLst/>
+                                          <a:latin typeface="+mn-lt"/>
+                                          <a:ea typeface="+mn-ea"/>
+                                          <a:cs typeface="+mn-cs"/>
+                                        </a:rPr>
+                                        <m:t>𝜆</m:t>
+                                      </m:r>
+                                    </m:sup>
+                                  </m:sSup>
+                                </m:e>
+                              </m:d>
+                            </m:e>
+                          </m:func>
+                        </m:e>
+                      </m:nary>
+                      <m:r>
+                        <a:rPr lang="ru-RU" sz="1200" i="1" kern="1200">
+                          <a:solidFill>
+                            <a:schemeClr val="tx1"/>
+                          </a:solidFill>
+                          <a:effectLst/>
+                          <a:latin typeface="+mn-lt"/>
+                          <a:ea typeface="+mn-ea"/>
+                          <a:cs typeface="+mn-cs"/>
+                        </a:rPr>
+                        <m:t>=</m:t>
+                      </m:r>
+                      <m:func>
+                        <m:funcPr>
+                          <m:ctrlPr>
+                            <a:rPr lang="ru-RU" sz="1200" i="1" kern="1200">
+                              <a:solidFill>
+                                <a:schemeClr val="tx1"/>
+                              </a:solidFill>
+                              <a:effectLst/>
+                              <a:latin typeface="+mn-lt"/>
+                              <a:ea typeface="+mn-ea"/>
+                              <a:cs typeface="+mn-cs"/>
+                            </a:rPr>
+                          </m:ctrlPr>
+                        </m:funcPr>
+                        <m:fName>
+                          <m:r>
+                            <m:rPr>
+                              <m:sty m:val="p"/>
+                            </m:rPr>
+                            <a:rPr lang="ru-RU" sz="1200" kern="1200">
+                              <a:solidFill>
+                                <a:schemeClr val="tx1"/>
+                              </a:solidFill>
+                              <a:effectLst/>
+                              <a:latin typeface="+mn-lt"/>
+                              <a:ea typeface="+mn-ea"/>
+                              <a:cs typeface="+mn-cs"/>
+                            </a:rPr>
+                            <m:t>ln</m:t>
+                          </m:r>
+                        </m:fName>
+                        <m:e>
+                          <m:r>
+                            <a:rPr lang="ru-RU" sz="1200" i="1" kern="1200">
+                              <a:solidFill>
+                                <a:schemeClr val="tx1"/>
+                              </a:solidFill>
+                              <a:effectLst/>
+                              <a:latin typeface="+mn-lt"/>
+                              <a:ea typeface="+mn-ea"/>
+                              <a:cs typeface="+mn-cs"/>
+                            </a:rPr>
+                            <m:t>𝜆</m:t>
+                          </m:r>
+                        </m:e>
+                      </m:func>
+                      <m:r>
+                        <a:rPr lang="ru-RU" sz="1200" i="1" kern="1200">
+                          <a:solidFill>
+                            <a:schemeClr val="tx1"/>
+                          </a:solidFill>
+                          <a:effectLst/>
+                          <a:latin typeface="+mn-lt"/>
+                          <a:ea typeface="+mn-ea"/>
+                          <a:cs typeface="+mn-cs"/>
+                        </a:rPr>
+                        <m:t>⋅</m:t>
+                      </m:r>
+                      <m:nary>
+                        <m:naryPr>
+                          <m:chr m:val="∑"/>
+                          <m:supHide m:val="on"/>
+                          <m:ctrlPr>
+                            <a:rPr lang="ru-RU" sz="1200" i="1" kern="1200">
+                              <a:solidFill>
+                                <a:schemeClr val="tx1"/>
+                              </a:solidFill>
+                              <a:effectLst/>
+                              <a:latin typeface="+mn-lt"/>
+                              <a:ea typeface="+mn-ea"/>
+                              <a:cs typeface="+mn-cs"/>
+                            </a:rPr>
+                          </m:ctrlPr>
+                        </m:naryPr>
+                        <m:sub>
+                          <m:r>
+                            <a:rPr lang="ru-RU" sz="1200" i="1" kern="1200">
+                              <a:solidFill>
+                                <a:schemeClr val="tx1"/>
+                              </a:solidFill>
+                              <a:effectLst/>
+                              <a:latin typeface="+mn-lt"/>
+                              <a:ea typeface="+mn-ea"/>
+                              <a:cs typeface="+mn-cs"/>
+                            </a:rPr>
+                            <m:t>𝑖</m:t>
+                          </m:r>
+                          <m:r>
+                            <a:rPr lang="ru-RU" sz="1200" i="1" kern="1200">
+                              <a:solidFill>
+                                <a:schemeClr val="tx1"/>
+                              </a:solidFill>
+                              <a:effectLst/>
+                              <a:latin typeface="+mn-lt"/>
+                              <a:ea typeface="+mn-ea"/>
+                              <a:cs typeface="+mn-cs"/>
+                            </a:rPr>
+                            <m:t>:</m:t>
+                          </m:r>
+                          <m:sSub>
+                            <m:sSubPr>
+                              <m:ctrlPr>
+                                <a:rPr lang="ru-RU" sz="1200" i="1" kern="1200">
+                                  <a:solidFill>
+                                    <a:schemeClr val="tx1"/>
+                                  </a:solidFill>
+                                  <a:effectLst/>
+                                  <a:latin typeface="+mn-lt"/>
+                                  <a:ea typeface="+mn-ea"/>
+                                  <a:cs typeface="+mn-cs"/>
+                                </a:rPr>
+                              </m:ctrlPr>
+                            </m:sSubPr>
+                            <m:e>
+                              <m:r>
+                                <a:rPr lang="ru-RU" sz="1200" i="1" kern="1200">
+                                  <a:solidFill>
+                                    <a:schemeClr val="tx1"/>
+                                  </a:solidFill>
+                                  <a:effectLst/>
+                                  <a:latin typeface="+mn-lt"/>
+                                  <a:ea typeface="+mn-ea"/>
+                                  <a:cs typeface="+mn-cs"/>
+                                </a:rPr>
+                                <m:t>0≤</m:t>
+                              </m:r>
+                              <m:r>
+                                <a:rPr lang="ru-RU" sz="1200" i="1" kern="1200">
+                                  <a:solidFill>
+                                    <a:schemeClr val="tx1"/>
+                                  </a:solidFill>
+                                  <a:effectLst/>
+                                  <a:latin typeface="+mn-lt"/>
+                                  <a:ea typeface="+mn-ea"/>
+                                  <a:cs typeface="+mn-cs"/>
+                                </a:rPr>
+                                <m:t>𝑘</m:t>
+                              </m:r>
+                            </m:e>
+                            <m:sub>
+                              <m:r>
+                                <a:rPr lang="ru-RU" sz="1200" i="1" kern="1200">
+                                  <a:solidFill>
+                                    <a:schemeClr val="tx1"/>
+                                  </a:solidFill>
+                                  <a:effectLst/>
+                                  <a:latin typeface="+mn-lt"/>
+                                  <a:ea typeface="+mn-ea"/>
+                                  <a:cs typeface="+mn-cs"/>
+                                </a:rPr>
+                                <m:t>𝑖</m:t>
+                              </m:r>
+                            </m:sub>
+                          </m:sSub>
+                          <m:r>
+                            <a:rPr lang="ru-RU" sz="1200" i="1" kern="1200">
+                              <a:solidFill>
+                                <a:schemeClr val="tx1"/>
+                              </a:solidFill>
+                              <a:effectLst/>
+                              <a:latin typeface="+mn-lt"/>
+                              <a:ea typeface="+mn-ea"/>
+                              <a:cs typeface="+mn-cs"/>
+                            </a:rPr>
+                            <m:t>&lt;</m:t>
+                          </m:r>
+                          <m:sSub>
+                            <m:sSubPr>
+                              <m:ctrlPr>
+                                <a:rPr lang="ru-RU" sz="1200" i="1" kern="1200">
+                                  <a:solidFill>
+                                    <a:schemeClr val="tx1"/>
+                                  </a:solidFill>
+                                  <a:effectLst/>
+                                  <a:latin typeface="+mn-lt"/>
+                                  <a:ea typeface="+mn-ea"/>
+                                  <a:cs typeface="+mn-cs"/>
+                                </a:rPr>
+                              </m:ctrlPr>
+                            </m:sSubPr>
+                            <m:e>
+                              <m:r>
+                                <a:rPr lang="ru-RU" sz="1200" i="1" kern="1200">
+                                  <a:solidFill>
+                                    <a:schemeClr val="tx1"/>
+                                  </a:solidFill>
+                                  <a:effectLst/>
+                                  <a:latin typeface="+mn-lt"/>
+                                  <a:ea typeface="+mn-ea"/>
+                                  <a:cs typeface="+mn-cs"/>
+                                </a:rPr>
+                                <m:t>𝑚</m:t>
+                              </m:r>
+                            </m:e>
+                            <m:sub>
+                              <m:r>
+                                <a:rPr lang="ru-RU" sz="1200" i="1" kern="1200">
+                                  <a:solidFill>
+                                    <a:schemeClr val="tx1"/>
+                                  </a:solidFill>
+                                  <a:effectLst/>
+                                  <a:latin typeface="+mn-lt"/>
+                                  <a:ea typeface="+mn-ea"/>
+                                  <a:cs typeface="+mn-cs"/>
+                                </a:rPr>
+                                <m:t>𝑖</m:t>
+                              </m:r>
+                            </m:sub>
+                          </m:sSub>
+                        </m:sub>
+                        <m:sup/>
+                        <m:e>
+                          <m:sSub>
+                            <m:sSubPr>
+                              <m:ctrlPr>
+                                <a:rPr lang="ru-RU" sz="1200" i="1" kern="1200">
+                                  <a:solidFill>
+                                    <a:schemeClr val="tx1"/>
+                                  </a:solidFill>
+                                  <a:effectLst/>
+                                  <a:latin typeface="+mn-lt"/>
+                                  <a:ea typeface="+mn-ea"/>
+                                  <a:cs typeface="+mn-cs"/>
+                                </a:rPr>
+                              </m:ctrlPr>
+                            </m:sSubPr>
+                            <m:e>
+                              <m:r>
+                                <a:rPr lang="ru-RU" sz="1200" i="1" kern="1200">
+                                  <a:solidFill>
+                                    <a:schemeClr val="tx1"/>
+                                  </a:solidFill>
+                                  <a:effectLst/>
+                                  <a:latin typeface="+mn-lt"/>
+                                  <a:ea typeface="+mn-ea"/>
+                                  <a:cs typeface="+mn-cs"/>
+                                </a:rPr>
+                                <m:t>𝑘</m:t>
+                              </m:r>
+                            </m:e>
+                            <m:sub>
+                              <m:r>
+                                <a:rPr lang="ru-RU" sz="1200" i="1" kern="1200">
+                                  <a:solidFill>
+                                    <a:schemeClr val="tx1"/>
+                                  </a:solidFill>
+                                  <a:effectLst/>
+                                  <a:latin typeface="+mn-lt"/>
+                                  <a:ea typeface="+mn-ea"/>
+                                  <a:cs typeface="+mn-cs"/>
+                                </a:rPr>
+                                <m:t>𝑖</m:t>
+                              </m:r>
+                            </m:sub>
+                          </m:sSub>
+                        </m:e>
+                      </m:nary>
+                      <m:r>
+                        <a:rPr lang="ru-RU" sz="1200" i="1" kern="1200">
+                          <a:solidFill>
+                            <a:schemeClr val="tx1"/>
+                          </a:solidFill>
+                          <a:effectLst/>
+                          <a:latin typeface="+mn-lt"/>
+                          <a:ea typeface="+mn-ea"/>
+                          <a:cs typeface="+mn-cs"/>
+                        </a:rPr>
+                        <m:t>−</m:t>
+                      </m:r>
+                      <m:r>
+                        <a:rPr lang="ru-RU" sz="1200" i="1" kern="1200">
+                          <a:solidFill>
+                            <a:schemeClr val="tx1"/>
+                          </a:solidFill>
+                          <a:effectLst/>
+                          <a:latin typeface="+mn-lt"/>
+                          <a:ea typeface="+mn-ea"/>
+                          <a:cs typeface="+mn-cs"/>
+                        </a:rPr>
+                        <m:t>𝜆</m:t>
+                      </m:r>
+                      <m:r>
+                        <a:rPr lang="ru-RU" sz="1200" i="1" kern="1200">
+                          <a:solidFill>
+                            <a:schemeClr val="tx1"/>
+                          </a:solidFill>
+                          <a:effectLst/>
+                          <a:latin typeface="+mn-lt"/>
+                          <a:ea typeface="+mn-ea"/>
+                          <a:cs typeface="+mn-cs"/>
+                        </a:rPr>
+                        <m:t>⋅</m:t>
+                      </m:r>
+                      <m:sSub>
+                        <m:sSubPr>
+                          <m:ctrlPr>
+                            <a:rPr lang="ru-RU" sz="1200" i="1" kern="1200">
+                              <a:solidFill>
+                                <a:schemeClr val="tx1"/>
+                              </a:solidFill>
+                              <a:effectLst/>
+                              <a:latin typeface="+mn-lt"/>
+                              <a:ea typeface="+mn-ea"/>
+                              <a:cs typeface="+mn-cs"/>
+                            </a:rPr>
+                          </m:ctrlPr>
+                        </m:sSubPr>
+                        <m:e>
+                          <m:r>
+                            <a:rPr lang="ru-RU" sz="1200" i="1" kern="1200">
+                              <a:solidFill>
+                                <a:schemeClr val="tx1"/>
+                              </a:solidFill>
+                              <a:effectLst/>
+                              <a:latin typeface="+mn-lt"/>
+                              <a:ea typeface="+mn-ea"/>
+                              <a:cs typeface="+mn-cs"/>
+                            </a:rPr>
+                            <m:t>𝑛</m:t>
+                          </m:r>
+                        </m:e>
+                        <m:sub>
+                          <m:sSub>
+                            <m:sSubPr>
+                              <m:ctrlPr>
+                                <a:rPr lang="ru-RU" sz="1200" i="1" kern="1200">
+                                  <a:solidFill>
+                                    <a:schemeClr val="tx1"/>
+                                  </a:solidFill>
+                                  <a:effectLst/>
+                                  <a:latin typeface="+mn-lt"/>
+                                  <a:ea typeface="+mn-ea"/>
+                                  <a:cs typeface="+mn-cs"/>
+                                </a:rPr>
+                              </m:ctrlPr>
+                            </m:sSubPr>
+                            <m:e>
+                              <m:r>
+                                <a:rPr lang="ru-RU" sz="1200" i="1" kern="1200">
+                                  <a:solidFill>
+                                    <a:schemeClr val="tx1"/>
+                                  </a:solidFill>
+                                  <a:effectLst/>
+                                  <a:latin typeface="+mn-lt"/>
+                                  <a:ea typeface="+mn-ea"/>
+                                  <a:cs typeface="+mn-cs"/>
+                                </a:rPr>
+                                <m:t>0≤</m:t>
+                              </m:r>
+                              <m:r>
+                                <a:rPr lang="ru-RU" sz="1200" i="1" kern="1200">
+                                  <a:solidFill>
+                                    <a:schemeClr val="tx1"/>
+                                  </a:solidFill>
+                                  <a:effectLst/>
+                                  <a:latin typeface="+mn-lt"/>
+                                  <a:ea typeface="+mn-ea"/>
+                                  <a:cs typeface="+mn-cs"/>
+                                </a:rPr>
+                                <m:t>𝑘</m:t>
+                              </m:r>
+                            </m:e>
+                            <m:sub>
+                              <m:r>
+                                <a:rPr lang="ru-RU" sz="1200" i="1" kern="1200">
+                                  <a:solidFill>
+                                    <a:schemeClr val="tx1"/>
+                                  </a:solidFill>
+                                  <a:effectLst/>
+                                  <a:latin typeface="+mn-lt"/>
+                                  <a:ea typeface="+mn-ea"/>
+                                  <a:cs typeface="+mn-cs"/>
+                                </a:rPr>
+                                <m:t>𝑖</m:t>
+                              </m:r>
+                            </m:sub>
+                          </m:sSub>
+                          <m:r>
+                            <a:rPr lang="ru-RU" sz="1200" i="1" kern="1200">
+                              <a:solidFill>
+                                <a:schemeClr val="tx1"/>
+                              </a:solidFill>
+                              <a:effectLst/>
+                              <a:latin typeface="+mn-lt"/>
+                              <a:ea typeface="+mn-ea"/>
+                              <a:cs typeface="+mn-cs"/>
+                            </a:rPr>
+                            <m:t>&lt;</m:t>
+                          </m:r>
+                          <m:sSub>
+                            <m:sSubPr>
+                              <m:ctrlPr>
+                                <a:rPr lang="ru-RU" sz="1200" i="1" kern="1200">
+                                  <a:solidFill>
+                                    <a:schemeClr val="tx1"/>
+                                  </a:solidFill>
+                                  <a:effectLst/>
+                                  <a:latin typeface="+mn-lt"/>
+                                  <a:ea typeface="+mn-ea"/>
+                                  <a:cs typeface="+mn-cs"/>
+                                </a:rPr>
+                              </m:ctrlPr>
+                            </m:sSubPr>
+                            <m:e>
+                              <m:r>
+                                <a:rPr lang="ru-RU" sz="1200" i="1" kern="1200">
+                                  <a:solidFill>
+                                    <a:schemeClr val="tx1"/>
+                                  </a:solidFill>
+                                  <a:effectLst/>
+                                  <a:latin typeface="+mn-lt"/>
+                                  <a:ea typeface="+mn-ea"/>
+                                  <a:cs typeface="+mn-cs"/>
+                                </a:rPr>
+                                <m:t>𝑚</m:t>
+                              </m:r>
+                            </m:e>
+                            <m:sub>
+                              <m:r>
+                                <a:rPr lang="ru-RU" sz="1200" i="1" kern="1200">
+                                  <a:solidFill>
+                                    <a:schemeClr val="tx1"/>
+                                  </a:solidFill>
+                                  <a:effectLst/>
+                                  <a:latin typeface="+mn-lt"/>
+                                  <a:ea typeface="+mn-ea"/>
+                                  <a:cs typeface="+mn-cs"/>
+                                </a:rPr>
+                                <m:t>𝑖</m:t>
+                              </m:r>
+                            </m:sub>
+                          </m:sSub>
+                        </m:sub>
+                      </m:sSub>
+                      <m:r>
+                        <a:rPr lang="ru-RU" sz="1200" i="1" kern="1200">
+                          <a:solidFill>
+                            <a:schemeClr val="tx1"/>
+                          </a:solidFill>
+                          <a:effectLst/>
+                          <a:latin typeface="+mn-lt"/>
+                          <a:ea typeface="+mn-ea"/>
+                          <a:cs typeface="+mn-cs"/>
+                        </a:rPr>
+                        <m:t>+</m:t>
+                      </m:r>
+                      <m:nary>
+                        <m:naryPr>
+                          <m:chr m:val="∑"/>
+                          <m:supHide m:val="on"/>
+                          <m:ctrlPr>
+                            <a:rPr lang="ru-RU" sz="1200" i="1" kern="1200">
+                              <a:solidFill>
+                                <a:schemeClr val="tx1"/>
+                              </a:solidFill>
+                              <a:effectLst/>
+                              <a:latin typeface="+mn-lt"/>
+                              <a:ea typeface="+mn-ea"/>
+                              <a:cs typeface="+mn-cs"/>
+                            </a:rPr>
+                          </m:ctrlPr>
+                        </m:naryPr>
+                        <m:sub>
+                          <m:r>
+                            <a:rPr lang="ru-RU" sz="1200" i="1" kern="1200">
+                              <a:solidFill>
+                                <a:schemeClr val="tx1"/>
+                              </a:solidFill>
+                              <a:effectLst/>
+                              <a:latin typeface="+mn-lt"/>
+                              <a:ea typeface="+mn-ea"/>
+                              <a:cs typeface="+mn-cs"/>
+                            </a:rPr>
+                            <m:t>𝑖</m:t>
+                          </m:r>
+                          <m:r>
+                            <a:rPr lang="ru-RU" sz="1200" i="1" kern="1200">
+                              <a:solidFill>
+                                <a:schemeClr val="tx1"/>
+                              </a:solidFill>
+                              <a:effectLst/>
+                              <a:latin typeface="+mn-lt"/>
+                              <a:ea typeface="+mn-ea"/>
+                              <a:cs typeface="+mn-cs"/>
+                            </a:rPr>
+                            <m:t>:</m:t>
+                          </m:r>
+                          <m:sSub>
+                            <m:sSubPr>
+                              <m:ctrlPr>
+                                <a:rPr lang="ru-RU" sz="1200" i="1" kern="1200">
+                                  <a:solidFill>
+                                    <a:schemeClr val="tx1"/>
+                                  </a:solidFill>
+                                  <a:effectLst/>
+                                  <a:latin typeface="+mn-lt"/>
+                                  <a:ea typeface="+mn-ea"/>
+                                  <a:cs typeface="+mn-cs"/>
+                                </a:rPr>
+                              </m:ctrlPr>
+                            </m:sSubPr>
+                            <m:e>
+                              <m:r>
+                                <a:rPr lang="ru-RU" sz="1200" i="1" kern="1200">
+                                  <a:solidFill>
+                                    <a:schemeClr val="tx1"/>
+                                  </a:solidFill>
+                                  <a:effectLst/>
+                                  <a:latin typeface="+mn-lt"/>
+                                  <a:ea typeface="+mn-ea"/>
+                                  <a:cs typeface="+mn-cs"/>
+                                </a:rPr>
+                                <m:t>𝑘</m:t>
+                              </m:r>
+                            </m:e>
+                            <m:sub>
+                              <m:r>
+                                <a:rPr lang="ru-RU" sz="1200" i="1" kern="1200">
+                                  <a:solidFill>
+                                    <a:schemeClr val="tx1"/>
+                                  </a:solidFill>
+                                  <a:effectLst/>
+                                  <a:latin typeface="+mn-lt"/>
+                                  <a:ea typeface="+mn-ea"/>
+                                  <a:cs typeface="+mn-cs"/>
+                                </a:rPr>
+                                <m:t>𝑖</m:t>
+                              </m:r>
+                            </m:sub>
+                          </m:sSub>
+                          <m:r>
+                            <a:rPr lang="ru-RU" sz="1200" i="1" kern="1200">
+                              <a:solidFill>
+                                <a:schemeClr val="tx1"/>
+                              </a:solidFill>
+                              <a:effectLst/>
+                              <a:latin typeface="+mn-lt"/>
+                              <a:ea typeface="+mn-ea"/>
+                              <a:cs typeface="+mn-cs"/>
+                            </a:rPr>
+                            <m:t>= </m:t>
+                          </m:r>
+                          <m:sSub>
+                            <m:sSubPr>
+                              <m:ctrlPr>
+                                <a:rPr lang="ru-RU" sz="1200" i="1" kern="1200">
+                                  <a:solidFill>
+                                    <a:schemeClr val="tx1"/>
+                                  </a:solidFill>
+                                  <a:effectLst/>
+                                  <a:latin typeface="+mn-lt"/>
+                                  <a:ea typeface="+mn-ea"/>
+                                  <a:cs typeface="+mn-cs"/>
+                                </a:rPr>
+                              </m:ctrlPr>
+                            </m:sSubPr>
+                            <m:e>
+                              <m:r>
+                                <a:rPr lang="ru-RU" sz="1200" i="1" kern="1200">
+                                  <a:solidFill>
+                                    <a:schemeClr val="tx1"/>
+                                  </a:solidFill>
+                                  <a:effectLst/>
+                                  <a:latin typeface="+mn-lt"/>
+                                  <a:ea typeface="+mn-ea"/>
+                                  <a:cs typeface="+mn-cs"/>
+                                </a:rPr>
+                                <m:t>𝑚</m:t>
+                              </m:r>
+                            </m:e>
+                            <m:sub>
+                              <m:r>
+                                <a:rPr lang="ru-RU" sz="1200" i="1" kern="1200">
+                                  <a:solidFill>
+                                    <a:schemeClr val="tx1"/>
+                                  </a:solidFill>
+                                  <a:effectLst/>
+                                  <a:latin typeface="+mn-lt"/>
+                                  <a:ea typeface="+mn-ea"/>
+                                  <a:cs typeface="+mn-cs"/>
+                                </a:rPr>
+                                <m:t>𝑖</m:t>
+                              </m:r>
+                            </m:sub>
+                          </m:sSub>
+                          <m:r>
+                            <a:rPr lang="ru-RU" sz="1200" i="1" kern="1200">
+                              <a:solidFill>
+                                <a:schemeClr val="tx1"/>
+                              </a:solidFill>
+                              <a:effectLst/>
+                              <a:latin typeface="+mn-lt"/>
+                              <a:ea typeface="+mn-ea"/>
+                              <a:cs typeface="+mn-cs"/>
+                            </a:rPr>
+                            <m:t>&gt;0</m:t>
+                          </m:r>
+                        </m:sub>
+                        <m:sup/>
+                        <m:e>
+                          <m:d>
+                            <m:dPr>
+                              <m:ctrlPr>
+                                <a:rPr lang="ru-RU" sz="1200" i="1" kern="1200">
+                                  <a:solidFill>
+                                    <a:schemeClr val="tx1"/>
+                                  </a:solidFill>
+                                  <a:effectLst/>
+                                  <a:latin typeface="+mn-lt"/>
+                                  <a:ea typeface="+mn-ea"/>
+                                  <a:cs typeface="+mn-cs"/>
+                                </a:rPr>
+                              </m:ctrlPr>
+                            </m:dPr>
+                            <m:e>
+                              <m:sSub>
+                                <m:sSubPr>
+                                  <m:ctrlPr>
+                                    <a:rPr lang="ru-RU" sz="1200" i="1" kern="1200">
+                                      <a:solidFill>
+                                        <a:schemeClr val="tx1"/>
+                                      </a:solidFill>
+                                      <a:effectLst/>
+                                      <a:latin typeface="+mn-lt"/>
+                                      <a:ea typeface="+mn-ea"/>
+                                      <a:cs typeface="+mn-cs"/>
+                                    </a:rPr>
+                                  </m:ctrlPr>
+                                </m:sSubPr>
+                                <m:e>
+                                  <m:r>
+                                    <a:rPr lang="ru-RU" sz="1200" i="1" kern="1200">
+                                      <a:solidFill>
+                                        <a:schemeClr val="tx1"/>
+                                      </a:solidFill>
+                                      <a:effectLst/>
+                                      <a:latin typeface="+mn-lt"/>
+                                      <a:ea typeface="+mn-ea"/>
+                                      <a:cs typeface="+mn-cs"/>
+                                    </a:rPr>
+                                    <m:t>𝑘</m:t>
+                                  </m:r>
+                                </m:e>
+                                <m:sub>
+                                  <m:r>
+                                    <a:rPr lang="ru-RU" sz="1200" i="1" kern="1200">
+                                      <a:solidFill>
+                                        <a:schemeClr val="tx1"/>
+                                      </a:solidFill>
+                                      <a:effectLst/>
+                                      <a:latin typeface="+mn-lt"/>
+                                      <a:ea typeface="+mn-ea"/>
+                                      <a:cs typeface="+mn-cs"/>
+                                    </a:rPr>
+                                    <m:t>𝑖</m:t>
+                                  </m:r>
+                                </m:sub>
+                              </m:sSub>
+                              <m:r>
+                                <a:rPr lang="ru-RU" sz="1200" i="1" kern="1200">
+                                  <a:solidFill>
+                                    <a:schemeClr val="tx1"/>
+                                  </a:solidFill>
+                                  <a:effectLst/>
+                                  <a:latin typeface="+mn-lt"/>
+                                  <a:ea typeface="+mn-ea"/>
+                                  <a:cs typeface="+mn-cs"/>
+                                </a:rPr>
+                                <m:t>⋅</m:t>
+                              </m:r>
+                              <m:func>
+                                <m:funcPr>
+                                  <m:ctrlPr>
+                                    <a:rPr lang="ru-RU" sz="1200" i="1" kern="1200">
+                                      <a:solidFill>
+                                        <a:schemeClr val="tx1"/>
+                                      </a:solidFill>
+                                      <a:effectLst/>
+                                      <a:latin typeface="+mn-lt"/>
+                                      <a:ea typeface="+mn-ea"/>
+                                      <a:cs typeface="+mn-cs"/>
+                                    </a:rPr>
+                                  </m:ctrlPr>
+                                </m:funcPr>
+                                <m:fName>
+                                  <m:r>
+                                    <m:rPr>
+                                      <m:sty m:val="p"/>
+                                    </m:rPr>
+                                    <a:rPr lang="ru-RU" sz="1200" kern="1200">
+                                      <a:solidFill>
+                                        <a:schemeClr val="tx1"/>
+                                      </a:solidFill>
+                                      <a:effectLst/>
+                                      <a:latin typeface="+mn-lt"/>
+                                      <a:ea typeface="+mn-ea"/>
+                                      <a:cs typeface="+mn-cs"/>
+                                    </a:rPr>
+                                    <m:t>ln</m:t>
+                                  </m:r>
+                                </m:fName>
+                                <m:e>
+                                  <m:r>
+                                    <a:rPr lang="ru-RU" sz="1200" i="1" kern="1200">
+                                      <a:solidFill>
+                                        <a:schemeClr val="tx1"/>
+                                      </a:solidFill>
+                                      <a:effectLst/>
+                                      <a:latin typeface="+mn-lt"/>
+                                      <a:ea typeface="+mn-ea"/>
+                                      <a:cs typeface="+mn-cs"/>
+                                    </a:rPr>
+                                    <m:t>𝜆</m:t>
+                                  </m:r>
+                                </m:e>
+                              </m:func>
+                              <m:r>
+                                <a:rPr lang="ru-RU" sz="1200" i="1" kern="1200">
+                                  <a:solidFill>
+                                    <a:schemeClr val="tx1"/>
+                                  </a:solidFill>
+                                  <a:effectLst/>
+                                  <a:latin typeface="+mn-lt"/>
+                                  <a:ea typeface="+mn-ea"/>
+                                  <a:cs typeface="+mn-cs"/>
+                                </a:rPr>
+                                <m:t>+</m:t>
+                              </m:r>
+                              <m:d>
+                                <m:dPr>
+                                  <m:ctrlPr>
+                                    <a:rPr lang="ru-RU" sz="1200" i="1" kern="1200">
+                                      <a:solidFill>
+                                        <a:schemeClr val="tx1"/>
+                                      </a:solidFill>
+                                      <a:effectLst/>
+                                      <a:latin typeface="+mn-lt"/>
+                                      <a:ea typeface="+mn-ea"/>
+                                      <a:cs typeface="+mn-cs"/>
+                                    </a:rPr>
+                                  </m:ctrlPr>
+                                </m:dPr>
+                                <m:e>
+                                  <m:sSub>
+                                    <m:sSubPr>
+                                      <m:ctrlPr>
+                                        <a:rPr lang="ru-RU" sz="1200" i="1" kern="1200">
+                                          <a:solidFill>
+                                            <a:schemeClr val="tx1"/>
+                                          </a:solidFill>
+                                          <a:effectLst/>
+                                          <a:latin typeface="+mn-lt"/>
+                                          <a:ea typeface="+mn-ea"/>
+                                          <a:cs typeface="+mn-cs"/>
+                                        </a:rPr>
+                                      </m:ctrlPr>
+                                    </m:sSubPr>
+                                    <m:e>
+                                      <m:r>
+                                        <a:rPr lang="ru-RU" sz="1200" i="1" kern="1200">
+                                          <a:solidFill>
+                                            <a:schemeClr val="tx1"/>
+                                          </a:solidFill>
+                                          <a:effectLst/>
+                                          <a:latin typeface="+mn-lt"/>
+                                          <a:ea typeface="+mn-ea"/>
+                                          <a:cs typeface="+mn-cs"/>
+                                        </a:rPr>
+                                        <m:t>𝜃</m:t>
+                                      </m:r>
+                                    </m:e>
+                                    <m:sub>
+                                      <m:sSub>
+                                        <m:sSubPr>
+                                          <m:ctrlPr>
+                                            <a:rPr lang="ru-RU" sz="1200" i="1" kern="1200">
+                                              <a:solidFill>
+                                                <a:schemeClr val="tx1"/>
+                                              </a:solidFill>
+                                              <a:effectLst/>
+                                              <a:latin typeface="+mn-lt"/>
+                                              <a:ea typeface="+mn-ea"/>
+                                              <a:cs typeface="+mn-cs"/>
+                                            </a:rPr>
+                                          </m:ctrlPr>
+                                        </m:sSubPr>
+                                        <m:e>
+                                          <m:r>
+                                            <a:rPr lang="en-US" sz="1200" i="1" kern="1200">
+                                              <a:solidFill>
+                                                <a:schemeClr val="tx1"/>
+                                              </a:solidFill>
+                                              <a:effectLst/>
+                                              <a:latin typeface="+mn-lt"/>
+                                              <a:ea typeface="+mn-ea"/>
+                                              <a:cs typeface="+mn-cs"/>
+                                            </a:rPr>
+                                            <m:t>𝑚</m:t>
+                                          </m:r>
+                                        </m:e>
+                                        <m:sub>
+                                          <m:r>
+                                            <a:rPr lang="en-US" sz="1200" i="1" kern="1200">
+                                              <a:solidFill>
+                                                <a:schemeClr val="tx1"/>
+                                              </a:solidFill>
+                                              <a:effectLst/>
+                                              <a:latin typeface="+mn-lt"/>
+                                              <a:ea typeface="+mn-ea"/>
+                                              <a:cs typeface="+mn-cs"/>
+                                            </a:rPr>
+                                            <m:t>𝑖</m:t>
+                                          </m:r>
+                                        </m:sub>
+                                      </m:sSub>
+                                      <m:r>
+                                        <a:rPr lang="en-US" sz="1200" i="1" kern="1200">
+                                          <a:solidFill>
+                                            <a:schemeClr val="tx1"/>
+                                          </a:solidFill>
+                                          <a:effectLst/>
+                                          <a:latin typeface="+mn-lt"/>
+                                          <a:ea typeface="+mn-ea"/>
+                                          <a:cs typeface="+mn-cs"/>
+                                        </a:rPr>
+                                        <m:t>, </m:t>
+                                      </m:r>
+                                      <m:r>
+                                        <a:rPr lang="en-US" sz="1200" i="1" kern="1200">
+                                          <a:solidFill>
+                                            <a:schemeClr val="tx1"/>
+                                          </a:solidFill>
+                                          <a:effectLst/>
+                                          <a:latin typeface="+mn-lt"/>
+                                          <a:ea typeface="+mn-ea"/>
+                                          <a:cs typeface="+mn-cs"/>
+                                        </a:rPr>
+                                        <m:t>𝜆</m:t>
+                                      </m:r>
+                                    </m:sub>
+                                  </m:sSub>
+                                  <m:r>
+                                    <a:rPr lang="ru-RU" sz="1200" i="1" kern="1200">
+                                      <a:solidFill>
+                                        <a:schemeClr val="tx1"/>
+                                      </a:solidFill>
+                                      <a:effectLst/>
+                                      <a:latin typeface="+mn-lt"/>
+                                      <a:ea typeface="+mn-ea"/>
+                                      <a:cs typeface="+mn-cs"/>
+                                    </a:rPr>
+                                    <m:t>−1</m:t>
+                                  </m:r>
+                                </m:e>
+                              </m:d>
+                              <m:r>
+                                <a:rPr lang="ru-RU" sz="1200" i="1" kern="1200">
+                                  <a:solidFill>
+                                    <a:schemeClr val="tx1"/>
+                                  </a:solidFill>
+                                  <a:effectLst/>
+                                  <a:latin typeface="+mn-lt"/>
+                                  <a:ea typeface="+mn-ea"/>
+                                  <a:cs typeface="+mn-cs"/>
+                                </a:rPr>
+                                <m:t>⋅</m:t>
+                              </m:r>
+                              <m:r>
+                                <a:rPr lang="ru-RU" sz="1200" i="1" kern="1200">
+                                  <a:solidFill>
+                                    <a:schemeClr val="tx1"/>
+                                  </a:solidFill>
+                                  <a:effectLst/>
+                                  <a:latin typeface="+mn-lt"/>
+                                  <a:ea typeface="+mn-ea"/>
+                                  <a:cs typeface="+mn-cs"/>
+                                </a:rPr>
+                                <m:t>𝜆</m:t>
+                              </m:r>
+                            </m:e>
+                          </m:d>
+                        </m:e>
+                      </m:nary>
+                      <m:r>
+                        <a:rPr lang="ru-RU" sz="1200" i="1" kern="1200">
+                          <a:solidFill>
+                            <a:schemeClr val="tx1"/>
+                          </a:solidFill>
+                          <a:effectLst/>
+                          <a:latin typeface="+mn-lt"/>
+                          <a:ea typeface="+mn-ea"/>
+                          <a:cs typeface="+mn-cs"/>
+                        </a:rPr>
+                        <m:t>+</m:t>
+                      </m:r>
+                      <m:r>
+                        <a:rPr lang="ru-RU" sz="1200" i="1" kern="1200">
+                          <a:solidFill>
+                            <a:schemeClr val="tx1"/>
+                          </a:solidFill>
+                          <a:effectLst/>
+                          <a:latin typeface="+mn-lt"/>
+                          <a:ea typeface="+mn-ea"/>
+                          <a:cs typeface="+mn-cs"/>
+                        </a:rPr>
+                        <m:t>𝐶</m:t>
+                      </m:r>
+                    </m:oMath>
+                  </m:oMathPara>
+                </a14:m>
+                <a:endParaRPr lang="ru-RU" sz="1200" kern="1200" dirty="0">
+                  <a:solidFill>
+                    <a:schemeClr val="tx1"/>
+                  </a:solidFill>
+                  <a:effectLst/>
+                  <a:latin typeface="+mn-lt"/>
+                  <a:ea typeface="+mn-ea"/>
+                  <a:cs typeface="+mn-cs"/>
+                </a:endParaRPr>
+              </a:p>
+              <a:p>
+                <a14:m>
+                  <m:oMathPara xmlns:m="http://schemas.openxmlformats.org/officeDocument/2006/math">
+                    <m:oMathParaPr>
+                      <m:jc m:val="centerGroup"/>
+                    </m:oMathParaPr>
+                    <m:oMath xmlns:m="http://schemas.openxmlformats.org/officeDocument/2006/math">
+                      <m:func>
+                        <m:funcPr>
+                          <m:ctrlPr>
+                            <a:rPr lang="ru-RU" sz="1200" i="1" kern="1200">
+                              <a:solidFill>
+                                <a:schemeClr val="tx1"/>
+                              </a:solidFill>
+                              <a:effectLst/>
+                              <a:latin typeface="+mn-lt"/>
+                              <a:ea typeface="+mn-ea"/>
+                              <a:cs typeface="+mn-cs"/>
+                            </a:rPr>
+                          </m:ctrlPr>
+                        </m:funcPr>
+                        <m:fName>
+                          <m:r>
+                            <m:rPr>
+                              <m:sty m:val="p"/>
+                            </m:rPr>
+                            <a:rPr lang="en-US" sz="1200" kern="1200">
+                              <a:solidFill>
+                                <a:schemeClr val="tx1"/>
+                              </a:solidFill>
+                              <a:effectLst/>
+                              <a:latin typeface="+mn-lt"/>
+                              <a:ea typeface="+mn-ea"/>
+                              <a:cs typeface="+mn-cs"/>
+                            </a:rPr>
+                            <m:t>ln</m:t>
+                          </m:r>
+                        </m:fName>
+                        <m:e>
+                          <m:r>
+                            <a:rPr lang="en-US" sz="1200" i="1" kern="1200">
+                              <a:solidFill>
+                                <a:schemeClr val="tx1"/>
+                              </a:solidFill>
+                              <a:effectLst/>
+                              <a:latin typeface="+mn-lt"/>
+                              <a:ea typeface="+mn-ea"/>
+                              <a:cs typeface="+mn-cs"/>
+                            </a:rPr>
+                            <m:t>𝐿</m:t>
+                          </m:r>
+                        </m:e>
+                      </m:func>
+                      <m:r>
+                        <a:rPr lang="en-US" sz="1200" i="1" kern="1200">
+                          <a:solidFill>
+                            <a:schemeClr val="tx1"/>
+                          </a:solidFill>
+                          <a:effectLst/>
+                          <a:latin typeface="+mn-lt"/>
+                          <a:ea typeface="+mn-ea"/>
+                          <a:cs typeface="+mn-cs"/>
+                        </a:rPr>
+                        <m:t>= </m:t>
+                      </m:r>
+                      <m:func>
+                        <m:funcPr>
+                          <m:ctrlPr>
+                            <a:rPr lang="ru-RU" sz="1200" i="1" kern="1200">
+                              <a:solidFill>
+                                <a:schemeClr val="tx1"/>
+                              </a:solidFill>
+                              <a:effectLst/>
+                              <a:latin typeface="+mn-lt"/>
+                              <a:ea typeface="+mn-ea"/>
+                              <a:cs typeface="+mn-cs"/>
+                            </a:rPr>
+                          </m:ctrlPr>
+                        </m:funcPr>
+                        <m:fName>
+                          <m:r>
+                            <m:rPr>
+                              <m:sty m:val="p"/>
+                            </m:rPr>
+                            <a:rPr lang="en-US" sz="1200" kern="1200">
+                              <a:solidFill>
+                                <a:schemeClr val="tx1"/>
+                              </a:solidFill>
+                              <a:effectLst/>
+                              <a:latin typeface="+mn-lt"/>
+                              <a:ea typeface="+mn-ea"/>
+                              <a:cs typeface="+mn-cs"/>
+                            </a:rPr>
+                            <m:t>ln</m:t>
+                          </m:r>
+                        </m:fName>
+                        <m:e>
+                          <m:r>
+                            <a:rPr lang="en-US" sz="1200" i="1" kern="1200">
+                              <a:solidFill>
+                                <a:schemeClr val="tx1"/>
+                              </a:solidFill>
+                              <a:effectLst/>
+                              <a:latin typeface="+mn-lt"/>
+                              <a:ea typeface="+mn-ea"/>
+                              <a:cs typeface="+mn-cs"/>
+                            </a:rPr>
+                            <m:t>𝜆</m:t>
+                          </m:r>
+                        </m:e>
+                      </m:func>
+                      <m:r>
+                        <a:rPr lang="en-US" sz="1200" i="1" kern="1200">
+                          <a:solidFill>
+                            <a:schemeClr val="tx1"/>
+                          </a:solidFill>
+                          <a:effectLst/>
+                          <a:latin typeface="+mn-lt"/>
+                          <a:ea typeface="+mn-ea"/>
+                          <a:cs typeface="+mn-cs"/>
+                        </a:rPr>
+                        <m:t>⋅</m:t>
+                      </m:r>
+                      <m:nary>
+                        <m:naryPr>
+                          <m:chr m:val="∑"/>
+                          <m:supHide m:val="on"/>
+                          <m:ctrlPr>
+                            <a:rPr lang="ru-RU" sz="1200" i="1" kern="1200">
+                              <a:solidFill>
+                                <a:schemeClr val="tx1"/>
+                              </a:solidFill>
+                              <a:effectLst/>
+                              <a:latin typeface="+mn-lt"/>
+                              <a:ea typeface="+mn-ea"/>
+                              <a:cs typeface="+mn-cs"/>
+                            </a:rPr>
+                          </m:ctrlPr>
+                        </m:naryPr>
+                        <m:sub>
+                          <m:r>
+                            <a:rPr lang="ru-RU" sz="1200" i="1" kern="1200">
+                              <a:solidFill>
+                                <a:schemeClr val="tx1"/>
+                              </a:solidFill>
+                              <a:effectLst/>
+                              <a:latin typeface="+mn-lt"/>
+                              <a:ea typeface="+mn-ea"/>
+                              <a:cs typeface="+mn-cs"/>
+                            </a:rPr>
+                            <m:t>𝑖</m:t>
+                          </m:r>
+                          <m:r>
+                            <a:rPr lang="ru-RU" sz="1200" i="1" kern="1200">
+                              <a:solidFill>
+                                <a:schemeClr val="tx1"/>
+                              </a:solidFill>
+                              <a:effectLst/>
+                              <a:latin typeface="+mn-lt"/>
+                              <a:ea typeface="+mn-ea"/>
+                              <a:cs typeface="+mn-cs"/>
+                            </a:rPr>
+                            <m:t>:</m:t>
+                          </m:r>
+                          <m:sSub>
+                            <m:sSubPr>
+                              <m:ctrlPr>
+                                <a:rPr lang="ru-RU" sz="1200" i="1" kern="1200">
+                                  <a:solidFill>
+                                    <a:schemeClr val="tx1"/>
+                                  </a:solidFill>
+                                  <a:effectLst/>
+                                  <a:latin typeface="+mn-lt"/>
+                                  <a:ea typeface="+mn-ea"/>
+                                  <a:cs typeface="+mn-cs"/>
+                                </a:rPr>
+                              </m:ctrlPr>
+                            </m:sSubPr>
+                            <m:e>
+                              <m:r>
+                                <a:rPr lang="ru-RU" sz="1200" i="1" kern="1200">
+                                  <a:solidFill>
+                                    <a:schemeClr val="tx1"/>
+                                  </a:solidFill>
+                                  <a:effectLst/>
+                                  <a:latin typeface="+mn-lt"/>
+                                  <a:ea typeface="+mn-ea"/>
+                                  <a:cs typeface="+mn-cs"/>
+                                </a:rPr>
+                                <m:t>0≤</m:t>
+                              </m:r>
+                              <m:r>
+                                <a:rPr lang="ru-RU" sz="1200" i="1" kern="1200">
+                                  <a:solidFill>
+                                    <a:schemeClr val="tx1"/>
+                                  </a:solidFill>
+                                  <a:effectLst/>
+                                  <a:latin typeface="+mn-lt"/>
+                                  <a:ea typeface="+mn-ea"/>
+                                  <a:cs typeface="+mn-cs"/>
+                                </a:rPr>
+                                <m:t>𝑘</m:t>
+                              </m:r>
+                            </m:e>
+                            <m:sub>
+                              <m:r>
+                                <a:rPr lang="ru-RU" sz="1200" i="1" kern="1200">
+                                  <a:solidFill>
+                                    <a:schemeClr val="tx1"/>
+                                  </a:solidFill>
+                                  <a:effectLst/>
+                                  <a:latin typeface="+mn-lt"/>
+                                  <a:ea typeface="+mn-ea"/>
+                                  <a:cs typeface="+mn-cs"/>
+                                </a:rPr>
+                                <m:t>𝑖</m:t>
+                              </m:r>
+                            </m:sub>
+                          </m:sSub>
+                          <m:r>
+                            <a:rPr lang="ru-RU" sz="1200" i="1" kern="1200">
+                              <a:solidFill>
+                                <a:schemeClr val="tx1"/>
+                              </a:solidFill>
+                              <a:effectLst/>
+                              <a:latin typeface="+mn-lt"/>
+                              <a:ea typeface="+mn-ea"/>
+                              <a:cs typeface="+mn-cs"/>
+                            </a:rPr>
+                            <m:t>≤</m:t>
+                          </m:r>
+                          <m:sSub>
+                            <m:sSubPr>
+                              <m:ctrlPr>
+                                <a:rPr lang="ru-RU" sz="1200" i="1" kern="1200">
+                                  <a:solidFill>
+                                    <a:schemeClr val="tx1"/>
+                                  </a:solidFill>
+                                  <a:effectLst/>
+                                  <a:latin typeface="+mn-lt"/>
+                                  <a:ea typeface="+mn-ea"/>
+                                  <a:cs typeface="+mn-cs"/>
+                                </a:rPr>
+                              </m:ctrlPr>
+                            </m:sSubPr>
+                            <m:e>
+                              <m:r>
+                                <a:rPr lang="ru-RU" sz="1200" i="1" kern="1200">
+                                  <a:solidFill>
+                                    <a:schemeClr val="tx1"/>
+                                  </a:solidFill>
+                                  <a:effectLst/>
+                                  <a:latin typeface="+mn-lt"/>
+                                  <a:ea typeface="+mn-ea"/>
+                                  <a:cs typeface="+mn-cs"/>
+                                </a:rPr>
+                                <m:t>𝑚</m:t>
+                              </m:r>
+                            </m:e>
+                            <m:sub>
+                              <m:r>
+                                <a:rPr lang="ru-RU" sz="1200" i="1" kern="1200">
+                                  <a:solidFill>
+                                    <a:schemeClr val="tx1"/>
+                                  </a:solidFill>
+                                  <a:effectLst/>
+                                  <a:latin typeface="+mn-lt"/>
+                                  <a:ea typeface="+mn-ea"/>
+                                  <a:cs typeface="+mn-cs"/>
+                                </a:rPr>
+                                <m:t>𝑖</m:t>
+                              </m:r>
+                            </m:sub>
+                          </m:sSub>
+                        </m:sub>
+                        <m:sup/>
+                        <m:e>
+                          <m:sSub>
+                            <m:sSubPr>
+                              <m:ctrlPr>
+                                <a:rPr lang="ru-RU" sz="1200" i="1" kern="1200">
+                                  <a:solidFill>
+                                    <a:schemeClr val="tx1"/>
+                                  </a:solidFill>
+                                  <a:effectLst/>
+                                  <a:latin typeface="+mn-lt"/>
+                                  <a:ea typeface="+mn-ea"/>
+                                  <a:cs typeface="+mn-cs"/>
+                                </a:rPr>
+                              </m:ctrlPr>
+                            </m:sSubPr>
+                            <m:e>
+                              <m:r>
+                                <a:rPr lang="ru-RU" sz="1200" i="1" kern="1200">
+                                  <a:solidFill>
+                                    <a:schemeClr val="tx1"/>
+                                  </a:solidFill>
+                                  <a:effectLst/>
+                                  <a:latin typeface="+mn-lt"/>
+                                  <a:ea typeface="+mn-ea"/>
+                                  <a:cs typeface="+mn-cs"/>
+                                </a:rPr>
+                                <m:t>𝑘</m:t>
+                              </m:r>
+                            </m:e>
+                            <m:sub>
+                              <m:r>
+                                <a:rPr lang="ru-RU" sz="1200" i="1" kern="1200">
+                                  <a:solidFill>
+                                    <a:schemeClr val="tx1"/>
+                                  </a:solidFill>
+                                  <a:effectLst/>
+                                  <a:latin typeface="+mn-lt"/>
+                                  <a:ea typeface="+mn-ea"/>
+                                  <a:cs typeface="+mn-cs"/>
+                                </a:rPr>
+                                <m:t>𝑖</m:t>
+                              </m:r>
+                            </m:sub>
+                          </m:sSub>
+                        </m:e>
+                      </m:nary>
+                      <m:r>
+                        <a:rPr lang="en-US" sz="1200" i="1" kern="1200">
+                          <a:solidFill>
+                            <a:schemeClr val="tx1"/>
+                          </a:solidFill>
+                          <a:effectLst/>
+                          <a:latin typeface="+mn-lt"/>
+                          <a:ea typeface="+mn-ea"/>
+                          <a:cs typeface="+mn-cs"/>
+                        </a:rPr>
+                        <m:t>− </m:t>
+                      </m:r>
+                      <m:r>
+                        <a:rPr lang="ru-RU" sz="1200" i="1" kern="1200">
+                          <a:solidFill>
+                            <a:schemeClr val="tx1"/>
+                          </a:solidFill>
+                          <a:effectLst/>
+                          <a:latin typeface="+mn-lt"/>
+                          <a:ea typeface="+mn-ea"/>
+                          <a:cs typeface="+mn-cs"/>
+                        </a:rPr>
+                        <m:t>𝜆</m:t>
+                      </m:r>
+                      <m:r>
+                        <a:rPr lang="ru-RU" sz="1200" i="1" kern="1200">
+                          <a:solidFill>
+                            <a:schemeClr val="tx1"/>
+                          </a:solidFill>
+                          <a:effectLst/>
+                          <a:latin typeface="+mn-lt"/>
+                          <a:ea typeface="+mn-ea"/>
+                          <a:cs typeface="+mn-cs"/>
+                        </a:rPr>
+                        <m:t>⋅</m:t>
+                      </m:r>
+                      <m:d>
+                        <m:dPr>
+                          <m:ctrlPr>
+                            <a:rPr lang="ru-RU" sz="1200" i="1" kern="1200">
+                              <a:solidFill>
+                                <a:schemeClr val="tx1"/>
+                              </a:solidFill>
+                              <a:effectLst/>
+                              <a:latin typeface="+mn-lt"/>
+                              <a:ea typeface="+mn-ea"/>
+                              <a:cs typeface="+mn-cs"/>
+                            </a:rPr>
+                          </m:ctrlPr>
+                        </m:dPr>
+                        <m:e>
+                          <m:sSub>
+                            <m:sSubPr>
+                              <m:ctrlPr>
+                                <a:rPr lang="ru-RU" sz="1200" i="1" kern="1200">
+                                  <a:solidFill>
+                                    <a:schemeClr val="tx1"/>
+                                  </a:solidFill>
+                                  <a:effectLst/>
+                                  <a:latin typeface="+mn-lt"/>
+                                  <a:ea typeface="+mn-ea"/>
+                                  <a:cs typeface="+mn-cs"/>
+                                </a:rPr>
+                              </m:ctrlPr>
+                            </m:sSubPr>
+                            <m:e>
+                              <m:r>
+                                <a:rPr lang="ru-RU" sz="1200" i="1" kern="1200">
+                                  <a:solidFill>
+                                    <a:schemeClr val="tx1"/>
+                                  </a:solidFill>
+                                  <a:effectLst/>
+                                  <a:latin typeface="+mn-lt"/>
+                                  <a:ea typeface="+mn-ea"/>
+                                  <a:cs typeface="+mn-cs"/>
+                                </a:rPr>
+                                <m:t>𝑛</m:t>
+                              </m:r>
+                            </m:e>
+                            <m:sub>
+                              <m:sSub>
+                                <m:sSubPr>
+                                  <m:ctrlPr>
+                                    <a:rPr lang="ru-RU" sz="1200" i="1" kern="1200">
+                                      <a:solidFill>
+                                        <a:schemeClr val="tx1"/>
+                                      </a:solidFill>
+                                      <a:effectLst/>
+                                      <a:latin typeface="+mn-lt"/>
+                                      <a:ea typeface="+mn-ea"/>
+                                      <a:cs typeface="+mn-cs"/>
+                                    </a:rPr>
+                                  </m:ctrlPr>
+                                </m:sSubPr>
+                                <m:e>
+                                  <m:r>
+                                    <a:rPr lang="ru-RU" sz="1200" i="1" kern="1200">
+                                      <a:solidFill>
+                                        <a:schemeClr val="tx1"/>
+                                      </a:solidFill>
+                                      <a:effectLst/>
+                                      <a:latin typeface="+mn-lt"/>
+                                      <a:ea typeface="+mn-ea"/>
+                                      <a:cs typeface="+mn-cs"/>
+                                    </a:rPr>
+                                    <m:t>0≤</m:t>
+                                  </m:r>
+                                  <m:r>
+                                    <a:rPr lang="ru-RU" sz="1200" i="1" kern="1200">
+                                      <a:solidFill>
+                                        <a:schemeClr val="tx1"/>
+                                      </a:solidFill>
+                                      <a:effectLst/>
+                                      <a:latin typeface="+mn-lt"/>
+                                      <a:ea typeface="+mn-ea"/>
+                                      <a:cs typeface="+mn-cs"/>
+                                    </a:rPr>
+                                    <m:t>𝑘</m:t>
+                                  </m:r>
+                                </m:e>
+                                <m:sub>
+                                  <m:r>
+                                    <a:rPr lang="ru-RU" sz="1200" i="1" kern="1200">
+                                      <a:solidFill>
+                                        <a:schemeClr val="tx1"/>
+                                      </a:solidFill>
+                                      <a:effectLst/>
+                                      <a:latin typeface="+mn-lt"/>
+                                      <a:ea typeface="+mn-ea"/>
+                                      <a:cs typeface="+mn-cs"/>
+                                    </a:rPr>
+                                    <m:t>𝑖</m:t>
+                                  </m:r>
+                                </m:sub>
+                              </m:sSub>
+                              <m:r>
+                                <a:rPr lang="ru-RU" sz="1200" i="1" kern="1200">
+                                  <a:solidFill>
+                                    <a:schemeClr val="tx1"/>
+                                  </a:solidFill>
+                                  <a:effectLst/>
+                                  <a:latin typeface="+mn-lt"/>
+                                  <a:ea typeface="+mn-ea"/>
+                                  <a:cs typeface="+mn-cs"/>
+                                </a:rPr>
+                                <m:t>&lt;</m:t>
+                              </m:r>
+                              <m:sSub>
+                                <m:sSubPr>
+                                  <m:ctrlPr>
+                                    <a:rPr lang="ru-RU" sz="1200" i="1" kern="1200">
+                                      <a:solidFill>
+                                        <a:schemeClr val="tx1"/>
+                                      </a:solidFill>
+                                      <a:effectLst/>
+                                      <a:latin typeface="+mn-lt"/>
+                                      <a:ea typeface="+mn-ea"/>
+                                      <a:cs typeface="+mn-cs"/>
+                                    </a:rPr>
+                                  </m:ctrlPr>
+                                </m:sSubPr>
+                                <m:e>
+                                  <m:r>
+                                    <a:rPr lang="ru-RU" sz="1200" i="1" kern="1200">
+                                      <a:solidFill>
+                                        <a:schemeClr val="tx1"/>
+                                      </a:solidFill>
+                                      <a:effectLst/>
+                                      <a:latin typeface="+mn-lt"/>
+                                      <a:ea typeface="+mn-ea"/>
+                                      <a:cs typeface="+mn-cs"/>
+                                    </a:rPr>
+                                    <m:t>𝑚</m:t>
+                                  </m:r>
+                                </m:e>
+                                <m:sub>
+                                  <m:r>
+                                    <a:rPr lang="ru-RU" sz="1200" i="1" kern="1200">
+                                      <a:solidFill>
+                                        <a:schemeClr val="tx1"/>
+                                      </a:solidFill>
+                                      <a:effectLst/>
+                                      <a:latin typeface="+mn-lt"/>
+                                      <a:ea typeface="+mn-ea"/>
+                                      <a:cs typeface="+mn-cs"/>
+                                    </a:rPr>
+                                    <m:t>𝑖</m:t>
+                                  </m:r>
+                                </m:sub>
+                              </m:sSub>
+                            </m:sub>
+                          </m:sSub>
+                          <m:r>
+                            <a:rPr lang="ru-RU" sz="1200" i="1" kern="1200">
+                              <a:solidFill>
+                                <a:schemeClr val="tx1"/>
+                              </a:solidFill>
+                              <a:effectLst/>
+                              <a:latin typeface="+mn-lt"/>
+                              <a:ea typeface="+mn-ea"/>
+                              <a:cs typeface="+mn-cs"/>
+                            </a:rPr>
+                            <m:t>+</m:t>
+                          </m:r>
+                          <m:nary>
+                            <m:naryPr>
+                              <m:chr m:val="∑"/>
+                              <m:supHide m:val="on"/>
+                              <m:ctrlPr>
+                                <a:rPr lang="ru-RU" sz="1200" i="1" kern="1200">
+                                  <a:solidFill>
+                                    <a:schemeClr val="tx1"/>
+                                  </a:solidFill>
+                                  <a:effectLst/>
+                                  <a:latin typeface="+mn-lt"/>
+                                  <a:ea typeface="+mn-ea"/>
+                                  <a:cs typeface="+mn-cs"/>
+                                </a:rPr>
+                              </m:ctrlPr>
+                            </m:naryPr>
+                            <m:sub>
+                              <m:r>
+                                <a:rPr lang="ru-RU" sz="1200" i="1" kern="1200">
+                                  <a:solidFill>
+                                    <a:schemeClr val="tx1"/>
+                                  </a:solidFill>
+                                  <a:effectLst/>
+                                  <a:latin typeface="+mn-lt"/>
+                                  <a:ea typeface="+mn-ea"/>
+                                  <a:cs typeface="+mn-cs"/>
+                                </a:rPr>
+                                <m:t>𝑖</m:t>
+                              </m:r>
+                              <m:r>
+                                <a:rPr lang="ru-RU" sz="1200" i="1" kern="1200">
+                                  <a:solidFill>
+                                    <a:schemeClr val="tx1"/>
+                                  </a:solidFill>
+                                  <a:effectLst/>
+                                  <a:latin typeface="+mn-lt"/>
+                                  <a:ea typeface="+mn-ea"/>
+                                  <a:cs typeface="+mn-cs"/>
+                                </a:rPr>
+                                <m:t>:</m:t>
+                              </m:r>
+                              <m:sSub>
+                                <m:sSubPr>
+                                  <m:ctrlPr>
+                                    <a:rPr lang="ru-RU" sz="1200" i="1" kern="1200">
+                                      <a:solidFill>
+                                        <a:schemeClr val="tx1"/>
+                                      </a:solidFill>
+                                      <a:effectLst/>
+                                      <a:latin typeface="+mn-lt"/>
+                                      <a:ea typeface="+mn-ea"/>
+                                      <a:cs typeface="+mn-cs"/>
+                                    </a:rPr>
+                                  </m:ctrlPr>
+                                </m:sSubPr>
+                                <m:e>
+                                  <m:r>
+                                    <a:rPr lang="ru-RU" sz="1200" i="1" kern="1200">
+                                      <a:solidFill>
+                                        <a:schemeClr val="tx1"/>
+                                      </a:solidFill>
+                                      <a:effectLst/>
+                                      <a:latin typeface="+mn-lt"/>
+                                      <a:ea typeface="+mn-ea"/>
+                                      <a:cs typeface="+mn-cs"/>
+                                    </a:rPr>
+                                    <m:t>𝑘</m:t>
+                                  </m:r>
+                                </m:e>
+                                <m:sub>
+                                  <m:r>
+                                    <a:rPr lang="ru-RU" sz="1200" i="1" kern="1200">
+                                      <a:solidFill>
+                                        <a:schemeClr val="tx1"/>
+                                      </a:solidFill>
+                                      <a:effectLst/>
+                                      <a:latin typeface="+mn-lt"/>
+                                      <a:ea typeface="+mn-ea"/>
+                                      <a:cs typeface="+mn-cs"/>
+                                    </a:rPr>
+                                    <m:t>𝑖</m:t>
+                                  </m:r>
+                                </m:sub>
+                              </m:sSub>
+                              <m:r>
+                                <a:rPr lang="ru-RU" sz="1200" i="1" kern="1200">
+                                  <a:solidFill>
+                                    <a:schemeClr val="tx1"/>
+                                  </a:solidFill>
+                                  <a:effectLst/>
+                                  <a:latin typeface="+mn-lt"/>
+                                  <a:ea typeface="+mn-ea"/>
+                                  <a:cs typeface="+mn-cs"/>
+                                </a:rPr>
+                                <m:t>= </m:t>
+                              </m:r>
+                              <m:sSub>
+                                <m:sSubPr>
+                                  <m:ctrlPr>
+                                    <a:rPr lang="ru-RU" sz="1200" i="1" kern="1200">
+                                      <a:solidFill>
+                                        <a:schemeClr val="tx1"/>
+                                      </a:solidFill>
+                                      <a:effectLst/>
+                                      <a:latin typeface="+mn-lt"/>
+                                      <a:ea typeface="+mn-ea"/>
+                                      <a:cs typeface="+mn-cs"/>
+                                    </a:rPr>
+                                  </m:ctrlPr>
+                                </m:sSubPr>
+                                <m:e>
+                                  <m:r>
+                                    <a:rPr lang="ru-RU" sz="1200" i="1" kern="1200">
+                                      <a:solidFill>
+                                        <a:schemeClr val="tx1"/>
+                                      </a:solidFill>
+                                      <a:effectLst/>
+                                      <a:latin typeface="+mn-lt"/>
+                                      <a:ea typeface="+mn-ea"/>
+                                      <a:cs typeface="+mn-cs"/>
+                                    </a:rPr>
+                                    <m:t>𝑚</m:t>
+                                  </m:r>
+                                </m:e>
+                                <m:sub>
+                                  <m:r>
+                                    <a:rPr lang="ru-RU" sz="1200" i="1" kern="1200">
+                                      <a:solidFill>
+                                        <a:schemeClr val="tx1"/>
+                                      </a:solidFill>
+                                      <a:effectLst/>
+                                      <a:latin typeface="+mn-lt"/>
+                                      <a:ea typeface="+mn-ea"/>
+                                      <a:cs typeface="+mn-cs"/>
+                                    </a:rPr>
+                                    <m:t>𝑖</m:t>
+                                  </m:r>
+                                </m:sub>
+                              </m:sSub>
+                              <m:r>
+                                <a:rPr lang="ru-RU" sz="1200" i="1" kern="1200">
+                                  <a:solidFill>
+                                    <a:schemeClr val="tx1"/>
+                                  </a:solidFill>
+                                  <a:effectLst/>
+                                  <a:latin typeface="+mn-lt"/>
+                                  <a:ea typeface="+mn-ea"/>
+                                  <a:cs typeface="+mn-cs"/>
+                                </a:rPr>
+                                <m:t>&gt;0</m:t>
+                              </m:r>
+                            </m:sub>
+                            <m:sup/>
+                            <m:e>
+                              <m:d>
+                                <m:dPr>
+                                  <m:ctrlPr>
+                                    <a:rPr lang="ru-RU" sz="1200" i="1" kern="1200">
+                                      <a:solidFill>
+                                        <a:schemeClr val="tx1"/>
+                                      </a:solidFill>
+                                      <a:effectLst/>
+                                      <a:latin typeface="+mn-lt"/>
+                                      <a:ea typeface="+mn-ea"/>
+                                      <a:cs typeface="+mn-cs"/>
+                                    </a:rPr>
+                                  </m:ctrlPr>
+                                </m:dPr>
+                                <m:e>
+                                  <m:r>
+                                    <a:rPr lang="ru-RU" sz="1200" i="1" kern="1200">
+                                      <a:solidFill>
+                                        <a:schemeClr val="tx1"/>
+                                      </a:solidFill>
+                                      <a:effectLst/>
+                                      <a:latin typeface="+mn-lt"/>
+                                      <a:ea typeface="+mn-ea"/>
+                                      <a:cs typeface="+mn-cs"/>
+                                    </a:rPr>
+                                    <m:t>1−</m:t>
+                                  </m:r>
+                                  <m:sSub>
+                                    <m:sSubPr>
+                                      <m:ctrlPr>
+                                        <a:rPr lang="ru-RU" sz="1200" i="1" kern="1200">
+                                          <a:solidFill>
+                                            <a:schemeClr val="tx1"/>
+                                          </a:solidFill>
+                                          <a:effectLst/>
+                                          <a:latin typeface="+mn-lt"/>
+                                          <a:ea typeface="+mn-ea"/>
+                                          <a:cs typeface="+mn-cs"/>
+                                        </a:rPr>
+                                      </m:ctrlPr>
+                                    </m:sSubPr>
+                                    <m:e>
+                                      <m:r>
+                                        <a:rPr lang="ru-RU" sz="1200" i="1" kern="1200">
+                                          <a:solidFill>
+                                            <a:schemeClr val="tx1"/>
+                                          </a:solidFill>
+                                          <a:effectLst/>
+                                          <a:latin typeface="+mn-lt"/>
+                                          <a:ea typeface="+mn-ea"/>
+                                          <a:cs typeface="+mn-cs"/>
+                                        </a:rPr>
+                                        <m:t>𝜃</m:t>
+                                      </m:r>
+                                    </m:e>
+                                    <m:sub>
+                                      <m:sSub>
+                                        <m:sSubPr>
+                                          <m:ctrlPr>
+                                            <a:rPr lang="ru-RU" sz="1200" i="1" kern="1200">
+                                              <a:solidFill>
+                                                <a:schemeClr val="tx1"/>
+                                              </a:solidFill>
+                                              <a:effectLst/>
+                                              <a:latin typeface="+mn-lt"/>
+                                              <a:ea typeface="+mn-ea"/>
+                                              <a:cs typeface="+mn-cs"/>
+                                            </a:rPr>
+                                          </m:ctrlPr>
+                                        </m:sSubPr>
+                                        <m:e>
+                                          <m:r>
+                                            <a:rPr lang="en-US" sz="1200" i="1" kern="1200">
+                                              <a:solidFill>
+                                                <a:schemeClr val="tx1"/>
+                                              </a:solidFill>
+                                              <a:effectLst/>
+                                              <a:latin typeface="+mn-lt"/>
+                                              <a:ea typeface="+mn-ea"/>
+                                              <a:cs typeface="+mn-cs"/>
+                                            </a:rPr>
+                                            <m:t>𝑚</m:t>
+                                          </m:r>
+                                        </m:e>
+                                        <m:sub>
+                                          <m:r>
+                                            <a:rPr lang="en-US" sz="1200" i="1" kern="1200">
+                                              <a:solidFill>
+                                                <a:schemeClr val="tx1"/>
+                                              </a:solidFill>
+                                              <a:effectLst/>
+                                              <a:latin typeface="+mn-lt"/>
+                                              <a:ea typeface="+mn-ea"/>
+                                              <a:cs typeface="+mn-cs"/>
+                                            </a:rPr>
+                                            <m:t>𝑖</m:t>
+                                          </m:r>
+                                        </m:sub>
+                                      </m:sSub>
+                                      <m:r>
+                                        <a:rPr lang="en-US" sz="1200" i="1" kern="1200">
+                                          <a:solidFill>
+                                            <a:schemeClr val="tx1"/>
+                                          </a:solidFill>
+                                          <a:effectLst/>
+                                          <a:latin typeface="+mn-lt"/>
+                                          <a:ea typeface="+mn-ea"/>
+                                          <a:cs typeface="+mn-cs"/>
+                                        </a:rPr>
+                                        <m:t>, </m:t>
+                                      </m:r>
+                                      <m:r>
+                                        <a:rPr lang="en-US" sz="1200" i="1" kern="1200">
+                                          <a:solidFill>
+                                            <a:schemeClr val="tx1"/>
+                                          </a:solidFill>
+                                          <a:effectLst/>
+                                          <a:latin typeface="+mn-lt"/>
+                                          <a:ea typeface="+mn-ea"/>
+                                          <a:cs typeface="+mn-cs"/>
+                                        </a:rPr>
+                                        <m:t>𝜆</m:t>
+                                      </m:r>
+                                    </m:sub>
+                                  </m:sSub>
+                                </m:e>
+                              </m:d>
+                            </m:e>
+                          </m:nary>
+                        </m:e>
+                      </m:d>
+                      <m:r>
+                        <a:rPr lang="ru-RU" sz="1200" i="1" kern="1200">
+                          <a:solidFill>
+                            <a:schemeClr val="tx1"/>
+                          </a:solidFill>
+                          <a:effectLst/>
+                          <a:latin typeface="+mn-lt"/>
+                          <a:ea typeface="+mn-ea"/>
+                          <a:cs typeface="+mn-cs"/>
+                        </a:rPr>
+                        <m:t>+</m:t>
+                      </m:r>
+                      <m:r>
+                        <a:rPr lang="ru-RU" sz="1200" i="1" kern="1200">
+                          <a:solidFill>
+                            <a:schemeClr val="tx1"/>
+                          </a:solidFill>
+                          <a:effectLst/>
+                          <a:latin typeface="+mn-lt"/>
+                          <a:ea typeface="+mn-ea"/>
+                          <a:cs typeface="+mn-cs"/>
+                        </a:rPr>
+                        <m:t>𝐶</m:t>
+                      </m:r>
+                    </m:oMath>
+                  </m:oMathPara>
+                </a14:m>
+                <a:endParaRPr lang="ru-RU" sz="1200" kern="1200" dirty="0">
+                  <a:solidFill>
+                    <a:schemeClr val="tx1"/>
+                  </a:solidFill>
+                  <a:effectLst/>
+                  <a:latin typeface="+mn-lt"/>
+                  <a:ea typeface="+mn-ea"/>
+                  <a:cs typeface="+mn-cs"/>
+                </a:endParaRPr>
+              </a:p>
+              <a:p>
+                <a:r>
+                  <a:rPr lang="ru-RU" sz="1200" kern="1200" dirty="0">
+                    <a:solidFill>
+                      <a:schemeClr val="tx1"/>
+                    </a:solidFill>
+                    <a:effectLst/>
+                    <a:latin typeface="+mn-lt"/>
+                    <a:ea typeface="+mn-ea"/>
+                    <a:cs typeface="+mn-cs"/>
+                  </a:rPr>
+                  <a:t> </a:t>
+                </a:r>
+              </a:p>
+              <a:p>
+                <a14:m>
+                  <m:oMathPara xmlns:m="http://schemas.openxmlformats.org/officeDocument/2006/math">
+                    <m:oMathParaPr>
+                      <m:jc m:val="centerGroup"/>
+                    </m:oMathParaPr>
+                    <m:oMath xmlns:m="http://schemas.openxmlformats.org/officeDocument/2006/math">
+                      <m:f>
+                        <m:fPr>
+                          <m:ctrlPr>
+                            <a:rPr lang="ru-RU" sz="1200" i="1" kern="1200">
+                              <a:solidFill>
+                                <a:schemeClr val="tx1"/>
+                              </a:solidFill>
+                              <a:effectLst/>
+                              <a:latin typeface="+mn-lt"/>
+                              <a:ea typeface="+mn-ea"/>
+                              <a:cs typeface="+mn-cs"/>
+                            </a:rPr>
+                          </m:ctrlPr>
+                        </m:fPr>
+                        <m:num>
+                          <m:r>
+                            <a:rPr lang="ru-RU" sz="1200" i="1" kern="1200">
+                              <a:solidFill>
+                                <a:schemeClr val="tx1"/>
+                              </a:solidFill>
+                              <a:effectLst/>
+                              <a:latin typeface="+mn-lt"/>
+                              <a:ea typeface="+mn-ea"/>
+                              <a:cs typeface="+mn-cs"/>
+                            </a:rPr>
+                            <m:t>𝜕</m:t>
+                          </m:r>
+                          <m:func>
+                            <m:funcPr>
+                              <m:ctrlPr>
+                                <a:rPr lang="ru-RU" sz="1200" i="1" kern="1200">
+                                  <a:solidFill>
+                                    <a:schemeClr val="tx1"/>
+                                  </a:solidFill>
+                                  <a:effectLst/>
+                                  <a:latin typeface="+mn-lt"/>
+                                  <a:ea typeface="+mn-ea"/>
+                                  <a:cs typeface="+mn-cs"/>
+                                </a:rPr>
+                              </m:ctrlPr>
+                            </m:funcPr>
+                            <m:fName>
+                              <m:r>
+                                <m:rPr>
+                                  <m:sty m:val="p"/>
+                                </m:rPr>
+                                <a:rPr lang="ru-RU" sz="1200" kern="1200">
+                                  <a:solidFill>
+                                    <a:schemeClr val="tx1"/>
+                                  </a:solidFill>
+                                  <a:effectLst/>
+                                  <a:latin typeface="+mn-lt"/>
+                                  <a:ea typeface="+mn-ea"/>
+                                  <a:cs typeface="+mn-cs"/>
+                                </a:rPr>
+                                <m:t>ln</m:t>
+                              </m:r>
+                            </m:fName>
+                            <m:e>
+                              <m:r>
+                                <a:rPr lang="ru-RU" sz="1200" i="1" kern="1200">
+                                  <a:solidFill>
+                                    <a:schemeClr val="tx1"/>
+                                  </a:solidFill>
+                                  <a:effectLst/>
+                                  <a:latin typeface="+mn-lt"/>
+                                  <a:ea typeface="+mn-ea"/>
+                                  <a:cs typeface="+mn-cs"/>
+                                </a:rPr>
+                                <m:t>𝐿</m:t>
+                              </m:r>
+                            </m:e>
+                          </m:func>
+                        </m:num>
+                        <m:den>
+                          <m:r>
+                            <a:rPr lang="ru-RU" sz="1200" i="1" kern="1200">
+                              <a:solidFill>
+                                <a:schemeClr val="tx1"/>
+                              </a:solidFill>
+                              <a:effectLst/>
+                              <a:latin typeface="+mn-lt"/>
+                              <a:ea typeface="+mn-ea"/>
+                              <a:cs typeface="+mn-cs"/>
+                            </a:rPr>
+                            <m:t>𝜕𝜆</m:t>
+                          </m:r>
+                        </m:den>
+                      </m:f>
+                      <m:r>
+                        <a:rPr lang="ru-RU" sz="1200" i="1" kern="1200">
+                          <a:solidFill>
+                            <a:schemeClr val="tx1"/>
+                          </a:solidFill>
+                          <a:effectLst/>
+                          <a:latin typeface="+mn-lt"/>
+                          <a:ea typeface="+mn-ea"/>
+                          <a:cs typeface="+mn-cs"/>
+                        </a:rPr>
+                        <m:t>=</m:t>
+                      </m:r>
+                      <m:f>
+                        <m:fPr>
+                          <m:ctrlPr>
+                            <a:rPr lang="ru-RU" sz="1200" i="1" kern="1200">
+                              <a:solidFill>
+                                <a:schemeClr val="tx1"/>
+                              </a:solidFill>
+                              <a:effectLst/>
+                              <a:latin typeface="+mn-lt"/>
+                              <a:ea typeface="+mn-ea"/>
+                              <a:cs typeface="+mn-cs"/>
+                            </a:rPr>
+                          </m:ctrlPr>
+                        </m:fPr>
+                        <m:num>
+                          <m:nary>
+                            <m:naryPr>
+                              <m:chr m:val="∑"/>
+                              <m:supHide m:val="on"/>
+                              <m:ctrlPr>
+                                <a:rPr lang="ru-RU" sz="1200" i="1" kern="1200">
+                                  <a:solidFill>
+                                    <a:schemeClr val="tx1"/>
+                                  </a:solidFill>
+                                  <a:effectLst/>
+                                  <a:latin typeface="+mn-lt"/>
+                                  <a:ea typeface="+mn-ea"/>
+                                  <a:cs typeface="+mn-cs"/>
+                                </a:rPr>
+                              </m:ctrlPr>
+                            </m:naryPr>
+                            <m:sub>
+                              <m:r>
+                                <a:rPr lang="ru-RU" sz="1200" i="1" kern="1200">
+                                  <a:solidFill>
+                                    <a:schemeClr val="tx1"/>
+                                  </a:solidFill>
+                                  <a:effectLst/>
+                                  <a:latin typeface="+mn-lt"/>
+                                  <a:ea typeface="+mn-ea"/>
+                                  <a:cs typeface="+mn-cs"/>
+                                </a:rPr>
+                                <m:t>𝑖</m:t>
+                              </m:r>
+                              <m:r>
+                                <a:rPr lang="ru-RU" sz="1200" i="1" kern="1200">
+                                  <a:solidFill>
+                                    <a:schemeClr val="tx1"/>
+                                  </a:solidFill>
+                                  <a:effectLst/>
+                                  <a:latin typeface="+mn-lt"/>
+                                  <a:ea typeface="+mn-ea"/>
+                                  <a:cs typeface="+mn-cs"/>
+                                </a:rPr>
+                                <m:t>:</m:t>
+                              </m:r>
+                              <m:sSub>
+                                <m:sSubPr>
+                                  <m:ctrlPr>
+                                    <a:rPr lang="ru-RU" sz="1200" i="1" kern="1200">
+                                      <a:solidFill>
+                                        <a:schemeClr val="tx1"/>
+                                      </a:solidFill>
+                                      <a:effectLst/>
+                                      <a:latin typeface="+mn-lt"/>
+                                      <a:ea typeface="+mn-ea"/>
+                                      <a:cs typeface="+mn-cs"/>
+                                    </a:rPr>
+                                  </m:ctrlPr>
+                                </m:sSubPr>
+                                <m:e>
+                                  <m:r>
+                                    <a:rPr lang="ru-RU" sz="1200" i="1" kern="1200">
+                                      <a:solidFill>
+                                        <a:schemeClr val="tx1"/>
+                                      </a:solidFill>
+                                      <a:effectLst/>
+                                      <a:latin typeface="+mn-lt"/>
+                                      <a:ea typeface="+mn-ea"/>
+                                      <a:cs typeface="+mn-cs"/>
+                                    </a:rPr>
+                                    <m:t>0≤</m:t>
+                                  </m:r>
+                                  <m:r>
+                                    <a:rPr lang="ru-RU" sz="1200" i="1" kern="1200">
+                                      <a:solidFill>
+                                        <a:schemeClr val="tx1"/>
+                                      </a:solidFill>
+                                      <a:effectLst/>
+                                      <a:latin typeface="+mn-lt"/>
+                                      <a:ea typeface="+mn-ea"/>
+                                      <a:cs typeface="+mn-cs"/>
+                                    </a:rPr>
+                                    <m:t>𝑘</m:t>
+                                  </m:r>
+                                </m:e>
+                                <m:sub>
+                                  <m:r>
+                                    <a:rPr lang="ru-RU" sz="1200" i="1" kern="1200">
+                                      <a:solidFill>
+                                        <a:schemeClr val="tx1"/>
+                                      </a:solidFill>
+                                      <a:effectLst/>
+                                      <a:latin typeface="+mn-lt"/>
+                                      <a:ea typeface="+mn-ea"/>
+                                      <a:cs typeface="+mn-cs"/>
+                                    </a:rPr>
+                                    <m:t>𝑖</m:t>
+                                  </m:r>
+                                </m:sub>
+                              </m:sSub>
+                              <m:r>
+                                <a:rPr lang="ru-RU" sz="1200" i="1" kern="1200">
+                                  <a:solidFill>
+                                    <a:schemeClr val="tx1"/>
+                                  </a:solidFill>
+                                  <a:effectLst/>
+                                  <a:latin typeface="+mn-lt"/>
+                                  <a:ea typeface="+mn-ea"/>
+                                  <a:cs typeface="+mn-cs"/>
+                                </a:rPr>
+                                <m:t>≤</m:t>
+                              </m:r>
+                              <m:sSub>
+                                <m:sSubPr>
+                                  <m:ctrlPr>
+                                    <a:rPr lang="ru-RU" sz="1200" i="1" kern="1200">
+                                      <a:solidFill>
+                                        <a:schemeClr val="tx1"/>
+                                      </a:solidFill>
+                                      <a:effectLst/>
+                                      <a:latin typeface="+mn-lt"/>
+                                      <a:ea typeface="+mn-ea"/>
+                                      <a:cs typeface="+mn-cs"/>
+                                    </a:rPr>
+                                  </m:ctrlPr>
+                                </m:sSubPr>
+                                <m:e>
+                                  <m:r>
+                                    <a:rPr lang="ru-RU" sz="1200" i="1" kern="1200">
+                                      <a:solidFill>
+                                        <a:schemeClr val="tx1"/>
+                                      </a:solidFill>
+                                      <a:effectLst/>
+                                      <a:latin typeface="+mn-lt"/>
+                                      <a:ea typeface="+mn-ea"/>
+                                      <a:cs typeface="+mn-cs"/>
+                                    </a:rPr>
+                                    <m:t>𝑚</m:t>
+                                  </m:r>
+                                </m:e>
+                                <m:sub>
+                                  <m:r>
+                                    <a:rPr lang="ru-RU" sz="1200" i="1" kern="1200">
+                                      <a:solidFill>
+                                        <a:schemeClr val="tx1"/>
+                                      </a:solidFill>
+                                      <a:effectLst/>
+                                      <a:latin typeface="+mn-lt"/>
+                                      <a:ea typeface="+mn-ea"/>
+                                      <a:cs typeface="+mn-cs"/>
+                                    </a:rPr>
+                                    <m:t>𝑖</m:t>
+                                  </m:r>
+                                </m:sub>
+                              </m:sSub>
+                            </m:sub>
+                            <m:sup/>
+                            <m:e>
+                              <m:sSub>
+                                <m:sSubPr>
+                                  <m:ctrlPr>
+                                    <a:rPr lang="ru-RU" sz="1200" i="1" kern="1200">
+                                      <a:solidFill>
+                                        <a:schemeClr val="tx1"/>
+                                      </a:solidFill>
+                                      <a:effectLst/>
+                                      <a:latin typeface="+mn-lt"/>
+                                      <a:ea typeface="+mn-ea"/>
+                                      <a:cs typeface="+mn-cs"/>
+                                    </a:rPr>
+                                  </m:ctrlPr>
+                                </m:sSubPr>
+                                <m:e>
+                                  <m:r>
+                                    <a:rPr lang="ru-RU" sz="1200" i="1" kern="1200">
+                                      <a:solidFill>
+                                        <a:schemeClr val="tx1"/>
+                                      </a:solidFill>
+                                      <a:effectLst/>
+                                      <a:latin typeface="+mn-lt"/>
+                                      <a:ea typeface="+mn-ea"/>
+                                      <a:cs typeface="+mn-cs"/>
+                                    </a:rPr>
+                                    <m:t>𝑘</m:t>
+                                  </m:r>
+                                </m:e>
+                                <m:sub>
+                                  <m:r>
+                                    <a:rPr lang="ru-RU" sz="1200" i="1" kern="1200">
+                                      <a:solidFill>
+                                        <a:schemeClr val="tx1"/>
+                                      </a:solidFill>
+                                      <a:effectLst/>
+                                      <a:latin typeface="+mn-lt"/>
+                                      <a:ea typeface="+mn-ea"/>
+                                      <a:cs typeface="+mn-cs"/>
+                                    </a:rPr>
+                                    <m:t>𝑖</m:t>
+                                  </m:r>
+                                </m:sub>
+                              </m:sSub>
+                            </m:e>
+                          </m:nary>
+                        </m:num>
+                        <m:den>
+                          <m:r>
+                            <a:rPr lang="en-US" sz="1200" i="1" kern="1200">
+                              <a:solidFill>
+                                <a:schemeClr val="tx1"/>
+                              </a:solidFill>
+                              <a:effectLst/>
+                              <a:latin typeface="+mn-lt"/>
+                              <a:ea typeface="+mn-ea"/>
+                              <a:cs typeface="+mn-cs"/>
+                            </a:rPr>
+                            <m:t>𝜆</m:t>
+                          </m:r>
+                        </m:den>
+                      </m:f>
+                      <m:r>
+                        <a:rPr lang="en-US" sz="1200" i="1" kern="1200">
+                          <a:solidFill>
+                            <a:schemeClr val="tx1"/>
+                          </a:solidFill>
+                          <a:effectLst/>
+                          <a:latin typeface="+mn-lt"/>
+                          <a:ea typeface="+mn-ea"/>
+                          <a:cs typeface="+mn-cs"/>
+                        </a:rPr>
+                        <m:t>−</m:t>
+                      </m:r>
+                      <m:d>
+                        <m:dPr>
+                          <m:ctrlPr>
+                            <a:rPr lang="ru-RU" sz="1200" i="1" kern="1200">
+                              <a:solidFill>
+                                <a:schemeClr val="tx1"/>
+                              </a:solidFill>
+                              <a:effectLst/>
+                              <a:latin typeface="+mn-lt"/>
+                              <a:ea typeface="+mn-ea"/>
+                              <a:cs typeface="+mn-cs"/>
+                            </a:rPr>
+                          </m:ctrlPr>
+                        </m:dPr>
+                        <m:e>
+                          <m:sSub>
+                            <m:sSubPr>
+                              <m:ctrlPr>
+                                <a:rPr lang="ru-RU" sz="1200" i="1" kern="1200">
+                                  <a:solidFill>
+                                    <a:schemeClr val="tx1"/>
+                                  </a:solidFill>
+                                  <a:effectLst/>
+                                  <a:latin typeface="+mn-lt"/>
+                                  <a:ea typeface="+mn-ea"/>
+                                  <a:cs typeface="+mn-cs"/>
+                                </a:rPr>
+                              </m:ctrlPr>
+                            </m:sSubPr>
+                            <m:e>
+                              <m:r>
+                                <a:rPr lang="ru-RU" sz="1200" i="1" kern="1200">
+                                  <a:solidFill>
+                                    <a:schemeClr val="tx1"/>
+                                  </a:solidFill>
+                                  <a:effectLst/>
+                                  <a:latin typeface="+mn-lt"/>
+                                  <a:ea typeface="+mn-ea"/>
+                                  <a:cs typeface="+mn-cs"/>
+                                </a:rPr>
+                                <m:t>𝑛</m:t>
+                              </m:r>
+                            </m:e>
+                            <m:sub>
+                              <m:sSub>
+                                <m:sSubPr>
+                                  <m:ctrlPr>
+                                    <a:rPr lang="ru-RU" sz="1200" i="1" kern="1200">
+                                      <a:solidFill>
+                                        <a:schemeClr val="tx1"/>
+                                      </a:solidFill>
+                                      <a:effectLst/>
+                                      <a:latin typeface="+mn-lt"/>
+                                      <a:ea typeface="+mn-ea"/>
+                                      <a:cs typeface="+mn-cs"/>
+                                    </a:rPr>
+                                  </m:ctrlPr>
+                                </m:sSubPr>
+                                <m:e>
+                                  <m:r>
+                                    <a:rPr lang="ru-RU" sz="1200" i="1" kern="1200">
+                                      <a:solidFill>
+                                        <a:schemeClr val="tx1"/>
+                                      </a:solidFill>
+                                      <a:effectLst/>
+                                      <a:latin typeface="+mn-lt"/>
+                                      <a:ea typeface="+mn-ea"/>
+                                      <a:cs typeface="+mn-cs"/>
+                                    </a:rPr>
+                                    <m:t>0≤</m:t>
+                                  </m:r>
+                                  <m:r>
+                                    <a:rPr lang="ru-RU" sz="1200" i="1" kern="1200">
+                                      <a:solidFill>
+                                        <a:schemeClr val="tx1"/>
+                                      </a:solidFill>
+                                      <a:effectLst/>
+                                      <a:latin typeface="+mn-lt"/>
+                                      <a:ea typeface="+mn-ea"/>
+                                      <a:cs typeface="+mn-cs"/>
+                                    </a:rPr>
+                                    <m:t>𝑘</m:t>
+                                  </m:r>
+                                </m:e>
+                                <m:sub>
+                                  <m:r>
+                                    <a:rPr lang="ru-RU" sz="1200" i="1" kern="1200">
+                                      <a:solidFill>
+                                        <a:schemeClr val="tx1"/>
+                                      </a:solidFill>
+                                      <a:effectLst/>
+                                      <a:latin typeface="+mn-lt"/>
+                                      <a:ea typeface="+mn-ea"/>
+                                      <a:cs typeface="+mn-cs"/>
+                                    </a:rPr>
+                                    <m:t>𝑖</m:t>
+                                  </m:r>
+                                </m:sub>
+                              </m:sSub>
+                              <m:r>
+                                <a:rPr lang="ru-RU" sz="1200" i="1" kern="1200">
+                                  <a:solidFill>
+                                    <a:schemeClr val="tx1"/>
+                                  </a:solidFill>
+                                  <a:effectLst/>
+                                  <a:latin typeface="+mn-lt"/>
+                                  <a:ea typeface="+mn-ea"/>
+                                  <a:cs typeface="+mn-cs"/>
+                                </a:rPr>
+                                <m:t>&lt;</m:t>
+                              </m:r>
+                              <m:sSub>
+                                <m:sSubPr>
+                                  <m:ctrlPr>
+                                    <a:rPr lang="ru-RU" sz="1200" i="1" kern="1200">
+                                      <a:solidFill>
+                                        <a:schemeClr val="tx1"/>
+                                      </a:solidFill>
+                                      <a:effectLst/>
+                                      <a:latin typeface="+mn-lt"/>
+                                      <a:ea typeface="+mn-ea"/>
+                                      <a:cs typeface="+mn-cs"/>
+                                    </a:rPr>
+                                  </m:ctrlPr>
+                                </m:sSubPr>
+                                <m:e>
+                                  <m:r>
+                                    <a:rPr lang="ru-RU" sz="1200" i="1" kern="1200">
+                                      <a:solidFill>
+                                        <a:schemeClr val="tx1"/>
+                                      </a:solidFill>
+                                      <a:effectLst/>
+                                      <a:latin typeface="+mn-lt"/>
+                                      <a:ea typeface="+mn-ea"/>
+                                      <a:cs typeface="+mn-cs"/>
+                                    </a:rPr>
+                                    <m:t>𝑚</m:t>
+                                  </m:r>
+                                </m:e>
+                                <m:sub>
+                                  <m:r>
+                                    <a:rPr lang="ru-RU" sz="1200" i="1" kern="1200">
+                                      <a:solidFill>
+                                        <a:schemeClr val="tx1"/>
+                                      </a:solidFill>
+                                      <a:effectLst/>
+                                      <a:latin typeface="+mn-lt"/>
+                                      <a:ea typeface="+mn-ea"/>
+                                      <a:cs typeface="+mn-cs"/>
+                                    </a:rPr>
+                                    <m:t>𝑖</m:t>
+                                  </m:r>
+                                </m:sub>
+                              </m:sSub>
+                            </m:sub>
+                          </m:sSub>
+                          <m:r>
+                            <a:rPr lang="ru-RU" sz="1200" i="1" kern="1200">
+                              <a:solidFill>
+                                <a:schemeClr val="tx1"/>
+                              </a:solidFill>
+                              <a:effectLst/>
+                              <a:latin typeface="+mn-lt"/>
+                              <a:ea typeface="+mn-ea"/>
+                              <a:cs typeface="+mn-cs"/>
+                            </a:rPr>
+                            <m:t>+</m:t>
+                          </m:r>
+                          <m:nary>
+                            <m:naryPr>
+                              <m:chr m:val="∑"/>
+                              <m:supHide m:val="on"/>
+                              <m:ctrlPr>
+                                <a:rPr lang="ru-RU" sz="1200" i="1" kern="1200">
+                                  <a:solidFill>
+                                    <a:schemeClr val="tx1"/>
+                                  </a:solidFill>
+                                  <a:effectLst/>
+                                  <a:latin typeface="+mn-lt"/>
+                                  <a:ea typeface="+mn-ea"/>
+                                  <a:cs typeface="+mn-cs"/>
+                                </a:rPr>
+                              </m:ctrlPr>
+                            </m:naryPr>
+                            <m:sub>
+                              <m:r>
+                                <a:rPr lang="ru-RU" sz="1200" i="1" kern="1200">
+                                  <a:solidFill>
+                                    <a:schemeClr val="tx1"/>
+                                  </a:solidFill>
+                                  <a:effectLst/>
+                                  <a:latin typeface="+mn-lt"/>
+                                  <a:ea typeface="+mn-ea"/>
+                                  <a:cs typeface="+mn-cs"/>
+                                </a:rPr>
+                                <m:t>𝑖</m:t>
+                              </m:r>
+                              <m:r>
+                                <a:rPr lang="ru-RU" sz="1200" i="1" kern="1200">
+                                  <a:solidFill>
+                                    <a:schemeClr val="tx1"/>
+                                  </a:solidFill>
+                                  <a:effectLst/>
+                                  <a:latin typeface="+mn-lt"/>
+                                  <a:ea typeface="+mn-ea"/>
+                                  <a:cs typeface="+mn-cs"/>
+                                </a:rPr>
+                                <m:t>:</m:t>
+                              </m:r>
+                              <m:sSub>
+                                <m:sSubPr>
+                                  <m:ctrlPr>
+                                    <a:rPr lang="ru-RU" sz="1200" i="1" kern="1200">
+                                      <a:solidFill>
+                                        <a:schemeClr val="tx1"/>
+                                      </a:solidFill>
+                                      <a:effectLst/>
+                                      <a:latin typeface="+mn-lt"/>
+                                      <a:ea typeface="+mn-ea"/>
+                                      <a:cs typeface="+mn-cs"/>
+                                    </a:rPr>
+                                  </m:ctrlPr>
+                                </m:sSubPr>
+                                <m:e>
+                                  <m:r>
+                                    <a:rPr lang="ru-RU" sz="1200" i="1" kern="1200">
+                                      <a:solidFill>
+                                        <a:schemeClr val="tx1"/>
+                                      </a:solidFill>
+                                      <a:effectLst/>
+                                      <a:latin typeface="+mn-lt"/>
+                                      <a:ea typeface="+mn-ea"/>
+                                      <a:cs typeface="+mn-cs"/>
+                                    </a:rPr>
+                                    <m:t>𝑘</m:t>
+                                  </m:r>
+                                </m:e>
+                                <m:sub>
+                                  <m:r>
+                                    <a:rPr lang="ru-RU" sz="1200" i="1" kern="1200">
+                                      <a:solidFill>
+                                        <a:schemeClr val="tx1"/>
+                                      </a:solidFill>
+                                      <a:effectLst/>
+                                      <a:latin typeface="+mn-lt"/>
+                                      <a:ea typeface="+mn-ea"/>
+                                      <a:cs typeface="+mn-cs"/>
+                                    </a:rPr>
+                                    <m:t>𝑖</m:t>
+                                  </m:r>
+                                </m:sub>
+                              </m:sSub>
+                              <m:r>
+                                <a:rPr lang="ru-RU" sz="1200" i="1" kern="1200">
+                                  <a:solidFill>
+                                    <a:schemeClr val="tx1"/>
+                                  </a:solidFill>
+                                  <a:effectLst/>
+                                  <a:latin typeface="+mn-lt"/>
+                                  <a:ea typeface="+mn-ea"/>
+                                  <a:cs typeface="+mn-cs"/>
+                                </a:rPr>
+                                <m:t>= </m:t>
+                              </m:r>
+                              <m:sSub>
+                                <m:sSubPr>
+                                  <m:ctrlPr>
+                                    <a:rPr lang="ru-RU" sz="1200" i="1" kern="1200">
+                                      <a:solidFill>
+                                        <a:schemeClr val="tx1"/>
+                                      </a:solidFill>
+                                      <a:effectLst/>
+                                      <a:latin typeface="+mn-lt"/>
+                                      <a:ea typeface="+mn-ea"/>
+                                      <a:cs typeface="+mn-cs"/>
+                                    </a:rPr>
+                                  </m:ctrlPr>
+                                </m:sSubPr>
+                                <m:e>
+                                  <m:r>
+                                    <a:rPr lang="ru-RU" sz="1200" i="1" kern="1200">
+                                      <a:solidFill>
+                                        <a:schemeClr val="tx1"/>
+                                      </a:solidFill>
+                                      <a:effectLst/>
+                                      <a:latin typeface="+mn-lt"/>
+                                      <a:ea typeface="+mn-ea"/>
+                                      <a:cs typeface="+mn-cs"/>
+                                    </a:rPr>
+                                    <m:t>𝑚</m:t>
+                                  </m:r>
+                                </m:e>
+                                <m:sub>
+                                  <m:r>
+                                    <a:rPr lang="ru-RU" sz="1200" i="1" kern="1200">
+                                      <a:solidFill>
+                                        <a:schemeClr val="tx1"/>
+                                      </a:solidFill>
+                                      <a:effectLst/>
+                                      <a:latin typeface="+mn-lt"/>
+                                      <a:ea typeface="+mn-ea"/>
+                                      <a:cs typeface="+mn-cs"/>
+                                    </a:rPr>
+                                    <m:t>𝑖</m:t>
+                                  </m:r>
+                                </m:sub>
+                              </m:sSub>
+                              <m:r>
+                                <a:rPr lang="ru-RU" sz="1200" i="1" kern="1200">
+                                  <a:solidFill>
+                                    <a:schemeClr val="tx1"/>
+                                  </a:solidFill>
+                                  <a:effectLst/>
+                                  <a:latin typeface="+mn-lt"/>
+                                  <a:ea typeface="+mn-ea"/>
+                                  <a:cs typeface="+mn-cs"/>
+                                </a:rPr>
+                                <m:t>&gt;0</m:t>
+                              </m:r>
+                            </m:sub>
+                            <m:sup/>
+                            <m:e>
+                              <m:d>
+                                <m:dPr>
+                                  <m:ctrlPr>
+                                    <a:rPr lang="ru-RU" sz="1200" i="1" kern="1200">
+                                      <a:solidFill>
+                                        <a:schemeClr val="tx1"/>
+                                      </a:solidFill>
+                                      <a:effectLst/>
+                                      <a:latin typeface="+mn-lt"/>
+                                      <a:ea typeface="+mn-ea"/>
+                                      <a:cs typeface="+mn-cs"/>
+                                    </a:rPr>
+                                  </m:ctrlPr>
+                                </m:dPr>
+                                <m:e>
+                                  <m:r>
+                                    <a:rPr lang="ru-RU" sz="1200" i="1" kern="1200">
+                                      <a:solidFill>
+                                        <a:schemeClr val="tx1"/>
+                                      </a:solidFill>
+                                      <a:effectLst/>
+                                      <a:latin typeface="+mn-lt"/>
+                                      <a:ea typeface="+mn-ea"/>
+                                      <a:cs typeface="+mn-cs"/>
+                                    </a:rPr>
+                                    <m:t>1−</m:t>
+                                  </m:r>
+                                  <m:sSub>
+                                    <m:sSubPr>
+                                      <m:ctrlPr>
+                                        <a:rPr lang="ru-RU" sz="1200" i="1" kern="1200">
+                                          <a:solidFill>
+                                            <a:schemeClr val="tx1"/>
+                                          </a:solidFill>
+                                          <a:effectLst/>
+                                          <a:latin typeface="+mn-lt"/>
+                                          <a:ea typeface="+mn-ea"/>
+                                          <a:cs typeface="+mn-cs"/>
+                                        </a:rPr>
+                                      </m:ctrlPr>
+                                    </m:sSubPr>
+                                    <m:e>
+                                      <m:r>
+                                        <a:rPr lang="ru-RU" sz="1200" i="1" kern="1200">
+                                          <a:solidFill>
+                                            <a:schemeClr val="tx1"/>
+                                          </a:solidFill>
+                                          <a:effectLst/>
+                                          <a:latin typeface="+mn-lt"/>
+                                          <a:ea typeface="+mn-ea"/>
+                                          <a:cs typeface="+mn-cs"/>
+                                        </a:rPr>
+                                        <m:t>𝜃</m:t>
+                                      </m:r>
+                                    </m:e>
+                                    <m:sub>
+                                      <m:sSub>
+                                        <m:sSubPr>
+                                          <m:ctrlPr>
+                                            <a:rPr lang="ru-RU" sz="1200" i="1" kern="1200">
+                                              <a:solidFill>
+                                                <a:schemeClr val="tx1"/>
+                                              </a:solidFill>
+                                              <a:effectLst/>
+                                              <a:latin typeface="+mn-lt"/>
+                                              <a:ea typeface="+mn-ea"/>
+                                              <a:cs typeface="+mn-cs"/>
+                                            </a:rPr>
+                                          </m:ctrlPr>
+                                        </m:sSubPr>
+                                        <m:e>
+                                          <m:r>
+                                            <a:rPr lang="en-US" sz="1200" i="1" kern="1200">
+                                              <a:solidFill>
+                                                <a:schemeClr val="tx1"/>
+                                              </a:solidFill>
+                                              <a:effectLst/>
+                                              <a:latin typeface="+mn-lt"/>
+                                              <a:ea typeface="+mn-ea"/>
+                                              <a:cs typeface="+mn-cs"/>
+                                            </a:rPr>
+                                            <m:t>𝑚</m:t>
+                                          </m:r>
+                                        </m:e>
+                                        <m:sub>
+                                          <m:r>
+                                            <a:rPr lang="en-US" sz="1200" i="1" kern="1200">
+                                              <a:solidFill>
+                                                <a:schemeClr val="tx1"/>
+                                              </a:solidFill>
+                                              <a:effectLst/>
+                                              <a:latin typeface="+mn-lt"/>
+                                              <a:ea typeface="+mn-ea"/>
+                                              <a:cs typeface="+mn-cs"/>
+                                            </a:rPr>
+                                            <m:t>𝑖</m:t>
+                                          </m:r>
+                                        </m:sub>
+                                      </m:sSub>
+                                      <m:r>
+                                        <a:rPr lang="en-US" sz="1200" i="1" kern="1200">
+                                          <a:solidFill>
+                                            <a:schemeClr val="tx1"/>
+                                          </a:solidFill>
+                                          <a:effectLst/>
+                                          <a:latin typeface="+mn-lt"/>
+                                          <a:ea typeface="+mn-ea"/>
+                                          <a:cs typeface="+mn-cs"/>
+                                        </a:rPr>
+                                        <m:t>, </m:t>
+                                      </m:r>
+                                      <m:r>
+                                        <a:rPr lang="en-US" sz="1200" i="1" kern="1200">
+                                          <a:solidFill>
+                                            <a:schemeClr val="tx1"/>
+                                          </a:solidFill>
+                                          <a:effectLst/>
+                                          <a:latin typeface="+mn-lt"/>
+                                          <a:ea typeface="+mn-ea"/>
+                                          <a:cs typeface="+mn-cs"/>
+                                        </a:rPr>
+                                        <m:t>𝜆</m:t>
+                                      </m:r>
+                                    </m:sub>
+                                  </m:sSub>
+                                </m:e>
+                              </m:d>
+                            </m:e>
+                          </m:nary>
+                        </m:e>
+                      </m:d>
+                      <m:r>
+                        <a:rPr lang="ru-RU" sz="1200" i="1" kern="1200">
+                          <a:solidFill>
+                            <a:schemeClr val="tx1"/>
+                          </a:solidFill>
+                          <a:effectLst/>
+                          <a:latin typeface="+mn-lt"/>
+                          <a:ea typeface="+mn-ea"/>
+                          <a:cs typeface="+mn-cs"/>
+                        </a:rPr>
+                        <m:t>=0</m:t>
+                      </m:r>
+                    </m:oMath>
+                  </m:oMathPara>
+                </a14:m>
+                <a:endParaRPr lang="ru-RU" sz="1200" kern="1200" dirty="0">
+                  <a:solidFill>
+                    <a:schemeClr val="tx1"/>
+                  </a:solidFill>
+                  <a:effectLst/>
+                  <a:latin typeface="+mn-lt"/>
+                  <a:ea typeface="+mn-ea"/>
+                  <a:cs typeface="+mn-cs"/>
+                </a:endParaRPr>
+              </a:p>
+              <a:p>
+                <a:r>
+                  <a:rPr lang="ru-RU" sz="1200" kern="1200" dirty="0">
+                    <a:solidFill>
+                      <a:schemeClr val="tx1"/>
+                    </a:solidFill>
+                    <a:effectLst/>
+                    <a:latin typeface="+mn-lt"/>
+                    <a:ea typeface="+mn-ea"/>
+                    <a:cs typeface="+mn-cs"/>
+                  </a:rPr>
+                  <a:t> </a:t>
+                </a:r>
+              </a:p>
+              <a:p>
+                <a14:m>
+                  <m:oMathPara xmlns:m="http://schemas.openxmlformats.org/officeDocument/2006/math">
+                    <m:oMathParaPr>
+                      <m:jc m:val="centerGroup"/>
+                    </m:oMathParaPr>
+                    <m:oMath xmlns:m="http://schemas.openxmlformats.org/officeDocument/2006/math">
+                      <m:r>
+                        <a:rPr lang="ru-RU" sz="1200" i="1" kern="1200">
+                          <a:solidFill>
+                            <a:schemeClr val="tx1"/>
+                          </a:solidFill>
+                          <a:effectLst/>
+                          <a:latin typeface="+mn-lt"/>
+                          <a:ea typeface="+mn-ea"/>
+                          <a:cs typeface="+mn-cs"/>
+                        </a:rPr>
+                        <m:t>𝜆</m:t>
+                      </m:r>
+                      <m:r>
+                        <a:rPr lang="en-US" sz="1200" i="1" kern="1200">
+                          <a:solidFill>
+                            <a:schemeClr val="tx1"/>
+                          </a:solidFill>
+                          <a:effectLst/>
+                          <a:latin typeface="+mn-lt"/>
+                          <a:ea typeface="+mn-ea"/>
+                          <a:cs typeface="+mn-cs"/>
+                        </a:rPr>
+                        <m:t>=</m:t>
+                      </m:r>
+                      <m:f>
+                        <m:fPr>
+                          <m:ctrlPr>
+                            <a:rPr lang="ru-RU" sz="1200" i="1" kern="1200">
+                              <a:solidFill>
+                                <a:schemeClr val="tx1"/>
+                              </a:solidFill>
+                              <a:effectLst/>
+                              <a:latin typeface="+mn-lt"/>
+                              <a:ea typeface="+mn-ea"/>
+                              <a:cs typeface="+mn-cs"/>
+                            </a:rPr>
+                          </m:ctrlPr>
+                        </m:fPr>
+                        <m:num>
+                          <m:nary>
+                            <m:naryPr>
+                              <m:chr m:val="∑"/>
+                              <m:supHide m:val="on"/>
+                              <m:ctrlPr>
+                                <a:rPr lang="ru-RU" sz="1200" i="1" kern="1200">
+                                  <a:solidFill>
+                                    <a:schemeClr val="tx1"/>
+                                  </a:solidFill>
+                                  <a:effectLst/>
+                                  <a:latin typeface="+mn-lt"/>
+                                  <a:ea typeface="+mn-ea"/>
+                                  <a:cs typeface="+mn-cs"/>
+                                </a:rPr>
+                              </m:ctrlPr>
+                            </m:naryPr>
+                            <m:sub>
+                              <m:r>
+                                <a:rPr lang="ru-RU" sz="1200" i="1" kern="1200">
+                                  <a:solidFill>
+                                    <a:schemeClr val="tx1"/>
+                                  </a:solidFill>
+                                  <a:effectLst/>
+                                  <a:latin typeface="+mn-lt"/>
+                                  <a:ea typeface="+mn-ea"/>
+                                  <a:cs typeface="+mn-cs"/>
+                                </a:rPr>
+                                <m:t>𝑖</m:t>
+                              </m:r>
+                              <m:r>
+                                <a:rPr lang="ru-RU" sz="1200" i="1" kern="1200">
+                                  <a:solidFill>
+                                    <a:schemeClr val="tx1"/>
+                                  </a:solidFill>
+                                  <a:effectLst/>
+                                  <a:latin typeface="+mn-lt"/>
+                                  <a:ea typeface="+mn-ea"/>
+                                  <a:cs typeface="+mn-cs"/>
+                                </a:rPr>
+                                <m:t>:</m:t>
+                              </m:r>
+                              <m:sSub>
+                                <m:sSubPr>
+                                  <m:ctrlPr>
+                                    <a:rPr lang="ru-RU" sz="1200" i="1" kern="1200">
+                                      <a:solidFill>
+                                        <a:schemeClr val="tx1"/>
+                                      </a:solidFill>
+                                      <a:effectLst/>
+                                      <a:latin typeface="+mn-lt"/>
+                                      <a:ea typeface="+mn-ea"/>
+                                      <a:cs typeface="+mn-cs"/>
+                                    </a:rPr>
+                                  </m:ctrlPr>
+                                </m:sSubPr>
+                                <m:e>
+                                  <m:r>
+                                    <a:rPr lang="ru-RU" sz="1200" i="1" kern="1200">
+                                      <a:solidFill>
+                                        <a:schemeClr val="tx1"/>
+                                      </a:solidFill>
+                                      <a:effectLst/>
+                                      <a:latin typeface="+mn-lt"/>
+                                      <a:ea typeface="+mn-ea"/>
+                                      <a:cs typeface="+mn-cs"/>
+                                    </a:rPr>
+                                    <m:t>0≤</m:t>
+                                  </m:r>
+                                  <m:r>
+                                    <a:rPr lang="ru-RU" sz="1200" i="1" kern="1200">
+                                      <a:solidFill>
+                                        <a:schemeClr val="tx1"/>
+                                      </a:solidFill>
+                                      <a:effectLst/>
+                                      <a:latin typeface="+mn-lt"/>
+                                      <a:ea typeface="+mn-ea"/>
+                                      <a:cs typeface="+mn-cs"/>
+                                    </a:rPr>
+                                    <m:t>𝑘</m:t>
+                                  </m:r>
+                                </m:e>
+                                <m:sub>
+                                  <m:r>
+                                    <a:rPr lang="ru-RU" sz="1200" i="1" kern="1200">
+                                      <a:solidFill>
+                                        <a:schemeClr val="tx1"/>
+                                      </a:solidFill>
+                                      <a:effectLst/>
+                                      <a:latin typeface="+mn-lt"/>
+                                      <a:ea typeface="+mn-ea"/>
+                                      <a:cs typeface="+mn-cs"/>
+                                    </a:rPr>
+                                    <m:t>𝑖</m:t>
+                                  </m:r>
+                                </m:sub>
+                              </m:sSub>
+                              <m:r>
+                                <a:rPr lang="ru-RU" sz="1200" i="1" kern="1200">
+                                  <a:solidFill>
+                                    <a:schemeClr val="tx1"/>
+                                  </a:solidFill>
+                                  <a:effectLst/>
+                                  <a:latin typeface="+mn-lt"/>
+                                  <a:ea typeface="+mn-ea"/>
+                                  <a:cs typeface="+mn-cs"/>
+                                </a:rPr>
+                                <m:t>≤</m:t>
+                              </m:r>
+                              <m:sSub>
+                                <m:sSubPr>
+                                  <m:ctrlPr>
+                                    <a:rPr lang="ru-RU" sz="1200" i="1" kern="1200">
+                                      <a:solidFill>
+                                        <a:schemeClr val="tx1"/>
+                                      </a:solidFill>
+                                      <a:effectLst/>
+                                      <a:latin typeface="+mn-lt"/>
+                                      <a:ea typeface="+mn-ea"/>
+                                      <a:cs typeface="+mn-cs"/>
+                                    </a:rPr>
+                                  </m:ctrlPr>
+                                </m:sSubPr>
+                                <m:e>
+                                  <m:r>
+                                    <a:rPr lang="ru-RU" sz="1200" i="1" kern="1200">
+                                      <a:solidFill>
+                                        <a:schemeClr val="tx1"/>
+                                      </a:solidFill>
+                                      <a:effectLst/>
+                                      <a:latin typeface="+mn-lt"/>
+                                      <a:ea typeface="+mn-ea"/>
+                                      <a:cs typeface="+mn-cs"/>
+                                    </a:rPr>
+                                    <m:t>𝑚</m:t>
+                                  </m:r>
+                                </m:e>
+                                <m:sub>
+                                  <m:r>
+                                    <a:rPr lang="ru-RU" sz="1200" i="1" kern="1200">
+                                      <a:solidFill>
+                                        <a:schemeClr val="tx1"/>
+                                      </a:solidFill>
+                                      <a:effectLst/>
+                                      <a:latin typeface="+mn-lt"/>
+                                      <a:ea typeface="+mn-ea"/>
+                                      <a:cs typeface="+mn-cs"/>
+                                    </a:rPr>
+                                    <m:t>𝑖</m:t>
+                                  </m:r>
+                                </m:sub>
+                              </m:sSub>
+                            </m:sub>
+                            <m:sup/>
+                            <m:e>
+                              <m:sSub>
+                                <m:sSubPr>
+                                  <m:ctrlPr>
+                                    <a:rPr lang="ru-RU" sz="1200" i="1" kern="1200">
+                                      <a:solidFill>
+                                        <a:schemeClr val="tx1"/>
+                                      </a:solidFill>
+                                      <a:effectLst/>
+                                      <a:latin typeface="+mn-lt"/>
+                                      <a:ea typeface="+mn-ea"/>
+                                      <a:cs typeface="+mn-cs"/>
+                                    </a:rPr>
+                                  </m:ctrlPr>
+                                </m:sSubPr>
+                                <m:e>
+                                  <m:r>
+                                    <a:rPr lang="ru-RU" sz="1200" i="1" kern="1200">
+                                      <a:solidFill>
+                                        <a:schemeClr val="tx1"/>
+                                      </a:solidFill>
+                                      <a:effectLst/>
+                                      <a:latin typeface="+mn-lt"/>
+                                      <a:ea typeface="+mn-ea"/>
+                                      <a:cs typeface="+mn-cs"/>
+                                    </a:rPr>
+                                    <m:t>𝑘</m:t>
+                                  </m:r>
+                                </m:e>
+                                <m:sub>
+                                  <m:r>
+                                    <a:rPr lang="ru-RU" sz="1200" i="1" kern="1200">
+                                      <a:solidFill>
+                                        <a:schemeClr val="tx1"/>
+                                      </a:solidFill>
+                                      <a:effectLst/>
+                                      <a:latin typeface="+mn-lt"/>
+                                      <a:ea typeface="+mn-ea"/>
+                                      <a:cs typeface="+mn-cs"/>
+                                    </a:rPr>
+                                    <m:t>𝑖</m:t>
+                                  </m:r>
+                                </m:sub>
+                              </m:sSub>
+                            </m:e>
+                          </m:nary>
+                        </m:num>
+                        <m:den>
+                          <m:sSub>
+                            <m:sSubPr>
+                              <m:ctrlPr>
+                                <a:rPr lang="ru-RU" sz="1200" i="1" kern="1200">
+                                  <a:solidFill>
+                                    <a:schemeClr val="tx1"/>
+                                  </a:solidFill>
+                                  <a:effectLst/>
+                                  <a:latin typeface="+mn-lt"/>
+                                  <a:ea typeface="+mn-ea"/>
+                                  <a:cs typeface="+mn-cs"/>
+                                </a:rPr>
+                              </m:ctrlPr>
+                            </m:sSubPr>
+                            <m:e>
+                              <m:r>
+                                <a:rPr lang="en-US" sz="1200" i="1" kern="1200">
+                                  <a:solidFill>
+                                    <a:schemeClr val="tx1"/>
+                                  </a:solidFill>
+                                  <a:effectLst/>
+                                  <a:latin typeface="+mn-lt"/>
+                                  <a:ea typeface="+mn-ea"/>
+                                  <a:cs typeface="+mn-cs"/>
+                                </a:rPr>
+                                <m:t>𝑛</m:t>
+                              </m:r>
+                            </m:e>
+                            <m:sub>
+                              <m:sSub>
+                                <m:sSubPr>
+                                  <m:ctrlPr>
+                                    <a:rPr lang="ru-RU" sz="1200" i="1" kern="1200">
+                                      <a:solidFill>
+                                        <a:schemeClr val="tx1"/>
+                                      </a:solidFill>
+                                      <a:effectLst/>
+                                      <a:latin typeface="+mn-lt"/>
+                                      <a:ea typeface="+mn-ea"/>
+                                      <a:cs typeface="+mn-cs"/>
+                                    </a:rPr>
+                                  </m:ctrlPr>
+                                </m:sSubPr>
+                                <m:e>
+                                  <m:r>
+                                    <a:rPr lang="ru-RU" sz="1200" i="1" kern="1200">
+                                      <a:solidFill>
+                                        <a:schemeClr val="tx1"/>
+                                      </a:solidFill>
+                                      <a:effectLst/>
+                                      <a:latin typeface="+mn-lt"/>
+                                      <a:ea typeface="+mn-ea"/>
+                                      <a:cs typeface="+mn-cs"/>
+                                    </a:rPr>
+                                    <m:t>0≤</m:t>
+                                  </m:r>
+                                  <m:r>
+                                    <a:rPr lang="ru-RU" sz="1200" i="1" kern="1200">
+                                      <a:solidFill>
+                                        <a:schemeClr val="tx1"/>
+                                      </a:solidFill>
+                                      <a:effectLst/>
+                                      <a:latin typeface="+mn-lt"/>
+                                      <a:ea typeface="+mn-ea"/>
+                                      <a:cs typeface="+mn-cs"/>
+                                    </a:rPr>
+                                    <m:t>𝑘</m:t>
+                                  </m:r>
+                                </m:e>
+                                <m:sub>
+                                  <m:r>
+                                    <a:rPr lang="ru-RU" sz="1200" i="1" kern="1200">
+                                      <a:solidFill>
+                                        <a:schemeClr val="tx1"/>
+                                      </a:solidFill>
+                                      <a:effectLst/>
+                                      <a:latin typeface="+mn-lt"/>
+                                      <a:ea typeface="+mn-ea"/>
+                                      <a:cs typeface="+mn-cs"/>
+                                    </a:rPr>
+                                    <m:t>𝑖</m:t>
+                                  </m:r>
+                                </m:sub>
+                              </m:sSub>
+                              <m:r>
+                                <a:rPr lang="ru-RU" sz="1200" i="1" kern="1200">
+                                  <a:solidFill>
+                                    <a:schemeClr val="tx1"/>
+                                  </a:solidFill>
+                                  <a:effectLst/>
+                                  <a:latin typeface="+mn-lt"/>
+                                  <a:ea typeface="+mn-ea"/>
+                                  <a:cs typeface="+mn-cs"/>
+                                </a:rPr>
+                                <m:t>&lt;</m:t>
+                              </m:r>
+                              <m:sSub>
+                                <m:sSubPr>
+                                  <m:ctrlPr>
+                                    <a:rPr lang="ru-RU" sz="1200" i="1" kern="1200">
+                                      <a:solidFill>
+                                        <a:schemeClr val="tx1"/>
+                                      </a:solidFill>
+                                      <a:effectLst/>
+                                      <a:latin typeface="+mn-lt"/>
+                                      <a:ea typeface="+mn-ea"/>
+                                      <a:cs typeface="+mn-cs"/>
+                                    </a:rPr>
+                                  </m:ctrlPr>
+                                </m:sSubPr>
+                                <m:e>
+                                  <m:r>
+                                    <a:rPr lang="ru-RU" sz="1200" i="1" kern="1200">
+                                      <a:solidFill>
+                                        <a:schemeClr val="tx1"/>
+                                      </a:solidFill>
+                                      <a:effectLst/>
+                                      <a:latin typeface="+mn-lt"/>
+                                      <a:ea typeface="+mn-ea"/>
+                                      <a:cs typeface="+mn-cs"/>
+                                    </a:rPr>
+                                    <m:t>𝑚</m:t>
+                                  </m:r>
+                                </m:e>
+                                <m:sub>
+                                  <m:r>
+                                    <a:rPr lang="ru-RU" sz="1200" i="1" kern="1200">
+                                      <a:solidFill>
+                                        <a:schemeClr val="tx1"/>
+                                      </a:solidFill>
+                                      <a:effectLst/>
+                                      <a:latin typeface="+mn-lt"/>
+                                      <a:ea typeface="+mn-ea"/>
+                                      <a:cs typeface="+mn-cs"/>
+                                    </a:rPr>
+                                    <m:t>𝑖</m:t>
+                                  </m:r>
+                                </m:sub>
+                              </m:sSub>
+                            </m:sub>
+                          </m:sSub>
+                          <m:r>
+                            <a:rPr lang="en-US" sz="1200" i="1" kern="1200">
+                              <a:solidFill>
+                                <a:schemeClr val="tx1"/>
+                              </a:solidFill>
+                              <a:effectLst/>
+                              <a:latin typeface="+mn-lt"/>
+                              <a:ea typeface="+mn-ea"/>
+                              <a:cs typeface="+mn-cs"/>
+                            </a:rPr>
+                            <m:t>+</m:t>
+                          </m:r>
+                          <m:nary>
+                            <m:naryPr>
+                              <m:chr m:val="∑"/>
+                              <m:supHide m:val="on"/>
+                              <m:ctrlPr>
+                                <a:rPr lang="ru-RU" sz="1200" i="1" kern="1200">
+                                  <a:solidFill>
+                                    <a:schemeClr val="tx1"/>
+                                  </a:solidFill>
+                                  <a:effectLst/>
+                                  <a:latin typeface="+mn-lt"/>
+                                  <a:ea typeface="+mn-ea"/>
+                                  <a:cs typeface="+mn-cs"/>
+                                </a:rPr>
+                              </m:ctrlPr>
+                            </m:naryPr>
+                            <m:sub>
+                              <m:r>
+                                <a:rPr lang="ru-RU" sz="1200" i="1" kern="1200">
+                                  <a:solidFill>
+                                    <a:schemeClr val="tx1"/>
+                                  </a:solidFill>
+                                  <a:effectLst/>
+                                  <a:latin typeface="+mn-lt"/>
+                                  <a:ea typeface="+mn-ea"/>
+                                  <a:cs typeface="+mn-cs"/>
+                                </a:rPr>
+                                <m:t>𝑖</m:t>
+                              </m:r>
+                              <m:r>
+                                <a:rPr lang="ru-RU" sz="1200" i="1" kern="1200">
+                                  <a:solidFill>
+                                    <a:schemeClr val="tx1"/>
+                                  </a:solidFill>
+                                  <a:effectLst/>
+                                  <a:latin typeface="+mn-lt"/>
+                                  <a:ea typeface="+mn-ea"/>
+                                  <a:cs typeface="+mn-cs"/>
+                                </a:rPr>
+                                <m:t>:</m:t>
+                              </m:r>
+                              <m:sSub>
+                                <m:sSubPr>
+                                  <m:ctrlPr>
+                                    <a:rPr lang="ru-RU" sz="1200" i="1" kern="1200">
+                                      <a:solidFill>
+                                        <a:schemeClr val="tx1"/>
+                                      </a:solidFill>
+                                      <a:effectLst/>
+                                      <a:latin typeface="+mn-lt"/>
+                                      <a:ea typeface="+mn-ea"/>
+                                      <a:cs typeface="+mn-cs"/>
+                                    </a:rPr>
+                                  </m:ctrlPr>
+                                </m:sSubPr>
+                                <m:e>
+                                  <m:r>
+                                    <a:rPr lang="ru-RU" sz="1200" i="1" kern="1200">
+                                      <a:solidFill>
+                                        <a:schemeClr val="tx1"/>
+                                      </a:solidFill>
+                                      <a:effectLst/>
+                                      <a:latin typeface="+mn-lt"/>
+                                      <a:ea typeface="+mn-ea"/>
+                                      <a:cs typeface="+mn-cs"/>
+                                    </a:rPr>
+                                    <m:t>𝑘</m:t>
+                                  </m:r>
+                                </m:e>
+                                <m:sub>
+                                  <m:r>
+                                    <a:rPr lang="ru-RU" sz="1200" i="1" kern="1200">
+                                      <a:solidFill>
+                                        <a:schemeClr val="tx1"/>
+                                      </a:solidFill>
+                                      <a:effectLst/>
+                                      <a:latin typeface="+mn-lt"/>
+                                      <a:ea typeface="+mn-ea"/>
+                                      <a:cs typeface="+mn-cs"/>
+                                    </a:rPr>
+                                    <m:t>𝑖</m:t>
+                                  </m:r>
+                                </m:sub>
+                              </m:sSub>
+                              <m:r>
+                                <a:rPr lang="ru-RU" sz="1200" i="1" kern="1200">
+                                  <a:solidFill>
+                                    <a:schemeClr val="tx1"/>
+                                  </a:solidFill>
+                                  <a:effectLst/>
+                                  <a:latin typeface="+mn-lt"/>
+                                  <a:ea typeface="+mn-ea"/>
+                                  <a:cs typeface="+mn-cs"/>
+                                </a:rPr>
+                                <m:t>= </m:t>
+                              </m:r>
+                              <m:sSub>
+                                <m:sSubPr>
+                                  <m:ctrlPr>
+                                    <a:rPr lang="ru-RU" sz="1200" i="1" kern="1200">
+                                      <a:solidFill>
+                                        <a:schemeClr val="tx1"/>
+                                      </a:solidFill>
+                                      <a:effectLst/>
+                                      <a:latin typeface="+mn-lt"/>
+                                      <a:ea typeface="+mn-ea"/>
+                                      <a:cs typeface="+mn-cs"/>
+                                    </a:rPr>
+                                  </m:ctrlPr>
+                                </m:sSubPr>
+                                <m:e>
+                                  <m:r>
+                                    <a:rPr lang="ru-RU" sz="1200" i="1" kern="1200">
+                                      <a:solidFill>
+                                        <a:schemeClr val="tx1"/>
+                                      </a:solidFill>
+                                      <a:effectLst/>
+                                      <a:latin typeface="+mn-lt"/>
+                                      <a:ea typeface="+mn-ea"/>
+                                      <a:cs typeface="+mn-cs"/>
+                                    </a:rPr>
+                                    <m:t>𝑚</m:t>
+                                  </m:r>
+                                </m:e>
+                                <m:sub>
+                                  <m:r>
+                                    <a:rPr lang="ru-RU" sz="1200" i="1" kern="1200">
+                                      <a:solidFill>
+                                        <a:schemeClr val="tx1"/>
+                                      </a:solidFill>
+                                      <a:effectLst/>
+                                      <a:latin typeface="+mn-lt"/>
+                                      <a:ea typeface="+mn-ea"/>
+                                      <a:cs typeface="+mn-cs"/>
+                                    </a:rPr>
+                                    <m:t>𝑖</m:t>
+                                  </m:r>
+                                </m:sub>
+                              </m:sSub>
+                              <m:r>
+                                <a:rPr lang="ru-RU" sz="1200" i="1" kern="1200">
+                                  <a:solidFill>
+                                    <a:schemeClr val="tx1"/>
+                                  </a:solidFill>
+                                  <a:effectLst/>
+                                  <a:latin typeface="+mn-lt"/>
+                                  <a:ea typeface="+mn-ea"/>
+                                  <a:cs typeface="+mn-cs"/>
+                                </a:rPr>
+                                <m:t>&gt;0</m:t>
+                              </m:r>
+                            </m:sub>
+                            <m:sup/>
+                            <m:e>
+                              <m:d>
+                                <m:dPr>
+                                  <m:ctrlPr>
+                                    <a:rPr lang="ru-RU" sz="1200" i="1" kern="1200">
+                                      <a:solidFill>
+                                        <a:schemeClr val="tx1"/>
+                                      </a:solidFill>
+                                      <a:effectLst/>
+                                      <a:latin typeface="+mn-lt"/>
+                                      <a:ea typeface="+mn-ea"/>
+                                      <a:cs typeface="+mn-cs"/>
+                                    </a:rPr>
+                                  </m:ctrlPr>
+                                </m:dPr>
+                                <m:e>
+                                  <m:r>
+                                    <a:rPr lang="ru-RU" sz="1200" i="1" kern="1200">
+                                      <a:solidFill>
+                                        <a:schemeClr val="tx1"/>
+                                      </a:solidFill>
+                                      <a:effectLst/>
+                                      <a:latin typeface="+mn-lt"/>
+                                      <a:ea typeface="+mn-ea"/>
+                                      <a:cs typeface="+mn-cs"/>
+                                    </a:rPr>
+                                    <m:t>1−</m:t>
+                                  </m:r>
+                                  <m:sSub>
+                                    <m:sSubPr>
+                                      <m:ctrlPr>
+                                        <a:rPr lang="ru-RU" sz="1200" i="1" kern="1200">
+                                          <a:solidFill>
+                                            <a:schemeClr val="tx1"/>
+                                          </a:solidFill>
+                                          <a:effectLst/>
+                                          <a:latin typeface="+mn-lt"/>
+                                          <a:ea typeface="+mn-ea"/>
+                                          <a:cs typeface="+mn-cs"/>
+                                        </a:rPr>
+                                      </m:ctrlPr>
+                                    </m:sSubPr>
+                                    <m:e>
+                                      <m:r>
+                                        <a:rPr lang="ru-RU" sz="1200" i="1" kern="1200">
+                                          <a:solidFill>
+                                            <a:schemeClr val="tx1"/>
+                                          </a:solidFill>
+                                          <a:effectLst/>
+                                          <a:latin typeface="+mn-lt"/>
+                                          <a:ea typeface="+mn-ea"/>
+                                          <a:cs typeface="+mn-cs"/>
+                                        </a:rPr>
+                                        <m:t>𝜃</m:t>
+                                      </m:r>
+                                    </m:e>
+                                    <m:sub>
+                                      <m:sSub>
+                                        <m:sSubPr>
+                                          <m:ctrlPr>
+                                            <a:rPr lang="ru-RU" sz="1200" i="1" kern="1200">
+                                              <a:solidFill>
+                                                <a:schemeClr val="tx1"/>
+                                              </a:solidFill>
+                                              <a:effectLst/>
+                                              <a:latin typeface="+mn-lt"/>
+                                              <a:ea typeface="+mn-ea"/>
+                                              <a:cs typeface="+mn-cs"/>
+                                            </a:rPr>
+                                          </m:ctrlPr>
+                                        </m:sSubPr>
+                                        <m:e>
+                                          <m:r>
+                                            <a:rPr lang="en-US" sz="1200" i="1" kern="1200">
+                                              <a:solidFill>
+                                                <a:schemeClr val="tx1"/>
+                                              </a:solidFill>
+                                              <a:effectLst/>
+                                              <a:latin typeface="+mn-lt"/>
+                                              <a:ea typeface="+mn-ea"/>
+                                              <a:cs typeface="+mn-cs"/>
+                                            </a:rPr>
+                                            <m:t>𝑚</m:t>
+                                          </m:r>
+                                        </m:e>
+                                        <m:sub>
+                                          <m:r>
+                                            <a:rPr lang="en-US" sz="1200" i="1" kern="1200">
+                                              <a:solidFill>
+                                                <a:schemeClr val="tx1"/>
+                                              </a:solidFill>
+                                              <a:effectLst/>
+                                              <a:latin typeface="+mn-lt"/>
+                                              <a:ea typeface="+mn-ea"/>
+                                              <a:cs typeface="+mn-cs"/>
+                                            </a:rPr>
+                                            <m:t>𝑖</m:t>
+                                          </m:r>
+                                        </m:sub>
+                                      </m:sSub>
+                                      <m:r>
+                                        <a:rPr lang="en-US" sz="1200" i="1" kern="1200">
+                                          <a:solidFill>
+                                            <a:schemeClr val="tx1"/>
+                                          </a:solidFill>
+                                          <a:effectLst/>
+                                          <a:latin typeface="+mn-lt"/>
+                                          <a:ea typeface="+mn-ea"/>
+                                          <a:cs typeface="+mn-cs"/>
+                                        </a:rPr>
+                                        <m:t>, </m:t>
+                                      </m:r>
+                                      <m:r>
+                                        <a:rPr lang="en-US" sz="1200" i="1" kern="1200">
+                                          <a:solidFill>
+                                            <a:schemeClr val="tx1"/>
+                                          </a:solidFill>
+                                          <a:effectLst/>
+                                          <a:latin typeface="+mn-lt"/>
+                                          <a:ea typeface="+mn-ea"/>
+                                          <a:cs typeface="+mn-cs"/>
+                                        </a:rPr>
+                                        <m:t>𝜆</m:t>
+                                      </m:r>
+                                    </m:sub>
+                                  </m:sSub>
+                                </m:e>
+                              </m:d>
+                            </m:e>
+                          </m:nary>
+                        </m:den>
+                      </m:f>
+                      <m:r>
+                        <a:rPr lang="ru-RU" sz="1200" i="1" kern="1200">
+                          <a:solidFill>
+                            <a:schemeClr val="tx1"/>
+                          </a:solidFill>
+                          <a:effectLst/>
+                          <a:latin typeface="+mn-lt"/>
+                          <a:ea typeface="+mn-ea"/>
+                          <a:cs typeface="+mn-cs"/>
+                        </a:rPr>
+                        <m:t>,</m:t>
+                      </m:r>
+                    </m:oMath>
+                  </m:oMathPara>
+                </a14:m>
+                <a:endParaRPr lang="ru-RU" sz="1200" kern="1200" dirty="0">
+                  <a:solidFill>
+                    <a:schemeClr val="tx1"/>
+                  </a:solidFill>
+                  <a:effectLst/>
+                  <a:latin typeface="+mn-lt"/>
+                  <a:ea typeface="+mn-ea"/>
+                  <a:cs typeface="+mn-cs"/>
+                </a:endParaRPr>
+              </a:p>
+              <a:p>
+                <a:r>
+                  <a:rPr lang="ru-RU" sz="1200" kern="1200" dirty="0">
+                    <a:solidFill>
+                      <a:schemeClr val="tx1"/>
+                    </a:solidFill>
+                    <a:effectLst/>
+                    <a:latin typeface="+mn-lt"/>
+                    <a:ea typeface="+mn-ea"/>
+                    <a:cs typeface="+mn-cs"/>
+                  </a:rPr>
+                  <a:t>где  </a:t>
+                </a:r>
+                <a14:m>
+                  <m:oMath xmlns:m="http://schemas.openxmlformats.org/officeDocument/2006/math">
+                    <m:sSub>
+                      <m:sSubPr>
+                        <m:ctrlPr>
+                          <a:rPr lang="ru-RU" sz="1200" i="1" kern="1200">
+                            <a:solidFill>
+                              <a:schemeClr val="tx1"/>
+                            </a:solidFill>
+                            <a:effectLst/>
+                            <a:latin typeface="+mn-lt"/>
+                            <a:ea typeface="+mn-ea"/>
+                            <a:cs typeface="+mn-cs"/>
+                          </a:rPr>
+                        </m:ctrlPr>
+                      </m:sSubPr>
+                      <m:e>
+                        <m:r>
+                          <a:rPr lang="en-US" sz="1200" i="1" kern="1200">
+                            <a:solidFill>
+                              <a:schemeClr val="tx1"/>
+                            </a:solidFill>
+                            <a:effectLst/>
+                            <a:latin typeface="+mn-lt"/>
+                            <a:ea typeface="+mn-ea"/>
+                            <a:cs typeface="+mn-cs"/>
+                          </a:rPr>
+                          <m:t>𝑛</m:t>
+                        </m:r>
+                      </m:e>
+                      <m:sub>
+                        <m:sSub>
+                          <m:sSubPr>
+                            <m:ctrlPr>
+                              <a:rPr lang="ru-RU" sz="1200" i="1" kern="1200">
+                                <a:solidFill>
+                                  <a:schemeClr val="tx1"/>
+                                </a:solidFill>
+                                <a:effectLst/>
+                                <a:latin typeface="+mn-lt"/>
+                                <a:ea typeface="+mn-ea"/>
+                                <a:cs typeface="+mn-cs"/>
+                              </a:rPr>
+                            </m:ctrlPr>
+                          </m:sSubPr>
+                          <m:e>
+                            <m:r>
+                              <a:rPr lang="ru-RU" sz="1200" i="1" kern="1200">
+                                <a:solidFill>
+                                  <a:schemeClr val="tx1"/>
+                                </a:solidFill>
+                                <a:effectLst/>
+                                <a:latin typeface="+mn-lt"/>
+                                <a:ea typeface="+mn-ea"/>
+                                <a:cs typeface="+mn-cs"/>
+                              </a:rPr>
+                              <m:t>0≤</m:t>
+                            </m:r>
+                            <m:r>
+                              <a:rPr lang="ru-RU" sz="1200" i="1" kern="1200">
+                                <a:solidFill>
+                                  <a:schemeClr val="tx1"/>
+                                </a:solidFill>
+                                <a:effectLst/>
+                                <a:latin typeface="+mn-lt"/>
+                                <a:ea typeface="+mn-ea"/>
+                                <a:cs typeface="+mn-cs"/>
+                              </a:rPr>
+                              <m:t>𝑘</m:t>
+                            </m:r>
+                          </m:e>
+                          <m:sub>
+                            <m:r>
+                              <a:rPr lang="ru-RU" sz="1200" i="1" kern="1200">
+                                <a:solidFill>
+                                  <a:schemeClr val="tx1"/>
+                                </a:solidFill>
+                                <a:effectLst/>
+                                <a:latin typeface="+mn-lt"/>
+                                <a:ea typeface="+mn-ea"/>
+                                <a:cs typeface="+mn-cs"/>
+                              </a:rPr>
+                              <m:t>𝑖</m:t>
+                            </m:r>
+                          </m:sub>
+                        </m:sSub>
+                        <m:r>
+                          <a:rPr lang="ru-RU" sz="1200" i="1" kern="1200">
+                            <a:solidFill>
+                              <a:schemeClr val="tx1"/>
+                            </a:solidFill>
+                            <a:effectLst/>
+                            <a:latin typeface="+mn-lt"/>
+                            <a:ea typeface="+mn-ea"/>
+                            <a:cs typeface="+mn-cs"/>
+                          </a:rPr>
+                          <m:t>&lt;</m:t>
+                        </m:r>
+                        <m:sSub>
+                          <m:sSubPr>
+                            <m:ctrlPr>
+                              <a:rPr lang="ru-RU" sz="1200" i="1" kern="1200">
+                                <a:solidFill>
+                                  <a:schemeClr val="tx1"/>
+                                </a:solidFill>
+                                <a:effectLst/>
+                                <a:latin typeface="+mn-lt"/>
+                                <a:ea typeface="+mn-ea"/>
+                                <a:cs typeface="+mn-cs"/>
+                              </a:rPr>
+                            </m:ctrlPr>
+                          </m:sSubPr>
+                          <m:e>
+                            <m:r>
+                              <a:rPr lang="ru-RU" sz="1200" i="1" kern="1200">
+                                <a:solidFill>
+                                  <a:schemeClr val="tx1"/>
+                                </a:solidFill>
+                                <a:effectLst/>
+                                <a:latin typeface="+mn-lt"/>
+                                <a:ea typeface="+mn-ea"/>
+                                <a:cs typeface="+mn-cs"/>
+                              </a:rPr>
+                              <m:t>𝑚</m:t>
+                            </m:r>
+                          </m:e>
+                          <m:sub>
+                            <m:r>
+                              <a:rPr lang="ru-RU" sz="1200" i="1" kern="1200">
+                                <a:solidFill>
+                                  <a:schemeClr val="tx1"/>
+                                </a:solidFill>
+                                <a:effectLst/>
+                                <a:latin typeface="+mn-lt"/>
+                                <a:ea typeface="+mn-ea"/>
+                                <a:cs typeface="+mn-cs"/>
+                              </a:rPr>
+                              <m:t>𝑖</m:t>
+                            </m:r>
+                          </m:sub>
+                        </m:sSub>
+                      </m:sub>
+                    </m:sSub>
+                  </m:oMath>
+                </a14:m>
+                <a:r>
+                  <a:rPr lang="ru-RU" sz="1200" kern="1200" dirty="0">
+                    <a:solidFill>
+                      <a:schemeClr val="tx1"/>
+                    </a:solidFill>
+                    <a:effectLst/>
+                    <a:latin typeface="+mn-lt"/>
+                    <a:ea typeface="+mn-ea"/>
+                    <a:cs typeface="+mn-cs"/>
+                  </a:rPr>
+                  <a:t> – это количество дней, где был ненулевой остаток и при этом не весь остаток был распродан, но при этом остаток на складе был равен 1.</a:t>
+                </a:r>
                 <a:endParaRPr lang="ru-RU" dirty="0"/>
               </a:p>
             </p:txBody>
@@ -15935,8 +21804,8 @@
           </a:p>
         </p:txBody>
       </p:sp>
-      <mc:AlternateContent xmlns:mc="http://schemas.openxmlformats.org/markup-compatibility/2006" xmlns:a14="http://schemas.microsoft.com/office/drawing/2010/main">
-        <mc:Choice Requires="a14">
+      <mc:AlternateContent xmlns:mc="http://schemas.openxmlformats.org/markup-compatibility/2006">
+        <mc:Choice xmlns:a14="http://schemas.microsoft.com/office/drawing/2010/main" Requires="a14">
           <p:sp>
             <p:nvSpPr>
               <p:cNvPr id="4" name="Content Placeholder 3"/>
@@ -15949,8 +21818,8 @@
             </p:nvSpPr>
             <p:spPr>
               <a:xfrm>
-                <a:off x="524424" y="861199"/>
-                <a:ext cx="8232776" cy="2517099"/>
+                <a:off x="524424" y="1045865"/>
+                <a:ext cx="8232776" cy="2147767"/>
               </a:xfrm>
             </p:spPr>
             <p:txBody>
@@ -15959,8 +21828,13 @@
               <a:p>
                 <a:r>
                   <a:rPr lang="ru-RU" sz="2400" dirty="0" smtClean="0"/>
-                  <a:t>Количество продаж на разных отрезках времени – независимая случайная величина</a:t>
+                  <a:t>Количество продаж на разных отрезках времени – </a:t>
                 </a:r>
+                <a:r>
+                  <a:rPr lang="ru-RU" sz="2400" dirty="0" smtClean="0"/>
+                  <a:t>НОРСВ</a:t>
+                </a:r>
+                <a:endParaRPr lang="ru-RU" sz="2400" dirty="0" smtClean="0"/>
               </a:p>
               <a:p>
                 <a:r>
@@ -16167,7 +22041,7 @@
             </p:txBody>
           </p:sp>
         </mc:Choice>
-        <mc:Fallback xmlns="">
+        <mc:Fallback>
           <p:sp>
             <p:nvSpPr>
               <p:cNvPr id="4" name="Content Placeholder 3"/>
@@ -16180,13 +22054,13 @@
             </p:nvSpPr>
             <p:spPr>
               <a:xfrm>
-                <a:off x="524424" y="861199"/>
-                <a:ext cx="8232776" cy="2517099"/>
+                <a:off x="524424" y="1045865"/>
+                <a:ext cx="8232776" cy="2147767"/>
               </a:xfrm>
               <a:blipFill rotWithShape="0">
                 <a:blip r:embed="rId2"/>
                 <a:stretch>
-                  <a:fillRect l="-962" t="-1453"/>
+                  <a:fillRect l="-962" t="-1989"/>
                 </a:stretch>
               </a:blipFill>
             </p:spPr>
@@ -17655,8 +23529,8 @@
         </p:nvSpPr>
         <p:spPr>
           <a:xfrm flipH="1">
-            <a:off x="281621" y="162410"/>
-            <a:ext cx="8651363" cy="830997"/>
+            <a:off x="281621" y="347076"/>
+            <a:ext cx="8651363" cy="461665"/>
           </a:xfrm>
         </p:spPr>
         <p:txBody>
@@ -17668,15 +23542,15 @@
               <a:t>Восстановление спроса: Модель Порождения и </a:t>
             </a:r>
             <a:r>
-              <a:rPr lang="ru-RU" sz="2400" dirty="0" err="1" smtClean="0"/>
-              <a:t>уНичтожения</a:t>
+              <a:rPr lang="ru-RU" sz="2400" dirty="0" smtClean="0"/>
+              <a:t>ГИБЕЛИ</a:t>
             </a:r>
             <a:endParaRPr lang="ru-RU" sz="2400" dirty="0"/>
           </a:p>
         </p:txBody>
       </p:sp>
-      <mc:AlternateContent xmlns:mc="http://schemas.openxmlformats.org/markup-compatibility/2006" xmlns:a14="http://schemas.microsoft.com/office/drawing/2010/main">
-        <mc:Choice Requires="a14">
+      <mc:AlternateContent xmlns:mc="http://schemas.openxmlformats.org/markup-compatibility/2006">
+        <mc:Choice xmlns:a14="http://schemas.microsoft.com/office/drawing/2010/main" Requires="a14">
           <p:sp>
             <p:nvSpPr>
               <p:cNvPr id="4" name="Content Placeholder 3"/>
@@ -17689,8 +23563,8 @@
             </p:nvSpPr>
             <p:spPr>
               <a:xfrm>
-                <a:off x="281622" y="1276173"/>
-                <a:ext cx="8232776" cy="4998291"/>
+                <a:off x="281622" y="906841"/>
+                <a:ext cx="8232776" cy="5736955"/>
               </a:xfrm>
             </p:spPr>
             <p:txBody>
@@ -17970,12 +23844,24 @@
                 <a:pPr marL="0" indent="0">
                   <a:buNone/>
                 </a:pPr>
+                <a:endParaRPr lang="ru-RU" sz="2000" dirty="0" smtClean="0"/>
+              </a:p>
+              <a:p>
+                <a:pPr marL="0" indent="0">
+                  <a:buNone/>
+                </a:pPr>
+                <a:endParaRPr lang="ru-RU" sz="2000" dirty="0"/>
+              </a:p>
+              <a:p>
+                <a:pPr marL="0" indent="0">
+                  <a:buNone/>
+                </a:pPr>
                 <a:endParaRPr lang="en-US" sz="2000" dirty="0" smtClean="0"/>
               </a:p>
             </p:txBody>
           </p:sp>
         </mc:Choice>
-        <mc:Fallback xmlns="">
+        <mc:Fallback>
           <p:sp>
             <p:nvSpPr>
               <p:cNvPr id="4" name="Content Placeholder 3"/>
@@ -17988,13 +23874,13 @@
             </p:nvSpPr>
             <p:spPr>
               <a:xfrm>
-                <a:off x="281622" y="1276173"/>
-                <a:ext cx="8232776" cy="4998291"/>
+                <a:off x="281622" y="906841"/>
+                <a:ext cx="8232776" cy="5736955"/>
               </a:xfrm>
               <a:blipFill rotWithShape="0">
                 <a:blip r:embed="rId2"/>
                 <a:stretch>
-                  <a:fillRect l="-740" t="-122"/>
+                  <a:fillRect l="-740" t="-106"/>
                 </a:stretch>
               </a:blipFill>
             </p:spPr>
@@ -18541,6 +24427,38 @@
           </p:sp>
         </mc:Fallback>
       </mc:AlternateContent>
+      <p:sp>
+        <p:nvSpPr>
+          <p:cNvPr id="6" name="Rectangle 5"/>
+          <p:cNvSpPr/>
+          <p:nvPr/>
+        </p:nvSpPr>
+        <p:spPr>
+          <a:xfrm>
+            <a:off x="837772" y="5981617"/>
+            <a:ext cx="7120475" cy="369332"/>
+          </a:xfrm>
+          <a:prstGeom prst="rect">
+            <a:avLst/>
+          </a:prstGeom>
+        </p:spPr>
+        <p:txBody>
+          <a:bodyPr wrap="none">
+            <a:spAutoFit/>
+          </a:bodyPr>
+          <a:lstStyle/>
+          <a:p>
+            <a:r>
+              <a:rPr lang="ru-RU" dirty="0" smtClean="0"/>
+              <a:t>Процесс порождения и гибели http</a:t>
+            </a:r>
+            <a:r>
+              <a:rPr lang="ru-RU" dirty="0"/>
+              <a:t>://sci.alnam.ru/book_otsp.php?id=58</a:t>
+            </a:r>
+          </a:p>
+        </p:txBody>
+      </p:sp>
     </p:spTree>
     <p:extLst>
       <p:ext uri="{BB962C8B-B14F-4D97-AF65-F5344CB8AC3E}">
@@ -20155,8 +26073,14 @@
           <a:p>
             <a:r>
               <a:rPr lang="ru-RU" dirty="0" smtClean="0"/>
-              <a:t>Без восстановления спроса прогноз окажется существенно заниженным</a:t>
+              <a:t>Без восстановления спроса прогноз окажется существенно </a:t>
             </a:r>
+            <a:r>
+              <a:rPr lang="ru-RU" dirty="0" smtClean="0"/>
+              <a:t>заниженным</a:t>
+            </a:r>
+          </a:p>
+          <a:p>
             <a:endParaRPr lang="ru-RU" i="1" dirty="0" smtClean="0">
               <a:latin typeface="Cambria Math" panose="02040503050406030204" pitchFamily="18" charset="0"/>
             </a:endParaRPr>
@@ -20176,7 +26100,15 @@
           <a:p>
             <a:r>
               <a:rPr lang="ru-RU" dirty="0" smtClean="0"/>
-              <a:t>Разметка и учёт других событий (промо, события на макро уровне: ЧМ по футболу, олимпиада и др) – задача </a:t>
+              <a:t>Разметка и учёт других событий (промо, события на макро </a:t>
+            </a:r>
+            <a:r>
+              <a:rPr lang="ru-RU" dirty="0" smtClean="0"/>
+              <a:t>уровне) </a:t>
+            </a:r>
+            <a:r>
+              <a:rPr lang="ru-RU" dirty="0" smtClean="0"/>
+              <a:t>– задача </a:t>
             </a:r>
             <a:r>
               <a:rPr lang="en-US" dirty="0" smtClean="0"/>
@@ -20537,8 +26469,8 @@
           </a:p>
         </p:txBody>
       </p:sp>
-      <mc:AlternateContent xmlns:mc="http://schemas.openxmlformats.org/markup-compatibility/2006" xmlns:a14="http://schemas.microsoft.com/office/drawing/2010/main">
-        <mc:Choice Requires="a14">
+      <mc:AlternateContent xmlns:mc="http://schemas.openxmlformats.org/markup-compatibility/2006">
+        <mc:Choice xmlns:a14="http://schemas.microsoft.com/office/drawing/2010/main" Requires="a14">
           <p:sp>
             <p:nvSpPr>
               <p:cNvPr id="3" name="Content Placeholder 2"/>
@@ -20899,206 +26831,214 @@
                 </a:r>
               </a:p>
               <a:p>
+                <a:pPr marL="0" indent="0">
+                  <a:buNone/>
+                </a:pPr>
                 <a14:m>
-                  <m:oMath xmlns:m="http://schemas.openxmlformats.org/officeDocument/2006/math">
-                    <m:sSup>
-                      <m:sSupPr>
-                        <m:ctrlPr>
-                          <a:rPr lang="en-US" b="0" i="1" smtClean="0">
-                            <a:latin typeface="Cambria Math" panose="02040503050406030204" pitchFamily="18" charset="0"/>
-                          </a:rPr>
-                        </m:ctrlPr>
-                      </m:sSupPr>
-                      <m:e>
-                        <m:acc>
-                          <m:accPr>
-                            <m:chr m:val="̂"/>
-                            <m:ctrlPr>
-                              <a:rPr lang="en-US" i="1">
-                                <a:latin typeface="Cambria Math" panose="02040503050406030204" pitchFamily="18" charset="0"/>
-                              </a:rPr>
-                            </m:ctrlPr>
-                          </m:accPr>
-                          <m:e>
-                            <m:r>
-                              <a:rPr lang="en-US" i="1">
-                                <a:latin typeface="Cambria Math" panose="02040503050406030204" pitchFamily="18" charset="0"/>
-                              </a:rPr>
-                              <m:t>𝑦</m:t>
-                            </m:r>
-                          </m:e>
-                        </m:acc>
-                      </m:e>
-                      <m:sup>
-                        <m:r>
-                          <a:rPr lang="en-US" b="0" i="0" smtClean="0">
-                            <a:latin typeface="Cambria Math" panose="02040503050406030204" pitchFamily="18" charset="0"/>
-                          </a:rPr>
-                          <m:t>∗</m:t>
-                        </m:r>
-                      </m:sup>
-                    </m:sSup>
-                    <m:r>
-                      <a:rPr lang="en-US" b="0" i="0" smtClean="0">
-                        <a:latin typeface="Cambria Math" panose="02040503050406030204" pitchFamily="18" charset="0"/>
-                      </a:rPr>
-                      <m:t>=</m:t>
-                    </m:r>
-                    <m:r>
-                      <m:rPr>
-                        <m:sty m:val="p"/>
-                      </m:rPr>
-                      <a:rPr lang="en-US" b="0" i="0" smtClean="0">
-                        <a:latin typeface="Cambria Math" panose="02040503050406030204" pitchFamily="18" charset="0"/>
-                      </a:rPr>
-                      <m:t>arg</m:t>
-                    </m:r>
-                    <m:limLow>
-                      <m:limLowPr>
-                        <m:ctrlPr>
-                          <a:rPr lang="en-US" b="0" i="1" smtClean="0">
-                            <a:latin typeface="Cambria Math" panose="02040503050406030204" pitchFamily="18" charset="0"/>
-                          </a:rPr>
-                        </m:ctrlPr>
-                      </m:limLowPr>
-                      <m:e>
-                        <m:r>
-                          <m:rPr>
-                            <m:sty m:val="p"/>
-                          </m:rPr>
-                          <a:rPr lang="en-US" b="0" i="0" smtClean="0">
-                            <a:latin typeface="Cambria Math" panose="02040503050406030204" pitchFamily="18" charset="0"/>
-                          </a:rPr>
-                          <m:t>max</m:t>
-                        </m:r>
-                      </m:e>
-                      <m:lim>
-                        <m:acc>
-                          <m:accPr>
-                            <m:chr m:val="̂"/>
-                            <m:ctrlPr>
-                              <a:rPr lang="en-US" i="1">
-                                <a:latin typeface="Cambria Math" panose="02040503050406030204" pitchFamily="18" charset="0"/>
-                              </a:rPr>
-                            </m:ctrlPr>
-                          </m:accPr>
-                          <m:e>
-                            <m:r>
-                              <a:rPr lang="en-US" i="1">
-                                <a:latin typeface="Cambria Math" panose="02040503050406030204" pitchFamily="18" charset="0"/>
-                              </a:rPr>
-                              <m:t>𝑦</m:t>
-                            </m:r>
-                          </m:e>
-                        </m:acc>
-                      </m:lim>
-                    </m:limLow>
-                    <m:nary>
-                      <m:naryPr>
-                        <m:limLoc m:val="undOvr"/>
-                        <m:subHide m:val="on"/>
-                        <m:supHide m:val="on"/>
-                        <m:ctrlPr>
-                          <a:rPr lang="en-US" b="0" i="1" smtClean="0">
-                            <a:latin typeface="Cambria Math" panose="02040503050406030204" pitchFamily="18" charset="0"/>
-                          </a:rPr>
-                        </m:ctrlPr>
-                      </m:naryPr>
-                      <m:sub/>
-                      <m:sup/>
-                      <m:e>
-                        <m:r>
-                          <a:rPr lang="en-US" i="1">
-                            <a:latin typeface="Cambria Math" panose="02040503050406030204" pitchFamily="18" charset="0"/>
-                          </a:rPr>
-                          <m:t>𝐿</m:t>
-                        </m:r>
-                        <m:d>
-                          <m:dPr>
-                            <m:ctrlPr>
-                              <a:rPr lang="en-US" i="1">
-                                <a:latin typeface="Cambria Math" panose="02040503050406030204" pitchFamily="18" charset="0"/>
-                              </a:rPr>
-                            </m:ctrlPr>
-                          </m:dPr>
-                          <m:e>
-                            <m:r>
-                              <a:rPr lang="en-US" i="1">
-                                <a:latin typeface="Cambria Math" panose="02040503050406030204" pitchFamily="18" charset="0"/>
-                              </a:rPr>
-                              <m:t>𝑦</m:t>
-                            </m:r>
-                            <m:r>
-                              <a:rPr lang="en-US" i="1">
-                                <a:latin typeface="Cambria Math" panose="02040503050406030204" pitchFamily="18" charset="0"/>
-                              </a:rPr>
-                              <m:t>, </m:t>
-                            </m:r>
-                            <m:acc>
-                              <m:accPr>
-                                <m:chr m:val="̂"/>
-                                <m:ctrlPr>
-                                  <a:rPr lang="en-US" i="1">
-                                    <a:latin typeface="Cambria Math" panose="02040503050406030204" pitchFamily="18" charset="0"/>
-                                  </a:rPr>
-                                </m:ctrlPr>
-                              </m:accPr>
-                              <m:e>
-                                <m:r>
-                                  <a:rPr lang="en-US" i="1">
-                                    <a:latin typeface="Cambria Math" panose="02040503050406030204" pitchFamily="18" charset="0"/>
-                                  </a:rPr>
-                                  <m:t>𝑦</m:t>
-                                </m:r>
-                              </m:e>
-                            </m:acc>
-                          </m:e>
-                        </m:d>
-                        <m:r>
-                          <a:rPr lang="en-US" b="0" i="1" smtClean="0">
-                            <a:latin typeface="Cambria Math" panose="02040503050406030204" pitchFamily="18" charset="0"/>
-                          </a:rPr>
-                          <m:t>⋅</m:t>
-                        </m:r>
-                        <m:r>
-                          <a:rPr lang="en-US" b="0" i="1" smtClean="0">
-                            <a:latin typeface="Cambria Math" panose="02040503050406030204" pitchFamily="18" charset="0"/>
-                          </a:rPr>
-                          <m:t>𝑝</m:t>
-                        </m:r>
-                        <m:r>
-                          <a:rPr lang="en-US" b="0" i="1" smtClean="0">
-                            <a:latin typeface="Cambria Math" panose="02040503050406030204" pitchFamily="18" charset="0"/>
-                          </a:rPr>
-                          <m:t>(</m:t>
-                        </m:r>
-                        <m:r>
-                          <a:rPr lang="en-US" b="0" i="1" smtClean="0">
-                            <a:latin typeface="Cambria Math" panose="02040503050406030204" pitchFamily="18" charset="0"/>
-                          </a:rPr>
-                          <m:t>𝑦</m:t>
-                        </m:r>
-                        <m:r>
-                          <a:rPr lang="en-US" b="0" i="1" smtClean="0">
-                            <a:latin typeface="Cambria Math" panose="02040503050406030204" pitchFamily="18" charset="0"/>
-                          </a:rPr>
-                          <m:t>)</m:t>
-                        </m:r>
-                      </m:e>
-                    </m:nary>
-                    <m:r>
-                      <a:rPr lang="en-US" b="0" i="1" smtClean="0">
-                        <a:latin typeface="Cambria Math" panose="02040503050406030204" pitchFamily="18" charset="0"/>
-                      </a:rPr>
-                      <m:t>𝑑𝑦</m:t>
-                    </m:r>
-                    <m:r>
-                      <a:rPr lang="en-US" b="0" i="0" smtClean="0">
-                        <a:latin typeface="Cambria Math" panose="02040503050406030204" pitchFamily="18" charset="0"/>
-                      </a:rPr>
-                      <m:t> </m:t>
-                    </m:r>
-                  </m:oMath>
+                  <m:oMathPara xmlns:m="http://schemas.openxmlformats.org/officeDocument/2006/math">
+                    <m:oMathParaPr>
+                      <m:jc m:val="centerGroup"/>
+                    </m:oMathParaPr>
+                    <m:oMath xmlns:m="http://schemas.openxmlformats.org/officeDocument/2006/math">
+                      <m:sSup>
+                        <m:sSupPr>
+                          <m:ctrlPr>
+                            <a:rPr lang="en-US" b="0" i="1" smtClean="0">
+                              <a:latin typeface="Cambria Math" panose="02040503050406030204" pitchFamily="18" charset="0"/>
+                            </a:rPr>
+                          </m:ctrlPr>
+                        </m:sSupPr>
+                        <m:e>
+                          <m:acc>
+                            <m:accPr>
+                              <m:chr m:val="̂"/>
+                              <m:ctrlPr>
+                                <a:rPr lang="en-US" i="1">
+                                  <a:latin typeface="Cambria Math" panose="02040503050406030204" pitchFamily="18" charset="0"/>
+                                </a:rPr>
+                              </m:ctrlPr>
+                            </m:accPr>
+                            <m:e>
+                              <m:r>
+                                <a:rPr lang="en-US" i="1">
+                                  <a:latin typeface="Cambria Math" panose="02040503050406030204" pitchFamily="18" charset="0"/>
+                                </a:rPr>
+                                <m:t>𝑦</m:t>
+                              </m:r>
+                            </m:e>
+                          </m:acc>
+                        </m:e>
+                        <m:sup>
+                          <m:r>
+                            <a:rPr lang="en-US" b="0" i="0" smtClean="0">
+                              <a:latin typeface="Cambria Math" panose="02040503050406030204" pitchFamily="18" charset="0"/>
+                            </a:rPr>
+                            <m:t>∗</m:t>
+                          </m:r>
+                        </m:sup>
+                      </m:sSup>
+                      <m:r>
+                        <a:rPr lang="en-US" b="0" i="0" smtClean="0">
+                          <a:latin typeface="Cambria Math" panose="02040503050406030204" pitchFamily="18" charset="0"/>
+                        </a:rPr>
+                        <m:t>=</m:t>
+                      </m:r>
+                      <m:r>
+                        <m:rPr>
+                          <m:sty m:val="p"/>
+                        </m:rPr>
+                        <a:rPr lang="en-US" b="0" i="0" smtClean="0">
+                          <a:latin typeface="Cambria Math" panose="02040503050406030204" pitchFamily="18" charset="0"/>
+                        </a:rPr>
+                        <m:t>arg</m:t>
+                      </m:r>
+                      <m:limLow>
+                        <m:limLowPr>
+                          <m:ctrlPr>
+                            <a:rPr lang="en-US" b="0" i="1" smtClean="0">
+                              <a:latin typeface="Cambria Math" panose="02040503050406030204" pitchFamily="18" charset="0"/>
+                            </a:rPr>
+                          </m:ctrlPr>
+                        </m:limLowPr>
+                        <m:e>
+                          <m:r>
+                            <m:rPr>
+                              <m:sty m:val="p"/>
+                            </m:rPr>
+                            <a:rPr lang="en-US" b="0" i="0" smtClean="0">
+                              <a:latin typeface="Cambria Math" panose="02040503050406030204" pitchFamily="18" charset="0"/>
+                            </a:rPr>
+                            <m:t>max</m:t>
+                          </m:r>
+                        </m:e>
+                        <m:lim>
+                          <m:acc>
+                            <m:accPr>
+                              <m:chr m:val="̂"/>
+                              <m:ctrlPr>
+                                <a:rPr lang="en-US" i="1">
+                                  <a:latin typeface="Cambria Math" panose="02040503050406030204" pitchFamily="18" charset="0"/>
+                                </a:rPr>
+                              </m:ctrlPr>
+                            </m:accPr>
+                            <m:e>
+                              <m:r>
+                                <a:rPr lang="en-US" i="1">
+                                  <a:latin typeface="Cambria Math" panose="02040503050406030204" pitchFamily="18" charset="0"/>
+                                </a:rPr>
+                                <m:t>𝑦</m:t>
+                              </m:r>
+                            </m:e>
+                          </m:acc>
+                        </m:lim>
+                      </m:limLow>
+                      <m:nary>
+                        <m:naryPr>
+                          <m:limLoc m:val="undOvr"/>
+                          <m:subHide m:val="on"/>
+                          <m:supHide m:val="on"/>
+                          <m:ctrlPr>
+                            <a:rPr lang="en-US" b="0" i="1" smtClean="0">
+                              <a:latin typeface="Cambria Math" panose="02040503050406030204" pitchFamily="18" charset="0"/>
+                            </a:rPr>
+                          </m:ctrlPr>
+                        </m:naryPr>
+                        <m:sub/>
+                        <m:sup/>
+                        <m:e>
+                          <m:r>
+                            <a:rPr lang="en-US" i="1">
+                              <a:latin typeface="Cambria Math" panose="02040503050406030204" pitchFamily="18" charset="0"/>
+                            </a:rPr>
+                            <m:t>𝐿</m:t>
+                          </m:r>
+                          <m:d>
+                            <m:dPr>
+                              <m:ctrlPr>
+                                <a:rPr lang="en-US" i="1">
+                                  <a:latin typeface="Cambria Math" panose="02040503050406030204" pitchFamily="18" charset="0"/>
+                                </a:rPr>
+                              </m:ctrlPr>
+                            </m:dPr>
+                            <m:e>
+                              <m:r>
+                                <a:rPr lang="en-US" i="1">
+                                  <a:latin typeface="Cambria Math" panose="02040503050406030204" pitchFamily="18" charset="0"/>
+                                </a:rPr>
+                                <m:t>𝑦</m:t>
+                              </m:r>
+                              <m:r>
+                                <a:rPr lang="en-US" i="1">
+                                  <a:latin typeface="Cambria Math" panose="02040503050406030204" pitchFamily="18" charset="0"/>
+                                </a:rPr>
+                                <m:t>, </m:t>
+                              </m:r>
+                              <m:acc>
+                                <m:accPr>
+                                  <m:chr m:val="̂"/>
+                                  <m:ctrlPr>
+                                    <a:rPr lang="en-US" i="1">
+                                      <a:latin typeface="Cambria Math" panose="02040503050406030204" pitchFamily="18" charset="0"/>
+                                    </a:rPr>
+                                  </m:ctrlPr>
+                                </m:accPr>
+                                <m:e>
+                                  <m:r>
+                                    <a:rPr lang="en-US" i="1">
+                                      <a:latin typeface="Cambria Math" panose="02040503050406030204" pitchFamily="18" charset="0"/>
+                                    </a:rPr>
+                                    <m:t>𝑦</m:t>
+                                  </m:r>
+                                </m:e>
+                              </m:acc>
+                            </m:e>
+                          </m:d>
+                          <m:r>
+                            <a:rPr lang="en-US" b="0" i="1" smtClean="0">
+                              <a:latin typeface="Cambria Math" panose="02040503050406030204" pitchFamily="18" charset="0"/>
+                            </a:rPr>
+                            <m:t>⋅</m:t>
+                          </m:r>
+                          <m:r>
+                            <a:rPr lang="en-US" b="0" i="1" smtClean="0">
+                              <a:latin typeface="Cambria Math" panose="02040503050406030204" pitchFamily="18" charset="0"/>
+                            </a:rPr>
+                            <m:t>𝑝</m:t>
+                          </m:r>
+                          <m:r>
+                            <a:rPr lang="en-US" b="0" i="1" smtClean="0">
+                              <a:latin typeface="Cambria Math" panose="02040503050406030204" pitchFamily="18" charset="0"/>
+                            </a:rPr>
+                            <m:t>(</m:t>
+                          </m:r>
+                          <m:r>
+                            <a:rPr lang="en-US" b="0" i="1" smtClean="0">
+                              <a:latin typeface="Cambria Math" panose="02040503050406030204" pitchFamily="18" charset="0"/>
+                            </a:rPr>
+                            <m:t>𝑦</m:t>
+                          </m:r>
+                          <m:r>
+                            <a:rPr lang="en-US" b="0" i="1" smtClean="0">
+                              <a:latin typeface="Cambria Math" panose="02040503050406030204" pitchFamily="18" charset="0"/>
+                            </a:rPr>
+                            <m:t>)</m:t>
+                          </m:r>
+                        </m:e>
+                      </m:nary>
+                      <m:r>
+                        <a:rPr lang="en-US" b="0" i="1" smtClean="0">
+                          <a:latin typeface="Cambria Math" panose="02040503050406030204" pitchFamily="18" charset="0"/>
+                        </a:rPr>
+                        <m:t>𝑑𝑦</m:t>
+                      </m:r>
+                      <m:r>
+                        <a:rPr lang="en-US" b="0" i="0" smtClean="0">
+                          <a:latin typeface="Cambria Math" panose="02040503050406030204" pitchFamily="18" charset="0"/>
+                        </a:rPr>
+                        <m:t> </m:t>
+                      </m:r>
+                    </m:oMath>
+                  </m:oMathPara>
                 </a14:m>
                 <a:endParaRPr lang="en-US" dirty="0" smtClean="0"/>
               </a:p>
@@ -21418,7 +27358,7 @@
             </p:txBody>
           </p:sp>
         </mc:Choice>
-        <mc:Fallback xmlns="">
+        <mc:Fallback>
           <p:sp>
             <p:nvSpPr>
               <p:cNvPr id="3" name="Content Placeholder 2"/>
@@ -21738,7 +27678,9 @@
           <a:p>
             <a:pPr lvl="1"/>
             <a:r>
-              <a:rPr lang="en-US" dirty="0"/>
+              <a:rPr lang="en-US" dirty="0">
+                <a:hlinkClick r:id="rId2"/>
+              </a:rPr>
               <a:t>Bootstrapping</a:t>
             </a:r>
             <a:endParaRPr lang="ru-RU" dirty="0"/>
@@ -21778,25 +27720,25 @@
             </a:pPr>
             <a:r>
               <a:rPr lang="en-US" dirty="0" err="1" smtClean="0">
-                <a:hlinkClick r:id="rId2"/>
+                <a:hlinkClick r:id="rId3"/>
               </a:rPr>
               <a:t>Denstity</a:t>
             </a:r>
             <a:r>
               <a:rPr lang="en-US" dirty="0" smtClean="0">
-                <a:hlinkClick r:id="rId2"/>
+                <a:hlinkClick r:id="rId3"/>
               </a:rPr>
               <a:t> forecasting a Survey, A. S. </a:t>
             </a:r>
             <a:r>
               <a:rPr lang="en-US" dirty="0" err="1" smtClean="0">
-                <a:hlinkClick r:id="rId2"/>
+                <a:hlinkClick r:id="rId3"/>
               </a:rPr>
               <a:t>Tay</a:t>
             </a:r>
             <a:r>
               <a:rPr lang="en-US" dirty="0" smtClean="0">
-                <a:hlinkClick r:id="rId2"/>
+                <a:hlinkClick r:id="rId3"/>
               </a:rPr>
               <a:t>, (2000)</a:t>
             </a:r>
@@ -21866,8 +27808,8 @@
           </a:p>
         </p:txBody>
       </p:sp>
-      <mc:AlternateContent xmlns:mc="http://schemas.openxmlformats.org/markup-compatibility/2006" xmlns:a14="http://schemas.microsoft.com/office/drawing/2010/main">
-        <mc:Choice Requires="a14">
+      <mc:AlternateContent xmlns:mc="http://schemas.openxmlformats.org/markup-compatibility/2006">
+        <mc:Choice xmlns:a14="http://schemas.microsoft.com/office/drawing/2010/main" Requires="a14">
           <p:sp>
             <p:nvSpPr>
               <p:cNvPr id="3" name="Content Placeholder 2"/>
@@ -21893,326 +27835,340 @@
                 </a:r>
               </a:p>
               <a:p>
+                <a:pPr marL="0" indent="0">
+                  <a:buNone/>
+                </a:pPr>
                 <a14:m>
-                  <m:oMath xmlns:m="http://schemas.openxmlformats.org/officeDocument/2006/math">
-                    <m:sSub>
-                      <m:sSubPr>
-                        <m:ctrlPr>
-                          <a:rPr lang="en-US" b="0" i="1" dirty="0" smtClean="0">
-                            <a:latin typeface="Cambria Math" panose="02040503050406030204" pitchFamily="18" charset="0"/>
-                          </a:rPr>
-                        </m:ctrlPr>
-                      </m:sSubPr>
-                      <m:e>
-                        <m:acc>
-                          <m:accPr>
-                            <m:chr m:val="̂"/>
-                            <m:ctrlPr>
-                              <a:rPr lang="ru-RU" b="0" i="1" smtClean="0">
-                                <a:latin typeface="Cambria Math" panose="02040503050406030204" pitchFamily="18" charset="0"/>
-                              </a:rPr>
-                            </m:ctrlPr>
-                          </m:accPr>
-                          <m:e>
-                            <m:r>
-                              <a:rPr lang="en-US" b="0" i="1" smtClean="0">
-                                <a:latin typeface="Cambria Math" panose="02040503050406030204" pitchFamily="18" charset="0"/>
-                              </a:rPr>
-                              <m:t>𝑦</m:t>
-                            </m:r>
-                          </m:e>
-                        </m:acc>
-                      </m:e>
-                      <m:sub>
-                        <m:r>
-                          <a:rPr lang="en-US" b="0" i="1" dirty="0" smtClean="0">
-                            <a:latin typeface="Cambria Math" panose="02040503050406030204" pitchFamily="18" charset="0"/>
-                          </a:rPr>
-                          <m:t>𝑡</m:t>
-                        </m:r>
-                        <m:r>
-                          <a:rPr lang="en-US" b="0" i="1" dirty="0" smtClean="0">
-                            <a:latin typeface="Cambria Math" panose="02040503050406030204" pitchFamily="18" charset="0"/>
-                          </a:rPr>
-                          <m:t>+1</m:t>
-                        </m:r>
-                      </m:sub>
-                    </m:sSub>
-                    <m:r>
-                      <a:rPr lang="en-US" b="0" i="1" dirty="0" smtClean="0">
-                        <a:latin typeface="Cambria Math" panose="02040503050406030204" pitchFamily="18" charset="0"/>
-                      </a:rPr>
-                      <m:t>=</m:t>
-                    </m:r>
-                    <m:sSub>
-                      <m:sSubPr>
-                        <m:ctrlPr>
-                          <a:rPr lang="en-US" i="1" dirty="0">
-                            <a:latin typeface="Cambria Math" panose="02040503050406030204" pitchFamily="18" charset="0"/>
-                          </a:rPr>
-                        </m:ctrlPr>
-                      </m:sSubPr>
-                      <m:e>
-                        <m:acc>
-                          <m:accPr>
-                            <m:chr m:val="̂"/>
-                            <m:ctrlPr>
-                              <a:rPr lang="ru-RU" i="1">
-                                <a:latin typeface="Cambria Math" panose="02040503050406030204" pitchFamily="18" charset="0"/>
-                              </a:rPr>
-                            </m:ctrlPr>
-                          </m:accPr>
-                          <m:e>
-                            <m:r>
-                              <a:rPr lang="en-US" i="1">
-                                <a:latin typeface="Cambria Math" panose="02040503050406030204" pitchFamily="18" charset="0"/>
-                              </a:rPr>
-                              <m:t>𝑦</m:t>
-                            </m:r>
-                          </m:e>
-                        </m:acc>
-                      </m:e>
-                      <m:sub>
-                        <m:r>
-                          <a:rPr lang="en-US" i="1" dirty="0">
-                            <a:latin typeface="Cambria Math" panose="02040503050406030204" pitchFamily="18" charset="0"/>
-                          </a:rPr>
-                          <m:t>𝑡</m:t>
-                        </m:r>
-                      </m:sub>
-                    </m:sSub>
-                    <m:r>
-                      <a:rPr lang="en-US" b="0" i="1" dirty="0" smtClean="0">
-                        <a:latin typeface="Cambria Math" panose="02040503050406030204" pitchFamily="18" charset="0"/>
-                      </a:rPr>
-                      <m:t>+</m:t>
-                    </m:r>
-                    <m:d>
-                      <m:dPr>
-                        <m:begChr m:val="{"/>
-                        <m:endChr m:val=""/>
-                        <m:ctrlPr>
-                          <a:rPr lang="en-US" b="0" i="1" dirty="0" smtClean="0">
-                            <a:latin typeface="Cambria Math" panose="02040503050406030204" pitchFamily="18" charset="0"/>
-                          </a:rPr>
-                        </m:ctrlPr>
-                      </m:dPr>
-                      <m:e>
-                        <m:eqArr>
-                          <m:eqArrPr>
-                            <m:ctrlPr>
-                              <a:rPr lang="en-US" b="0" i="1" dirty="0" smtClean="0">
-                                <a:latin typeface="Cambria Math" panose="02040503050406030204" pitchFamily="18" charset="0"/>
-                              </a:rPr>
-                            </m:ctrlPr>
-                          </m:eqArrPr>
-                          <m:e>
-                            <m:sSup>
-                              <m:sSupPr>
-                                <m:ctrlPr>
-                                  <a:rPr lang="en-US" i="1" dirty="0">
-                                    <a:latin typeface="Cambria Math" panose="02040503050406030204" pitchFamily="18" charset="0"/>
-                                  </a:rPr>
-                                </m:ctrlPr>
-                              </m:sSupPr>
-                              <m:e>
-                                <m:r>
-                                  <a:rPr lang="en-US" i="1" dirty="0">
-                                    <a:latin typeface="Cambria Math" panose="02040503050406030204" pitchFamily="18" charset="0"/>
-                                  </a:rPr>
-                                  <m:t>𝛼</m:t>
-                                </m:r>
-                              </m:e>
-                              <m:sup>
-                                <m:r>
-                                  <a:rPr lang="en-US" i="1" dirty="0">
-                                    <a:latin typeface="Cambria Math" panose="02040503050406030204" pitchFamily="18" charset="0"/>
-                                  </a:rPr>
-                                  <m:t>+</m:t>
-                                </m:r>
-                              </m:sup>
-                            </m:sSup>
-                            <m:r>
-                              <a:rPr lang="en-US" b="0" i="1" dirty="0" smtClean="0">
-                                <a:latin typeface="Cambria Math" panose="02040503050406030204" pitchFamily="18" charset="0"/>
-                              </a:rPr>
-                              <m:t>⋅</m:t>
-                            </m:r>
-                            <m:sSub>
-                              <m:sSubPr>
-                                <m:ctrlPr>
-                                  <a:rPr lang="en-US" i="1" dirty="0">
-                                    <a:latin typeface="Cambria Math" panose="02040503050406030204" pitchFamily="18" charset="0"/>
-                                  </a:rPr>
-                                </m:ctrlPr>
-                              </m:sSubPr>
-                              <m:e>
-                                <m:r>
-                                  <a:rPr lang="en-US" i="1" dirty="0">
-                                    <a:latin typeface="Cambria Math" panose="02040503050406030204" pitchFamily="18" charset="0"/>
-                                  </a:rPr>
-                                  <m:t>𝑒</m:t>
-                                </m:r>
-                              </m:e>
-                              <m:sub>
-                                <m:r>
-                                  <a:rPr lang="en-US" i="1" dirty="0">
-                                    <a:latin typeface="Cambria Math" panose="02040503050406030204" pitchFamily="18" charset="0"/>
-                                  </a:rPr>
-                                  <m:t>𝑡</m:t>
-                                </m:r>
-                              </m:sub>
-                            </m:sSub>
-                            <m:r>
-                              <a:rPr lang="en-US" b="0" i="1" dirty="0" smtClean="0">
-                                <a:latin typeface="Cambria Math" panose="02040503050406030204" pitchFamily="18" charset="0"/>
-                              </a:rPr>
-                              <m:t>,  </m:t>
-                            </m:r>
-                            <m:sSub>
-                              <m:sSubPr>
-                                <m:ctrlPr>
-                                  <a:rPr lang="en-US" b="0" i="1" dirty="0" smtClean="0">
-                                    <a:latin typeface="Cambria Math" panose="02040503050406030204" pitchFamily="18" charset="0"/>
-                                  </a:rPr>
-                                </m:ctrlPr>
-                              </m:sSubPr>
-                              <m:e>
-                                <m:r>
-                                  <a:rPr lang="en-US" b="0" i="1" dirty="0" smtClean="0">
-                                    <a:latin typeface="Cambria Math" panose="02040503050406030204" pitchFamily="18" charset="0"/>
-                                  </a:rPr>
-                                  <m:t>𝑒</m:t>
-                                </m:r>
-                              </m:e>
-                              <m:sub>
-                                <m:r>
-                                  <a:rPr lang="en-US" b="0" i="1" dirty="0" smtClean="0">
-                                    <a:latin typeface="Cambria Math" panose="02040503050406030204" pitchFamily="18" charset="0"/>
-                                  </a:rPr>
-                                  <m:t>𝑡</m:t>
-                                </m:r>
-                              </m:sub>
-                            </m:sSub>
-                            <m:r>
-                              <a:rPr lang="en-US" b="0" i="1" dirty="0" smtClean="0">
-                                <a:latin typeface="Cambria Math" panose="02040503050406030204" pitchFamily="18" charset="0"/>
-                              </a:rPr>
-                              <m:t>≥0</m:t>
-                            </m:r>
-                          </m:e>
-                          <m:e>
-                            <m:sSup>
-                              <m:sSupPr>
-                                <m:ctrlPr>
-                                  <a:rPr lang="en-US" i="1" dirty="0">
-                                    <a:latin typeface="Cambria Math" panose="02040503050406030204" pitchFamily="18" charset="0"/>
-                                  </a:rPr>
-                                </m:ctrlPr>
-                              </m:sSupPr>
-                              <m:e>
-                                <m:r>
-                                  <a:rPr lang="en-US" i="1" dirty="0">
-                                    <a:latin typeface="Cambria Math" panose="02040503050406030204" pitchFamily="18" charset="0"/>
-                                  </a:rPr>
-                                  <m:t>𝛼</m:t>
-                                </m:r>
-                              </m:e>
-                              <m:sup>
-                                <m:r>
-                                  <a:rPr lang="en-US" b="0" i="1" dirty="0" smtClean="0">
-                                    <a:latin typeface="Cambria Math" panose="02040503050406030204" pitchFamily="18" charset="0"/>
-                                  </a:rPr>
-                                  <m:t>−</m:t>
-                                </m:r>
-                              </m:sup>
-                            </m:sSup>
-                            <m:sSub>
-                              <m:sSubPr>
-                                <m:ctrlPr>
-                                  <a:rPr lang="en-US" i="1" dirty="0">
-                                    <a:latin typeface="Cambria Math" panose="02040503050406030204" pitchFamily="18" charset="0"/>
-                                  </a:rPr>
-                                </m:ctrlPr>
-                              </m:sSubPr>
-                              <m:e>
-                                <m:r>
-                                  <a:rPr lang="en-US" b="0" i="1" dirty="0" smtClean="0">
-                                    <a:latin typeface="Cambria Math" panose="02040503050406030204" pitchFamily="18" charset="0"/>
-                                  </a:rPr>
-                                  <m:t>⋅</m:t>
-                                </m:r>
-                                <m:r>
-                                  <a:rPr lang="en-US" i="1" dirty="0">
-                                    <a:latin typeface="Cambria Math" panose="02040503050406030204" pitchFamily="18" charset="0"/>
-                                  </a:rPr>
-                                  <m:t>𝑒</m:t>
-                                </m:r>
-                              </m:e>
-                              <m:sub>
-                                <m:r>
-                                  <a:rPr lang="en-US" i="1" dirty="0">
-                                    <a:latin typeface="Cambria Math" panose="02040503050406030204" pitchFamily="18" charset="0"/>
-                                  </a:rPr>
-                                  <m:t>𝑡</m:t>
-                                </m:r>
-                              </m:sub>
-                            </m:sSub>
-                            <m:r>
-                              <a:rPr lang="en-US" b="0" i="1" dirty="0" smtClean="0">
-                                <a:latin typeface="Cambria Math" panose="02040503050406030204" pitchFamily="18" charset="0"/>
-                              </a:rPr>
-                              <m:t>,</m:t>
-                            </m:r>
-                            <m:sSub>
-                              <m:sSubPr>
-                                <m:ctrlPr>
-                                  <a:rPr lang="en-US" i="1" dirty="0">
-                                    <a:latin typeface="Cambria Math" panose="02040503050406030204" pitchFamily="18" charset="0"/>
-                                  </a:rPr>
-                                </m:ctrlPr>
-                              </m:sSubPr>
-                              <m:e>
-                                <m:r>
-                                  <a:rPr lang="en-US" i="1" dirty="0">
-                                    <a:latin typeface="Cambria Math" panose="02040503050406030204" pitchFamily="18" charset="0"/>
-                                  </a:rPr>
-                                  <m:t>𝑒</m:t>
-                                </m:r>
-                              </m:e>
-                              <m:sub>
-                                <m:r>
-                                  <a:rPr lang="en-US" i="1" dirty="0">
-                                    <a:latin typeface="Cambria Math" panose="02040503050406030204" pitchFamily="18" charset="0"/>
-                                  </a:rPr>
-                                  <m:t>𝑡</m:t>
-                                </m:r>
-                              </m:sub>
-                            </m:sSub>
-                            <m:r>
-                              <a:rPr lang="en-US" b="0" i="1" dirty="0" smtClean="0">
-                                <a:latin typeface="Cambria Math" panose="02040503050406030204" pitchFamily="18" charset="0"/>
-                              </a:rPr>
-                              <m:t>&lt;</m:t>
-                            </m:r>
-                            <m:r>
-                              <a:rPr lang="en-US" i="1" dirty="0">
-                                <a:latin typeface="Cambria Math" panose="02040503050406030204" pitchFamily="18" charset="0"/>
-                              </a:rPr>
-                              <m:t>0</m:t>
-                            </m:r>
-                          </m:e>
-                        </m:eqArr>
-                      </m:e>
-                    </m:d>
-                  </m:oMath>
+                  <m:oMathPara xmlns:m="http://schemas.openxmlformats.org/officeDocument/2006/math">
+                    <m:oMathParaPr>
+                      <m:jc m:val="centerGroup"/>
+                    </m:oMathParaPr>
+                    <m:oMath xmlns:m="http://schemas.openxmlformats.org/officeDocument/2006/math">
+                      <m:sSub>
+                        <m:sSubPr>
+                          <m:ctrlPr>
+                            <a:rPr lang="en-US" b="0" i="1" dirty="0" smtClean="0">
+                              <a:latin typeface="Cambria Math" panose="02040503050406030204" pitchFamily="18" charset="0"/>
+                            </a:rPr>
+                          </m:ctrlPr>
+                        </m:sSubPr>
+                        <m:e>
+                          <m:acc>
+                            <m:accPr>
+                              <m:chr m:val="̂"/>
+                              <m:ctrlPr>
+                                <a:rPr lang="ru-RU" b="0" i="1" smtClean="0">
+                                  <a:latin typeface="Cambria Math" panose="02040503050406030204" pitchFamily="18" charset="0"/>
+                                </a:rPr>
+                              </m:ctrlPr>
+                            </m:accPr>
+                            <m:e>
+                              <m:r>
+                                <a:rPr lang="en-US" b="0" i="1" smtClean="0">
+                                  <a:latin typeface="Cambria Math" panose="02040503050406030204" pitchFamily="18" charset="0"/>
+                                </a:rPr>
+                                <m:t>𝑦</m:t>
+                              </m:r>
+                            </m:e>
+                          </m:acc>
+                        </m:e>
+                        <m:sub>
+                          <m:r>
+                            <a:rPr lang="en-US" b="0" i="1" dirty="0" smtClean="0">
+                              <a:latin typeface="Cambria Math" panose="02040503050406030204" pitchFamily="18" charset="0"/>
+                            </a:rPr>
+                            <m:t>𝑡</m:t>
+                          </m:r>
+                          <m:r>
+                            <a:rPr lang="en-US" b="0" i="1" dirty="0" smtClean="0">
+                              <a:latin typeface="Cambria Math" panose="02040503050406030204" pitchFamily="18" charset="0"/>
+                            </a:rPr>
+                            <m:t>+1</m:t>
+                          </m:r>
+                        </m:sub>
+                      </m:sSub>
+                      <m:r>
+                        <a:rPr lang="en-US" b="0" i="1" dirty="0" smtClean="0">
+                          <a:latin typeface="Cambria Math" panose="02040503050406030204" pitchFamily="18" charset="0"/>
+                        </a:rPr>
+                        <m:t>=</m:t>
+                      </m:r>
+                      <m:sSub>
+                        <m:sSubPr>
+                          <m:ctrlPr>
+                            <a:rPr lang="en-US" i="1" dirty="0">
+                              <a:latin typeface="Cambria Math" panose="02040503050406030204" pitchFamily="18" charset="0"/>
+                            </a:rPr>
+                          </m:ctrlPr>
+                        </m:sSubPr>
+                        <m:e>
+                          <m:acc>
+                            <m:accPr>
+                              <m:chr m:val="̂"/>
+                              <m:ctrlPr>
+                                <a:rPr lang="ru-RU" i="1">
+                                  <a:latin typeface="Cambria Math" panose="02040503050406030204" pitchFamily="18" charset="0"/>
+                                </a:rPr>
+                              </m:ctrlPr>
+                            </m:accPr>
+                            <m:e>
+                              <m:r>
+                                <a:rPr lang="en-US" i="1">
+                                  <a:latin typeface="Cambria Math" panose="02040503050406030204" pitchFamily="18" charset="0"/>
+                                </a:rPr>
+                                <m:t>𝑦</m:t>
+                              </m:r>
+                            </m:e>
+                          </m:acc>
+                        </m:e>
+                        <m:sub>
+                          <m:r>
+                            <a:rPr lang="en-US" i="1" dirty="0">
+                              <a:latin typeface="Cambria Math" panose="02040503050406030204" pitchFamily="18" charset="0"/>
+                            </a:rPr>
+                            <m:t>𝑡</m:t>
+                          </m:r>
+                        </m:sub>
+                      </m:sSub>
+                      <m:r>
+                        <a:rPr lang="en-US" b="0" i="1" dirty="0" smtClean="0">
+                          <a:latin typeface="Cambria Math" panose="02040503050406030204" pitchFamily="18" charset="0"/>
+                        </a:rPr>
+                        <m:t>+</m:t>
+                      </m:r>
+                      <m:d>
+                        <m:dPr>
+                          <m:begChr m:val="{"/>
+                          <m:endChr m:val=""/>
+                          <m:ctrlPr>
+                            <a:rPr lang="en-US" b="0" i="1" dirty="0" smtClean="0">
+                              <a:latin typeface="Cambria Math" panose="02040503050406030204" pitchFamily="18" charset="0"/>
+                            </a:rPr>
+                          </m:ctrlPr>
+                        </m:dPr>
+                        <m:e>
+                          <m:eqArr>
+                            <m:eqArrPr>
+                              <m:ctrlPr>
+                                <a:rPr lang="en-US" b="0" i="1" dirty="0" smtClean="0">
+                                  <a:latin typeface="Cambria Math" panose="02040503050406030204" pitchFamily="18" charset="0"/>
+                                </a:rPr>
+                              </m:ctrlPr>
+                            </m:eqArrPr>
+                            <m:e>
+                              <m:sSup>
+                                <m:sSupPr>
+                                  <m:ctrlPr>
+                                    <a:rPr lang="en-US" i="1" dirty="0">
+                                      <a:latin typeface="Cambria Math" panose="02040503050406030204" pitchFamily="18" charset="0"/>
+                                    </a:rPr>
+                                  </m:ctrlPr>
+                                </m:sSupPr>
+                                <m:e>
+                                  <m:r>
+                                    <a:rPr lang="en-US" i="1" dirty="0">
+                                      <a:latin typeface="Cambria Math" panose="02040503050406030204" pitchFamily="18" charset="0"/>
+                                    </a:rPr>
+                                    <m:t>𝛼</m:t>
+                                  </m:r>
+                                </m:e>
+                                <m:sup>
+                                  <m:r>
+                                    <a:rPr lang="en-US" i="1" dirty="0">
+                                      <a:latin typeface="Cambria Math" panose="02040503050406030204" pitchFamily="18" charset="0"/>
+                                    </a:rPr>
+                                    <m:t>+</m:t>
+                                  </m:r>
+                                </m:sup>
+                              </m:sSup>
+                              <m:r>
+                                <a:rPr lang="en-US" b="0" i="1" dirty="0" smtClean="0">
+                                  <a:latin typeface="Cambria Math" panose="02040503050406030204" pitchFamily="18" charset="0"/>
+                                </a:rPr>
+                                <m:t>⋅</m:t>
+                              </m:r>
+                              <m:sSub>
+                                <m:sSubPr>
+                                  <m:ctrlPr>
+                                    <a:rPr lang="en-US" i="1" dirty="0">
+                                      <a:latin typeface="Cambria Math" panose="02040503050406030204" pitchFamily="18" charset="0"/>
+                                    </a:rPr>
+                                  </m:ctrlPr>
+                                </m:sSubPr>
+                                <m:e>
+                                  <m:r>
+                                    <a:rPr lang="en-US" i="1" dirty="0">
+                                      <a:latin typeface="Cambria Math" panose="02040503050406030204" pitchFamily="18" charset="0"/>
+                                    </a:rPr>
+                                    <m:t>𝑒</m:t>
+                                  </m:r>
+                                </m:e>
+                                <m:sub>
+                                  <m:r>
+                                    <a:rPr lang="en-US" i="1" dirty="0">
+                                      <a:latin typeface="Cambria Math" panose="02040503050406030204" pitchFamily="18" charset="0"/>
+                                    </a:rPr>
+                                    <m:t>𝑡</m:t>
+                                  </m:r>
+                                </m:sub>
+                              </m:sSub>
+                              <m:r>
+                                <a:rPr lang="en-US" b="0" i="1" dirty="0" smtClean="0">
+                                  <a:latin typeface="Cambria Math" panose="02040503050406030204" pitchFamily="18" charset="0"/>
+                                </a:rPr>
+                                <m:t>,  </m:t>
+                              </m:r>
+                              <m:sSub>
+                                <m:sSubPr>
+                                  <m:ctrlPr>
+                                    <a:rPr lang="en-US" b="0" i="1" dirty="0" smtClean="0">
+                                      <a:latin typeface="Cambria Math" panose="02040503050406030204" pitchFamily="18" charset="0"/>
+                                    </a:rPr>
+                                  </m:ctrlPr>
+                                </m:sSubPr>
+                                <m:e>
+                                  <m:r>
+                                    <a:rPr lang="en-US" b="0" i="1" dirty="0" smtClean="0">
+                                      <a:latin typeface="Cambria Math" panose="02040503050406030204" pitchFamily="18" charset="0"/>
+                                    </a:rPr>
+                                    <m:t>𝑒</m:t>
+                                  </m:r>
+                                </m:e>
+                                <m:sub>
+                                  <m:r>
+                                    <a:rPr lang="en-US" b="0" i="1" dirty="0" smtClean="0">
+                                      <a:latin typeface="Cambria Math" panose="02040503050406030204" pitchFamily="18" charset="0"/>
+                                    </a:rPr>
+                                    <m:t>𝑡</m:t>
+                                  </m:r>
+                                </m:sub>
+                              </m:sSub>
+                              <m:r>
+                                <a:rPr lang="en-US" b="0" i="1" dirty="0" smtClean="0">
+                                  <a:latin typeface="Cambria Math" panose="02040503050406030204" pitchFamily="18" charset="0"/>
+                                </a:rPr>
+                                <m:t>≥0</m:t>
+                              </m:r>
+                            </m:e>
+                            <m:e>
+                              <m:sSup>
+                                <m:sSupPr>
+                                  <m:ctrlPr>
+                                    <a:rPr lang="en-US" i="1" dirty="0">
+                                      <a:latin typeface="Cambria Math" panose="02040503050406030204" pitchFamily="18" charset="0"/>
+                                    </a:rPr>
+                                  </m:ctrlPr>
+                                </m:sSupPr>
+                                <m:e>
+                                  <m:r>
+                                    <a:rPr lang="en-US" i="1" dirty="0">
+                                      <a:latin typeface="Cambria Math" panose="02040503050406030204" pitchFamily="18" charset="0"/>
+                                    </a:rPr>
+                                    <m:t>𝛼</m:t>
+                                  </m:r>
+                                </m:e>
+                                <m:sup>
+                                  <m:r>
+                                    <a:rPr lang="en-US" b="0" i="1" dirty="0" smtClean="0">
+                                      <a:latin typeface="Cambria Math" panose="02040503050406030204" pitchFamily="18" charset="0"/>
+                                    </a:rPr>
+                                    <m:t>−</m:t>
+                                  </m:r>
+                                </m:sup>
+                              </m:sSup>
+                              <m:sSub>
+                                <m:sSubPr>
+                                  <m:ctrlPr>
+                                    <a:rPr lang="en-US" i="1" dirty="0">
+                                      <a:latin typeface="Cambria Math" panose="02040503050406030204" pitchFamily="18" charset="0"/>
+                                    </a:rPr>
+                                  </m:ctrlPr>
+                                </m:sSubPr>
+                                <m:e>
+                                  <m:r>
+                                    <a:rPr lang="en-US" b="0" i="1" dirty="0" smtClean="0">
+                                      <a:latin typeface="Cambria Math" panose="02040503050406030204" pitchFamily="18" charset="0"/>
+                                    </a:rPr>
+                                    <m:t>⋅</m:t>
+                                  </m:r>
+                                  <m:r>
+                                    <a:rPr lang="en-US" i="1" dirty="0">
+                                      <a:latin typeface="Cambria Math" panose="02040503050406030204" pitchFamily="18" charset="0"/>
+                                    </a:rPr>
+                                    <m:t>𝑒</m:t>
+                                  </m:r>
+                                </m:e>
+                                <m:sub>
+                                  <m:r>
+                                    <a:rPr lang="en-US" i="1" dirty="0">
+                                      <a:latin typeface="Cambria Math" panose="02040503050406030204" pitchFamily="18" charset="0"/>
+                                    </a:rPr>
+                                    <m:t>𝑡</m:t>
+                                  </m:r>
+                                </m:sub>
+                              </m:sSub>
+                              <m:r>
+                                <a:rPr lang="en-US" b="0" i="1" dirty="0" smtClean="0">
+                                  <a:latin typeface="Cambria Math" panose="02040503050406030204" pitchFamily="18" charset="0"/>
+                                </a:rPr>
+                                <m:t>,</m:t>
+                              </m:r>
+                              <m:r>
+                                <a:rPr lang="ru-RU" b="0" i="1" dirty="0" smtClean="0">
+                                  <a:latin typeface="Cambria Math" panose="02040503050406030204" pitchFamily="18" charset="0"/>
+                                </a:rPr>
+                                <m:t>   </m:t>
+                              </m:r>
+                              <m:sSub>
+                                <m:sSubPr>
+                                  <m:ctrlPr>
+                                    <a:rPr lang="en-US" i="1" dirty="0">
+                                      <a:latin typeface="Cambria Math" panose="02040503050406030204" pitchFamily="18" charset="0"/>
+                                    </a:rPr>
+                                  </m:ctrlPr>
+                                </m:sSubPr>
+                                <m:e>
+                                  <m:r>
+                                    <a:rPr lang="en-US" i="1" dirty="0">
+                                      <a:latin typeface="Cambria Math" panose="02040503050406030204" pitchFamily="18" charset="0"/>
+                                    </a:rPr>
+                                    <m:t>𝑒</m:t>
+                                  </m:r>
+                                </m:e>
+                                <m:sub>
+                                  <m:r>
+                                    <a:rPr lang="en-US" i="1" dirty="0">
+                                      <a:latin typeface="Cambria Math" panose="02040503050406030204" pitchFamily="18" charset="0"/>
+                                    </a:rPr>
+                                    <m:t>𝑡</m:t>
+                                  </m:r>
+                                </m:sub>
+                              </m:sSub>
+                              <m:r>
+                                <a:rPr lang="en-US" b="0" i="1" dirty="0" smtClean="0">
+                                  <a:latin typeface="Cambria Math" panose="02040503050406030204" pitchFamily="18" charset="0"/>
+                                </a:rPr>
+                                <m:t>&lt;</m:t>
+                              </m:r>
+                              <m:r>
+                                <a:rPr lang="en-US" i="1" dirty="0">
+                                  <a:latin typeface="Cambria Math" panose="02040503050406030204" pitchFamily="18" charset="0"/>
+                                </a:rPr>
+                                <m:t>0</m:t>
+                              </m:r>
+                            </m:e>
+                          </m:eqArr>
+                        </m:e>
+                      </m:d>
+                    </m:oMath>
+                  </m:oMathPara>
                 </a14:m>
                 <a:endParaRPr lang="ru-RU" dirty="0"/>
               </a:p>
             </p:txBody>
           </p:sp>
         </mc:Choice>
-        <mc:Fallback xmlns="">
+        <mc:Fallback>
           <p:sp>
             <p:nvSpPr>
               <p:cNvPr id="3" name="Content Placeholder 2"/>
@@ -22262,7 +28218,7 @@
         </p:blipFill>
         <p:spPr>
           <a:xfrm>
-            <a:off x="200847" y="3819890"/>
+            <a:off x="200847" y="3444754"/>
             <a:ext cx="8742305" cy="2856767"/>
           </a:xfrm>
           <a:prstGeom prst="rect">
@@ -22270,6 +28226,49 @@
           </a:prstGeom>
         </p:spPr>
       </p:pic>
+      <p:sp>
+        <p:nvSpPr>
+          <p:cNvPr id="5" name="Rectangle 4"/>
+          <p:cNvSpPr/>
+          <p:nvPr/>
+        </p:nvSpPr>
+        <p:spPr>
+          <a:xfrm>
+            <a:off x="457200" y="6333495"/>
+            <a:ext cx="8311662" cy="369332"/>
+          </a:xfrm>
+          <a:prstGeom prst="rect">
+            <a:avLst/>
+          </a:prstGeom>
+        </p:spPr>
+        <p:txBody>
+          <a:bodyPr wrap="square">
+            <a:spAutoFit/>
+          </a:bodyPr>
+          <a:lstStyle/>
+          <a:p>
+            <a:r>
+              <a:rPr lang="en-US" dirty="0" smtClean="0"/>
+              <a:t>T. </a:t>
+            </a:r>
+            <a:r>
+              <a:rPr lang="en-US" dirty="0" err="1" smtClean="0"/>
+              <a:t>Cipra</a:t>
+            </a:r>
+            <a:r>
+              <a:rPr lang="en-US" dirty="0" smtClean="0"/>
+              <a:t>,  </a:t>
+            </a:r>
+            <a:r>
+              <a:rPr lang="en-US" dirty="0" smtClean="0">
+                <a:hlinkClick r:id="rId4"/>
+              </a:rPr>
+              <a:t>Asymmetric recursive methods for time series</a:t>
+            </a:r>
+            <a:endParaRPr lang="ru-RU" dirty="0"/>
+          </a:p>
+        </p:txBody>
+      </p:sp>
     </p:spTree>
     <p:extLst>
       <p:ext uri="{BB962C8B-B14F-4D97-AF65-F5344CB8AC3E}">
@@ -22623,26 +28622,43 @@
       </p:sp>
       <p:pic>
         <p:nvPicPr>
-          <p:cNvPr id="4" name="Picture 3"/>
+          <p:cNvPr id="1026" name="Picture 2" descr="Картинки по запросу product life cycle"/>
           <p:cNvPicPr>
-            <a:picLocks noChangeAspect="1"/>
+            <a:picLocks noChangeAspect="1" noChangeArrowheads="1"/>
           </p:cNvPicPr>
           <p:nvPr/>
         </p:nvPicPr>
         <p:blipFill>
-          <a:blip r:embed="rId2"/>
+          <a:blip r:embed="rId2">
+            <a:extLst>
+              <a:ext uri="{28A0092B-C50C-407E-A947-70E740481C1C}">
+                <a14:useLocalDpi xmlns:a14="http://schemas.microsoft.com/office/drawing/2010/main" val="0"/>
+              </a:ext>
+            </a:extLst>
+          </a:blip>
+          <a:srcRect/>
           <a:stretch>
             <a:fillRect/>
           </a:stretch>
         </p:blipFill>
-        <p:spPr>
+        <p:spPr bwMode="auto">
           <a:xfrm>
-            <a:off x="973014" y="1266680"/>
-            <a:ext cx="7385539" cy="5283502"/>
+            <a:off x="331420" y="1840524"/>
+            <a:ext cx="8664265" cy="3985846"/>
           </a:xfrm>
           <a:prstGeom prst="rect">
             <a:avLst/>
           </a:prstGeom>
+          <a:noFill/>
+          <a:extLst>
+            <a:ext uri="{909E8E84-426E-40DD-AFC4-6F175D3DCCD1}">
+              <a14:hiddenFill xmlns:a14="http://schemas.microsoft.com/office/drawing/2010/main">
+                <a:solidFill>
+                  <a:srgbClr val="FFFFFF"/>
+                </a:solidFill>
+              </a14:hiddenFill>
+            </a:ext>
+          </a:extLst>
         </p:spPr>
       </p:pic>
     </p:spTree>
@@ -22747,9 +28763,18 @@
           <a:p>
             <a:pPr lvl="1"/>
             <a:r>
-              <a:rPr lang="en-US" dirty="0" smtClean="0"/>
-              <a:t>Time series wrapping</a:t>
+              <a:rPr lang="en-US" dirty="0" smtClean="0">
+                <a:hlinkClick r:id="rId3"/>
+              </a:rPr>
+              <a:t>Time series </a:t>
             </a:r>
+            <a:r>
+              <a:rPr lang="en-US" dirty="0" smtClean="0">
+                <a:hlinkClick r:id="rId3"/>
+              </a:rPr>
+              <a:t>warping</a:t>
+            </a:r>
+            <a:endParaRPr lang="en-US" dirty="0" smtClean="0"/>
           </a:p>
           <a:p>
             <a:endParaRPr lang="en-US" dirty="0" smtClean="0"/>
@@ -22786,7 +28811,7 @@
           <p:nvPr/>
         </p:nvPicPr>
         <p:blipFill>
-          <a:blip r:embed="rId3"/>
+          <a:blip r:embed="rId4"/>
           <a:stretch>
             <a:fillRect/>
           </a:stretch>
@@ -22856,7 +28881,7 @@
         </p:blipFill>
         <p:spPr>
           <a:xfrm>
-            <a:off x="1979271" y="4483298"/>
+            <a:off x="2776441" y="4483298"/>
             <a:ext cx="6074483" cy="2069901"/>
           </a:xfrm>
           <a:prstGeom prst="rect">
@@ -22911,6 +28936,43 @@
           </a:prstGeom>
         </p:spPr>
       </p:pic>
+      <p:sp>
+        <p:nvSpPr>
+          <p:cNvPr id="3" name="Rectangle 2"/>
+          <p:cNvSpPr/>
+          <p:nvPr/>
+        </p:nvSpPr>
+        <p:spPr>
+          <a:xfrm>
+            <a:off x="4806462" y="2581136"/>
+            <a:ext cx="4572000" cy="369332"/>
+          </a:xfrm>
+          <a:prstGeom prst="rect">
+            <a:avLst/>
+          </a:prstGeom>
+        </p:spPr>
+        <p:txBody>
+          <a:bodyPr>
+            <a:spAutoFit/>
+          </a:bodyPr>
+          <a:lstStyle/>
+          <a:p>
+            <a:r>
+              <a:rPr lang="en-US" dirty="0">
+                <a:hlinkClick r:id="rId4"/>
+              </a:rPr>
+              <a:t>Derivative Dynamic Time </a:t>
+            </a:r>
+            <a:r>
+              <a:rPr lang="en-US" dirty="0" smtClean="0">
+                <a:hlinkClick r:id="rId4"/>
+              </a:rPr>
+              <a:t>Warping</a:t>
+            </a:r>
+            <a:endParaRPr lang="ru-RU" dirty="0"/>
+          </a:p>
+        </p:txBody>
+      </p:sp>
     </p:spTree>
     <p:extLst>
       <p:ext uri="{BB962C8B-B14F-4D97-AF65-F5344CB8AC3E}">
@@ -22921,6 +28983,13 @@
   <p:clrMapOvr>
     <a:masterClrMapping/>
   </p:clrMapOvr>
+  <p:timing>
+    <p:tnLst>
+      <p:par>
+        <p:cTn id="1" dur="indefinite" restart="never" nodeType="tmRoot"/>
+      </p:par>
+    </p:tnLst>
+  </p:timing>
 </p:sld>
 </file>
 
@@ -23020,6 +29089,13 @@
   <p:clrMapOvr>
     <a:masterClrMapping/>
   </p:clrMapOvr>
+  <p:timing>
+    <p:tnLst>
+      <p:par>
+        <p:cTn id="1" dur="indefinite" restart="never" nodeType="tmRoot"/>
+      </p:par>
+    </p:tnLst>
+  </p:timing>
 </p:sld>
 </file>
 
@@ -29164,8 +35240,8 @@
           </a:p>
         </p:txBody>
       </p:sp>
-      <mc:AlternateContent xmlns:mc="http://schemas.openxmlformats.org/markup-compatibility/2006" xmlns:a14="http://schemas.microsoft.com/office/drawing/2010/main">
-        <mc:Choice Requires="a14">
+      <mc:AlternateContent xmlns:mc="http://schemas.openxmlformats.org/markup-compatibility/2006">
+        <mc:Choice xmlns:a14="http://schemas.microsoft.com/office/drawing/2010/main" Requires="a14">
           <p:sp>
             <p:nvSpPr>
               <p:cNvPr id="3" name="Объект 2"/>
@@ -29396,8 +35472,16 @@
                   <a:t>стоимость денег (ставка </a:t>
                 </a:r>
                 <a:r>
-                  <a:rPr lang="ru-RU" dirty="0" err="1" smtClean="0"/>
-                  <a:t>дискотирования</a:t>
+                  <a:rPr lang="ru-RU" dirty="0" smtClean="0"/>
+                  <a:t>диско</a:t>
+                </a:r>
+                <a:r>
+                  <a:rPr lang="ru-RU" dirty="0"/>
+                  <a:t>н</a:t>
+                </a:r>
+                <a:r>
+                  <a:rPr lang="ru-RU" dirty="0" smtClean="0"/>
+                  <a:t>тирования</a:t>
                 </a:r>
                 <a:r>
                   <a:rPr lang="ru-RU" dirty="0" smtClean="0"/>
@@ -29554,7 +35638,7 @@
             </p:txBody>
           </p:sp>
         </mc:Choice>
-        <mc:Fallback xmlns="">
+        <mc:Fallback>
           <p:sp>
             <p:nvSpPr>
               <p:cNvPr id="3" name="Объект 2"/>
